--- a/content/04-os-command-line-interfaces.pptx
+++ b/content/04-os-command-line-interfaces.pptx
@@ -5,33 +5,34 @@
     <p:sldMasterId id="2147483696" r:id="rId1"/>
   </p:sldMasterIdLst>
   <p:notesMasterIdLst>
-    <p:notesMasterId r:id="rId26"/>
+    <p:notesMasterId r:id="rId27"/>
   </p:notesMasterIdLst>
   <p:sldIdLst>
     <p:sldId id="297" r:id="rId2"/>
     <p:sldId id="289" r:id="rId3"/>
     <p:sldId id="258" r:id="rId4"/>
-    <p:sldId id="318" r:id="rId5"/>
-    <p:sldId id="302" r:id="rId6"/>
-    <p:sldId id="304" r:id="rId7"/>
-    <p:sldId id="314" r:id="rId8"/>
-    <p:sldId id="288" r:id="rId9"/>
-    <p:sldId id="305" r:id="rId10"/>
-    <p:sldId id="311" r:id="rId11"/>
-    <p:sldId id="307" r:id="rId12"/>
-    <p:sldId id="315" r:id="rId13"/>
-    <p:sldId id="316" r:id="rId14"/>
-    <p:sldId id="312" r:id="rId15"/>
-    <p:sldId id="306" r:id="rId16"/>
-    <p:sldId id="317" r:id="rId17"/>
-    <p:sldId id="308" r:id="rId18"/>
-    <p:sldId id="298" r:id="rId19"/>
-    <p:sldId id="291" r:id="rId20"/>
-    <p:sldId id="294" r:id="rId21"/>
-    <p:sldId id="292" r:id="rId22"/>
-    <p:sldId id="295" r:id="rId23"/>
-    <p:sldId id="293" r:id="rId24"/>
-    <p:sldId id="283" r:id="rId25"/>
+    <p:sldId id="322" r:id="rId5"/>
+    <p:sldId id="320" r:id="rId6"/>
+    <p:sldId id="302" r:id="rId7"/>
+    <p:sldId id="304" r:id="rId8"/>
+    <p:sldId id="314" r:id="rId9"/>
+    <p:sldId id="288" r:id="rId10"/>
+    <p:sldId id="305" r:id="rId11"/>
+    <p:sldId id="311" r:id="rId12"/>
+    <p:sldId id="307" r:id="rId13"/>
+    <p:sldId id="315" r:id="rId14"/>
+    <p:sldId id="316" r:id="rId15"/>
+    <p:sldId id="312" r:id="rId16"/>
+    <p:sldId id="306" r:id="rId17"/>
+    <p:sldId id="317" r:id="rId18"/>
+    <p:sldId id="308" r:id="rId19"/>
+    <p:sldId id="298" r:id="rId20"/>
+    <p:sldId id="291" r:id="rId21"/>
+    <p:sldId id="294" r:id="rId22"/>
+    <p:sldId id="292" r:id="rId23"/>
+    <p:sldId id="295" r:id="rId24"/>
+    <p:sldId id="321" r:id="rId25"/>
+    <p:sldId id="283" r:id="rId26"/>
   </p:sldIdLst>
   <p:sldSz cx="12192000" cy="6858000"/>
   <p:notesSz cx="6858000" cy="9144000"/>
@@ -138,7 +139,8 @@
             <p14:sldId id="297"/>
             <p14:sldId id="289"/>
             <p14:sldId id="258"/>
-            <p14:sldId id="318"/>
+            <p14:sldId id="322"/>
+            <p14:sldId id="320"/>
           </p14:sldIdLst>
         </p14:section>
         <p14:section name="Content" id="{2C67B003-B916-43D3-BE5B-B3D36B8F4E1C}">
@@ -165,7 +167,7 @@
           <p14:sldIdLst>
             <p14:sldId id="292"/>
             <p14:sldId id="295"/>
-            <p14:sldId id="293"/>
+            <p14:sldId id="321"/>
             <p14:sldId id="283"/>
           </p14:sldIdLst>
         </p14:section>
@@ -1190,6 +1192,13 @@
         </dgm:presLayoutVars>
       </dgm:prSet>
       <dgm:spPr/>
+      <dgm:t>
+        <a:bodyPr/>
+        <a:lstStyle/>
+        <a:p>
+          <a:endParaRPr lang="en-US"/>
+        </a:p>
+      </dgm:t>
     </dgm:pt>
     <dgm:pt modelId="{527172BC-55CC-42E5-BCBD-FAA38C170B13}" type="pres">
       <dgm:prSet presAssocID="{0C6B232B-4C79-4AB4-B018-72A89D176634}" presName="parentLin" presStyleCnt="0"/>
@@ -1198,6 +1207,13 @@
     <dgm:pt modelId="{7389466E-4A65-42B9-B30E-B192B76575FF}" type="pres">
       <dgm:prSet presAssocID="{0C6B232B-4C79-4AB4-B018-72A89D176634}" presName="parentLeftMargin" presStyleLbl="node1" presStyleIdx="0" presStyleCnt="6"/>
       <dgm:spPr/>
+      <dgm:t>
+        <a:bodyPr/>
+        <a:lstStyle/>
+        <a:p>
+          <a:endParaRPr lang="en-US"/>
+        </a:p>
+      </dgm:t>
     </dgm:pt>
     <dgm:pt modelId="{45461E07-E8B7-401B-A827-699507942290}" type="pres">
       <dgm:prSet presAssocID="{0C6B232B-4C79-4AB4-B018-72A89D176634}" presName="parentText" presStyleLbl="node1" presStyleIdx="0" presStyleCnt="6">
@@ -1207,6 +1223,13 @@
         </dgm:presLayoutVars>
       </dgm:prSet>
       <dgm:spPr/>
+      <dgm:t>
+        <a:bodyPr/>
+        <a:lstStyle/>
+        <a:p>
+          <a:endParaRPr lang="en-US"/>
+        </a:p>
+      </dgm:t>
     </dgm:pt>
     <dgm:pt modelId="{EAE335A4-4F67-49D5-9516-37C413CAC5DC}" type="pres">
       <dgm:prSet presAssocID="{0C6B232B-4C79-4AB4-B018-72A89D176634}" presName="negativeSpace" presStyleCnt="0"/>
@@ -1231,6 +1254,13 @@
     <dgm:pt modelId="{0CADD586-C229-4A00-BAEC-0A0A8EC9DFBA}" type="pres">
       <dgm:prSet presAssocID="{4716A7DC-63C5-4D01-82D3-24BCC6475839}" presName="parentLeftMargin" presStyleLbl="node1" presStyleIdx="0" presStyleCnt="6"/>
       <dgm:spPr/>
+      <dgm:t>
+        <a:bodyPr/>
+        <a:lstStyle/>
+        <a:p>
+          <a:endParaRPr lang="en-US"/>
+        </a:p>
+      </dgm:t>
     </dgm:pt>
     <dgm:pt modelId="{7B503141-F9D5-4249-988A-271AA200BA4B}" type="pres">
       <dgm:prSet presAssocID="{4716A7DC-63C5-4D01-82D3-24BCC6475839}" presName="parentText" presStyleLbl="node1" presStyleIdx="1" presStyleCnt="6">
@@ -1240,6 +1270,13 @@
         </dgm:presLayoutVars>
       </dgm:prSet>
       <dgm:spPr/>
+      <dgm:t>
+        <a:bodyPr/>
+        <a:lstStyle/>
+        <a:p>
+          <a:endParaRPr lang="en-US"/>
+        </a:p>
+      </dgm:t>
     </dgm:pt>
     <dgm:pt modelId="{F02BCA59-7881-442D-B486-1E471850BBC6}" type="pres">
       <dgm:prSet presAssocID="{4716A7DC-63C5-4D01-82D3-24BCC6475839}" presName="negativeSpace" presStyleCnt="0"/>
@@ -1264,6 +1301,13 @@
     <dgm:pt modelId="{D9A6D485-D48B-4837-A436-F17DC29DB33E}" type="pres">
       <dgm:prSet presAssocID="{96357181-6160-4DE4-85B8-46F788C3E1D1}" presName="parentLeftMargin" presStyleLbl="node1" presStyleIdx="1" presStyleCnt="6"/>
       <dgm:spPr/>
+      <dgm:t>
+        <a:bodyPr/>
+        <a:lstStyle/>
+        <a:p>
+          <a:endParaRPr lang="en-US"/>
+        </a:p>
+      </dgm:t>
     </dgm:pt>
     <dgm:pt modelId="{57CE8033-88DE-40BC-AF00-D4280CC63820}" type="pres">
       <dgm:prSet presAssocID="{96357181-6160-4DE4-85B8-46F788C3E1D1}" presName="parentText" presStyleLbl="node1" presStyleIdx="2" presStyleCnt="6">
@@ -1273,6 +1317,13 @@
         </dgm:presLayoutVars>
       </dgm:prSet>
       <dgm:spPr/>
+      <dgm:t>
+        <a:bodyPr/>
+        <a:lstStyle/>
+        <a:p>
+          <a:endParaRPr lang="en-US"/>
+        </a:p>
+      </dgm:t>
     </dgm:pt>
     <dgm:pt modelId="{66E6918F-D0C1-4101-826B-29F11F21DAD4}" type="pres">
       <dgm:prSet presAssocID="{96357181-6160-4DE4-85B8-46F788C3E1D1}" presName="negativeSpace" presStyleCnt="0"/>
@@ -1285,6 +1336,13 @@
         </dgm:presLayoutVars>
       </dgm:prSet>
       <dgm:spPr/>
+      <dgm:t>
+        <a:bodyPr/>
+        <a:lstStyle/>
+        <a:p>
+          <a:endParaRPr lang="en-US"/>
+        </a:p>
+      </dgm:t>
     </dgm:pt>
     <dgm:pt modelId="{231EB0C1-8509-4BE6-AC69-792D7DDA9C3A}" type="pres">
       <dgm:prSet presAssocID="{5DFC190F-1B44-4BF4-8276-C58B3FE83358}" presName="spaceBetweenRectangles" presStyleCnt="0"/>
@@ -1297,6 +1355,13 @@
     <dgm:pt modelId="{FED3FFAD-4AF5-4BFE-B3A9-64CF542DE598}" type="pres">
       <dgm:prSet presAssocID="{35031DD2-FDD0-4DAE-9042-204020DA0247}" presName="parentLeftMargin" presStyleLbl="node1" presStyleIdx="2" presStyleCnt="6"/>
       <dgm:spPr/>
+      <dgm:t>
+        <a:bodyPr/>
+        <a:lstStyle/>
+        <a:p>
+          <a:endParaRPr lang="en-US"/>
+        </a:p>
+      </dgm:t>
     </dgm:pt>
     <dgm:pt modelId="{674888BA-5CB6-48FD-8B79-AC70CBB28859}" type="pres">
       <dgm:prSet presAssocID="{35031DD2-FDD0-4DAE-9042-204020DA0247}" presName="parentText" presStyleLbl="node1" presStyleIdx="3" presStyleCnt="6">
@@ -1306,6 +1371,13 @@
         </dgm:presLayoutVars>
       </dgm:prSet>
       <dgm:spPr/>
+      <dgm:t>
+        <a:bodyPr/>
+        <a:lstStyle/>
+        <a:p>
+          <a:endParaRPr lang="en-US"/>
+        </a:p>
+      </dgm:t>
     </dgm:pt>
     <dgm:pt modelId="{1C8FA55B-66D8-4BE8-93A9-B45C657A4478}" type="pres">
       <dgm:prSet presAssocID="{35031DD2-FDD0-4DAE-9042-204020DA0247}" presName="negativeSpace" presStyleCnt="0"/>
@@ -1330,6 +1402,13 @@
     <dgm:pt modelId="{EFB99048-2704-496B-BB36-E55037AC3ABF}" type="pres">
       <dgm:prSet presAssocID="{32D0127E-81A7-40A2-92D8-6533BB6F94D0}" presName="parentLeftMargin" presStyleLbl="node1" presStyleIdx="3" presStyleCnt="6"/>
       <dgm:spPr/>
+      <dgm:t>
+        <a:bodyPr/>
+        <a:lstStyle/>
+        <a:p>
+          <a:endParaRPr lang="en-US"/>
+        </a:p>
+      </dgm:t>
     </dgm:pt>
     <dgm:pt modelId="{E2FD6336-ED1F-4433-AB59-0CEBBD0DF1FF}" type="pres">
       <dgm:prSet presAssocID="{32D0127E-81A7-40A2-92D8-6533BB6F94D0}" presName="parentText" presStyleLbl="node1" presStyleIdx="4" presStyleCnt="6">
@@ -1339,6 +1418,13 @@
         </dgm:presLayoutVars>
       </dgm:prSet>
       <dgm:spPr/>
+      <dgm:t>
+        <a:bodyPr/>
+        <a:lstStyle/>
+        <a:p>
+          <a:endParaRPr lang="en-US"/>
+        </a:p>
+      </dgm:t>
     </dgm:pt>
     <dgm:pt modelId="{FC86FB0A-7F20-4340-B3A6-93E3D6B95CA6}" type="pres">
       <dgm:prSet presAssocID="{32D0127E-81A7-40A2-92D8-6533BB6F94D0}" presName="negativeSpace" presStyleCnt="0"/>
@@ -1363,6 +1449,13 @@
     <dgm:pt modelId="{D296FECC-D127-468B-9265-1DBA9131ACA9}" type="pres">
       <dgm:prSet presAssocID="{E909B2CD-F811-4DFE-8EDA-87C630884AC5}" presName="parentLeftMargin" presStyleLbl="node1" presStyleIdx="4" presStyleCnt="6"/>
       <dgm:spPr/>
+      <dgm:t>
+        <a:bodyPr/>
+        <a:lstStyle/>
+        <a:p>
+          <a:endParaRPr lang="en-US"/>
+        </a:p>
+      </dgm:t>
     </dgm:pt>
     <dgm:pt modelId="{765AF105-741C-4535-B652-08EEC39A39C7}" type="pres">
       <dgm:prSet presAssocID="{E909B2CD-F811-4DFE-8EDA-87C630884AC5}" presName="parentText" presStyleLbl="node1" presStyleIdx="5" presStyleCnt="6">
@@ -1372,6 +1465,13 @@
         </dgm:presLayoutVars>
       </dgm:prSet>
       <dgm:spPr/>
+      <dgm:t>
+        <a:bodyPr/>
+        <a:lstStyle/>
+        <a:p>
+          <a:endParaRPr lang="en-US"/>
+        </a:p>
+      </dgm:t>
     </dgm:pt>
     <dgm:pt modelId="{70D10793-AA09-4942-BCE1-DF7DDDE31350}" type="pres">
       <dgm:prSet presAssocID="{E909B2CD-F811-4DFE-8EDA-87C630884AC5}" presName="negativeSpace" presStyleCnt="0"/>
@@ -1387,27 +1487,27 @@
     </dgm:pt>
   </dgm:ptLst>
   <dgm:cxnLst>
+    <dgm:cxn modelId="{1E0815FA-2049-499D-A078-FBBCE59EDAA4}" type="presOf" srcId="{E909B2CD-F811-4DFE-8EDA-87C630884AC5}" destId="{D296FECC-D127-468B-9265-1DBA9131ACA9}" srcOrd="0" destOrd="0" presId="urn:microsoft.com/office/officeart/2005/8/layout/list1"/>
+    <dgm:cxn modelId="{968B6CE8-B10A-4F3D-9712-01767B20607A}" type="presOf" srcId="{35031DD2-FDD0-4DAE-9042-204020DA0247}" destId="{FED3FFAD-4AF5-4BFE-B3A9-64CF542DE598}" srcOrd="0" destOrd="0" presId="urn:microsoft.com/office/officeart/2005/8/layout/list1"/>
+    <dgm:cxn modelId="{01F5926C-B638-41EE-AD25-92469568E7E2}" srcId="{122BC740-6901-4DA0-B21B-63BA97CDAB0E}" destId="{35031DD2-FDD0-4DAE-9042-204020DA0247}" srcOrd="3" destOrd="0" parTransId="{B7486A14-1398-4715-B0AC-7F5BD4642AF8}" sibTransId="{825D9934-C43F-4709-92A4-3D29E780E744}"/>
+    <dgm:cxn modelId="{4B60ACC1-6853-4D85-8C68-F5260C910642}" type="presOf" srcId="{122BC740-6901-4DA0-B21B-63BA97CDAB0E}" destId="{876311F8-FE09-4D88-B753-50377512E4E7}" srcOrd="0" destOrd="0" presId="urn:microsoft.com/office/officeart/2005/8/layout/list1"/>
+    <dgm:cxn modelId="{D1066096-866A-4005-A38C-0FD047592872}" type="presOf" srcId="{0C6B232B-4C79-4AB4-B018-72A89D176634}" destId="{45461E07-E8B7-401B-A827-699507942290}" srcOrd="1" destOrd="0" presId="urn:microsoft.com/office/officeart/2005/8/layout/list1"/>
     <dgm:cxn modelId="{194B741D-0B50-4547-93E4-C93300B505CE}" srcId="{96357181-6160-4DE4-85B8-46F788C3E1D1}" destId="{B67A090B-0813-4D55-B00B-EFA458E78608}" srcOrd="0" destOrd="0" parTransId="{F51A0CBA-FECA-4946-99D5-459A48342B25}" sibTransId="{1C8D7C04-CEF3-4201-8120-E34257CBF1F2}"/>
     <dgm:cxn modelId="{21FDF31F-1C00-44AE-AF19-8180CF6195CF}" srcId="{122BC740-6901-4DA0-B21B-63BA97CDAB0E}" destId="{96357181-6160-4DE4-85B8-46F788C3E1D1}" srcOrd="2" destOrd="0" parTransId="{A862ED1B-0A4B-46EF-A0F2-FDDAB5259051}" sibTransId="{5DFC190F-1B44-4BF4-8276-C58B3FE83358}"/>
+    <dgm:cxn modelId="{B34D1A92-DB34-4699-BAA6-3D2348C70207}" type="presOf" srcId="{E909B2CD-F811-4DFE-8EDA-87C630884AC5}" destId="{765AF105-741C-4535-B652-08EEC39A39C7}" srcOrd="1" destOrd="0" presId="urn:microsoft.com/office/officeart/2005/8/layout/list1"/>
+    <dgm:cxn modelId="{9BD6B16A-04C5-4A4A-AF44-6DBEB0373D61}" type="presOf" srcId="{32D0127E-81A7-40A2-92D8-6533BB6F94D0}" destId="{EFB99048-2704-496B-BB36-E55037AC3ABF}" srcOrd="0" destOrd="0" presId="urn:microsoft.com/office/officeart/2005/8/layout/list1"/>
+    <dgm:cxn modelId="{B5FCAE29-0BFB-467E-BD9B-01DC3413EE0A}" type="presOf" srcId="{4716A7DC-63C5-4D01-82D3-24BCC6475839}" destId="{0CADD586-C229-4A00-BAEC-0A0A8EC9DFBA}" srcOrd="0" destOrd="0" presId="urn:microsoft.com/office/officeart/2005/8/layout/list1"/>
+    <dgm:cxn modelId="{16540588-3A07-45AB-8C44-CC27CBC5F874}" srcId="{122BC740-6901-4DA0-B21B-63BA97CDAB0E}" destId="{4716A7DC-63C5-4D01-82D3-24BCC6475839}" srcOrd="1" destOrd="0" parTransId="{C152E22F-175F-40AA-9254-071539B44B36}" sibTransId="{E93109A8-CB12-4A31-8A1A-5CDE475D9CFB}"/>
+    <dgm:cxn modelId="{DCE3B5FC-532E-4E6E-85E8-38B21CB285D2}" type="presOf" srcId="{32D0127E-81A7-40A2-92D8-6533BB6F94D0}" destId="{E2FD6336-ED1F-4433-AB59-0CEBBD0DF1FF}" srcOrd="1" destOrd="0" presId="urn:microsoft.com/office/officeart/2005/8/layout/list1"/>
     <dgm:cxn modelId="{9C8AA824-C9FC-49E2-B664-EEE178A79BE3}" srcId="{122BC740-6901-4DA0-B21B-63BA97CDAB0E}" destId="{0C6B232B-4C79-4AB4-B018-72A89D176634}" srcOrd="0" destOrd="0" parTransId="{7F44EB70-EC4C-417E-B48D-3F98DAD5D581}" sibTransId="{9D53FF5B-228E-4F3F-8F36-93DB4794F0BF}"/>
-    <dgm:cxn modelId="{B5FCAE29-0BFB-467E-BD9B-01DC3413EE0A}" type="presOf" srcId="{4716A7DC-63C5-4D01-82D3-24BCC6475839}" destId="{0CADD586-C229-4A00-BAEC-0A0A8EC9DFBA}" srcOrd="0" destOrd="0" presId="urn:microsoft.com/office/officeart/2005/8/layout/list1"/>
-    <dgm:cxn modelId="{5A437D42-70EC-42DF-B51D-DB23FA9C7640}" type="presOf" srcId="{4716A7DC-63C5-4D01-82D3-24BCC6475839}" destId="{7B503141-F9D5-4249-988A-271AA200BA4B}" srcOrd="1" destOrd="0" presId="urn:microsoft.com/office/officeart/2005/8/layout/list1"/>
-    <dgm:cxn modelId="{9BD6B16A-04C5-4A4A-AF44-6DBEB0373D61}" type="presOf" srcId="{32D0127E-81A7-40A2-92D8-6533BB6F94D0}" destId="{EFB99048-2704-496B-BB36-E55037AC3ABF}" srcOrd="0" destOrd="0" presId="urn:microsoft.com/office/officeart/2005/8/layout/list1"/>
-    <dgm:cxn modelId="{01F5926C-B638-41EE-AD25-92469568E7E2}" srcId="{122BC740-6901-4DA0-B21B-63BA97CDAB0E}" destId="{35031DD2-FDD0-4DAE-9042-204020DA0247}" srcOrd="3" destOrd="0" parTransId="{B7486A14-1398-4715-B0AC-7F5BD4642AF8}" sibTransId="{825D9934-C43F-4709-92A4-3D29E780E744}"/>
+    <dgm:cxn modelId="{51704BE4-E7D4-412D-9E8D-D7CD4AACCEED}" type="presOf" srcId="{0C6B232B-4C79-4AB4-B018-72A89D176634}" destId="{7389466E-4A65-42B9-B30E-B192B76575FF}" srcOrd="0" destOrd="0" presId="urn:microsoft.com/office/officeart/2005/8/layout/list1"/>
+    <dgm:cxn modelId="{C1484788-609D-4744-B0ED-0A07E1E69AA1}" type="presOf" srcId="{96357181-6160-4DE4-85B8-46F788C3E1D1}" destId="{57CE8033-88DE-40BC-AF00-D4280CC63820}" srcOrd="1" destOrd="0" presId="urn:microsoft.com/office/officeart/2005/8/layout/list1"/>
+    <dgm:cxn modelId="{B1C32CDF-5C3E-4154-832A-907F32B0A8DD}" type="presOf" srcId="{96357181-6160-4DE4-85B8-46F788C3E1D1}" destId="{D9A6D485-D48B-4837-A436-F17DC29DB33E}" srcOrd="0" destOrd="0" presId="urn:microsoft.com/office/officeart/2005/8/layout/list1"/>
     <dgm:cxn modelId="{9D0C6081-2202-408B-A6DD-4591BEB43983}" type="presOf" srcId="{35031DD2-FDD0-4DAE-9042-204020DA0247}" destId="{674888BA-5CB6-48FD-8B79-AC70CBB28859}" srcOrd="1" destOrd="0" presId="urn:microsoft.com/office/officeart/2005/8/layout/list1"/>
-    <dgm:cxn modelId="{16540588-3A07-45AB-8C44-CC27CBC5F874}" srcId="{122BC740-6901-4DA0-B21B-63BA97CDAB0E}" destId="{4716A7DC-63C5-4D01-82D3-24BCC6475839}" srcOrd="1" destOrd="0" parTransId="{C152E22F-175F-40AA-9254-071539B44B36}" sibTransId="{E93109A8-CB12-4A31-8A1A-5CDE475D9CFB}"/>
-    <dgm:cxn modelId="{C1484788-609D-4744-B0ED-0A07E1E69AA1}" type="presOf" srcId="{96357181-6160-4DE4-85B8-46F788C3E1D1}" destId="{57CE8033-88DE-40BC-AF00-D4280CC63820}" srcOrd="1" destOrd="0" presId="urn:microsoft.com/office/officeart/2005/8/layout/list1"/>
     <dgm:cxn modelId="{69C2A88F-D294-4E5B-9EF4-8863200CD655}" srcId="{122BC740-6901-4DA0-B21B-63BA97CDAB0E}" destId="{32D0127E-81A7-40A2-92D8-6533BB6F94D0}" srcOrd="4" destOrd="0" parTransId="{58C4D87A-DB7E-4D61-A9FE-B1A78C1B727A}" sibTransId="{08315DC0-E551-4AB8-B2AF-8BAE5E0F2A91}"/>
-    <dgm:cxn modelId="{B34D1A92-DB34-4699-BAA6-3D2348C70207}" type="presOf" srcId="{E909B2CD-F811-4DFE-8EDA-87C630884AC5}" destId="{765AF105-741C-4535-B652-08EEC39A39C7}" srcOrd="1" destOrd="0" presId="urn:microsoft.com/office/officeart/2005/8/layout/list1"/>
-    <dgm:cxn modelId="{D1066096-866A-4005-A38C-0FD047592872}" type="presOf" srcId="{0C6B232B-4C79-4AB4-B018-72A89D176634}" destId="{45461E07-E8B7-401B-A827-699507942290}" srcOrd="1" destOrd="0" presId="urn:microsoft.com/office/officeart/2005/8/layout/list1"/>
-    <dgm:cxn modelId="{4B60ACC1-6853-4D85-8C68-F5260C910642}" type="presOf" srcId="{122BC740-6901-4DA0-B21B-63BA97CDAB0E}" destId="{876311F8-FE09-4D88-B753-50377512E4E7}" srcOrd="0" destOrd="0" presId="urn:microsoft.com/office/officeart/2005/8/layout/list1"/>
     <dgm:cxn modelId="{5BE391D5-C2FB-4295-89D7-69446DC9074F}" srcId="{122BC740-6901-4DA0-B21B-63BA97CDAB0E}" destId="{E909B2CD-F811-4DFE-8EDA-87C630884AC5}" srcOrd="5" destOrd="0" parTransId="{F17DE27E-5B2C-4C4C-8290-830C0D34C492}" sibTransId="{09A87860-FA3D-49CF-86A0-64557A2B2EB0}"/>
     <dgm:cxn modelId="{1865AFD6-4FE8-4C56-B672-EB61B2817C38}" type="presOf" srcId="{B67A090B-0813-4D55-B00B-EFA458E78608}" destId="{8E707D3D-5548-4900-9915-EB71C548B3DE}" srcOrd="0" destOrd="0" presId="urn:microsoft.com/office/officeart/2005/8/layout/list1"/>
-    <dgm:cxn modelId="{B1C32CDF-5C3E-4154-832A-907F32B0A8DD}" type="presOf" srcId="{96357181-6160-4DE4-85B8-46F788C3E1D1}" destId="{D9A6D485-D48B-4837-A436-F17DC29DB33E}" srcOrd="0" destOrd="0" presId="urn:microsoft.com/office/officeart/2005/8/layout/list1"/>
-    <dgm:cxn modelId="{51704BE4-E7D4-412D-9E8D-D7CD4AACCEED}" type="presOf" srcId="{0C6B232B-4C79-4AB4-B018-72A89D176634}" destId="{7389466E-4A65-42B9-B30E-B192B76575FF}" srcOrd="0" destOrd="0" presId="urn:microsoft.com/office/officeart/2005/8/layout/list1"/>
-    <dgm:cxn modelId="{968B6CE8-B10A-4F3D-9712-01767B20607A}" type="presOf" srcId="{35031DD2-FDD0-4DAE-9042-204020DA0247}" destId="{FED3FFAD-4AF5-4BFE-B3A9-64CF542DE598}" srcOrd="0" destOrd="0" presId="urn:microsoft.com/office/officeart/2005/8/layout/list1"/>
-    <dgm:cxn modelId="{1E0815FA-2049-499D-A078-FBBCE59EDAA4}" type="presOf" srcId="{E909B2CD-F811-4DFE-8EDA-87C630884AC5}" destId="{D296FECC-D127-468B-9265-1DBA9131ACA9}" srcOrd="0" destOrd="0" presId="urn:microsoft.com/office/officeart/2005/8/layout/list1"/>
-    <dgm:cxn modelId="{DCE3B5FC-532E-4E6E-85E8-38B21CB285D2}" type="presOf" srcId="{32D0127E-81A7-40A2-92D8-6533BB6F94D0}" destId="{E2FD6336-ED1F-4433-AB59-0CEBBD0DF1FF}" srcOrd="1" destOrd="0" presId="urn:microsoft.com/office/officeart/2005/8/layout/list1"/>
+    <dgm:cxn modelId="{5A437D42-70EC-42DF-B51D-DB23FA9C7640}" type="presOf" srcId="{4716A7DC-63C5-4D01-82D3-24BCC6475839}" destId="{7B503141-F9D5-4249-988A-271AA200BA4B}" srcOrd="1" destOrd="0" presId="urn:microsoft.com/office/officeart/2005/8/layout/list1"/>
     <dgm:cxn modelId="{53E9AE37-09EB-47C5-B74C-4B11DE4A447E}" type="presParOf" srcId="{876311F8-FE09-4D88-B753-50377512E4E7}" destId="{527172BC-55CC-42E5-BCBD-FAA38C170B13}" srcOrd="0" destOrd="0" presId="urn:microsoft.com/office/officeart/2005/8/layout/list1"/>
     <dgm:cxn modelId="{B5972625-2402-4336-B4CB-974778D99E30}" type="presParOf" srcId="{527172BC-55CC-42E5-BCBD-FAA38C170B13}" destId="{7389466E-4A65-42B9-B30E-B192B76575FF}" srcOrd="0" destOrd="0" presId="urn:microsoft.com/office/officeart/2005/8/layout/list1"/>
     <dgm:cxn modelId="{1BB5A7B5-9D20-42F1-B596-D6C560E5C511}" type="presParOf" srcId="{527172BC-55CC-42E5-BCBD-FAA38C170B13}" destId="{45461E07-E8B7-401B-A827-699507942290}" srcOrd="1" destOrd="0" presId="urn:microsoft.com/office/officeart/2005/8/layout/list1"/>
@@ -1566,7 +1666,7 @@
         </a:bodyPr>
         <a:lstStyle/>
         <a:p>
-          <a:pPr marL="0" lvl="0" indent="0" algn="l" defTabSz="844550">
+          <a:pPr lvl="0" algn="l" defTabSz="844550">
             <a:lnSpc>
               <a:spcPct val="90000"/>
             </a:lnSpc>
@@ -1576,7 +1676,6 @@
             <a:spcAft>
               <a:spcPct val="35000"/>
             </a:spcAft>
-            <a:buNone/>
           </a:pPr>
           <a:r>
             <a:rPr lang="en-US" sz="1900" kern="1200"/>
@@ -1693,7 +1792,7 @@
         </a:bodyPr>
         <a:lstStyle/>
         <a:p>
-          <a:pPr marL="0" lvl="0" indent="0" algn="l" defTabSz="844550">
+          <a:pPr lvl="0" algn="l" defTabSz="844550">
             <a:lnSpc>
               <a:spcPct val="90000"/>
             </a:lnSpc>
@@ -1703,7 +1802,6 @@
             <a:spcAft>
               <a:spcPct val="35000"/>
             </a:spcAft>
-            <a:buNone/>
           </a:pPr>
           <a:r>
             <a:rPr lang="en-US" sz="1900" kern="1200"/>
@@ -1780,7 +1878,7 @@
             <a:spcAft>
               <a:spcPct val="15000"/>
             </a:spcAft>
-            <a:buChar char="•"/>
+            <a:buChar char="••"/>
           </a:pPr>
           <a:r>
             <a:rPr lang="en-US" sz="1900" kern="1200"/>
@@ -1848,7 +1946,7 @@
         </a:bodyPr>
         <a:lstStyle/>
         <a:p>
-          <a:pPr marL="0" lvl="0" indent="0" algn="l" defTabSz="844550">
+          <a:pPr lvl="0" algn="l" defTabSz="844550">
             <a:lnSpc>
               <a:spcPct val="90000"/>
             </a:lnSpc>
@@ -1858,7 +1956,6 @@
             <a:spcAft>
               <a:spcPct val="35000"/>
             </a:spcAft>
-            <a:buNone/>
           </a:pPr>
           <a:r>
             <a:rPr lang="en-US" sz="1900" kern="1200"/>
@@ -1975,7 +2072,7 @@
         </a:bodyPr>
         <a:lstStyle/>
         <a:p>
-          <a:pPr marL="0" lvl="0" indent="0" algn="l" defTabSz="844550">
+          <a:pPr lvl="0" algn="l" defTabSz="844550">
             <a:lnSpc>
               <a:spcPct val="90000"/>
             </a:lnSpc>
@@ -1985,7 +2082,6 @@
             <a:spcAft>
               <a:spcPct val="35000"/>
             </a:spcAft>
-            <a:buNone/>
           </a:pPr>
           <a:r>
             <a:rPr lang="en-US" sz="1900" kern="1200"/>
@@ -2102,7 +2198,7 @@
         </a:bodyPr>
         <a:lstStyle/>
         <a:p>
-          <a:pPr marL="0" lvl="0" indent="0" algn="l" defTabSz="844550">
+          <a:pPr lvl="0" algn="l" defTabSz="844550">
             <a:lnSpc>
               <a:spcPct val="90000"/>
             </a:lnSpc>
@@ -2112,7 +2208,6 @@
             <a:spcAft>
               <a:spcPct val="35000"/>
             </a:spcAft>
-            <a:buNone/>
           </a:pPr>
           <a:r>
             <a:rPr lang="en-US" sz="1900" kern="1200" dirty="0"/>
@@ -2229,7 +2324,7 @@
         </a:bodyPr>
         <a:lstStyle/>
         <a:p>
-          <a:pPr marL="0" lvl="0" indent="0" algn="l" defTabSz="844550">
+          <a:pPr lvl="0" algn="l" defTabSz="844550">
             <a:lnSpc>
               <a:spcPct val="90000"/>
             </a:lnSpc>
@@ -2239,7 +2334,6 @@
             <a:spcAft>
               <a:spcPct val="35000"/>
             </a:spcAft>
-            <a:buNone/>
           </a:pPr>
           <a:r>
             <a:rPr lang="en-US" sz="1900" kern="1200" dirty="0" err="1"/>
@@ -3601,7 +3695,7 @@
           <a:p>
             <a:fld id="{7BCB8214-0E7E-4EFC-9E1C-25F6159D4170}" type="datetimeFigureOut">
               <a:rPr lang="en-US" smtClean="0"/>
-              <a:t>8/9/2018</a:t>
+              <a:t>8/28/2018</a:t>
             </a:fld>
             <a:endParaRPr lang="en-US"/>
           </a:p>
@@ -3914,8 +4008,21 @@
           <a:p>
             <a:r>
               <a:rPr lang="en-US" dirty="0"/>
-              <a:t>Give students 1-2 minutes for each question. Its important to provide them  with the opportunity to answer the questions based on the reading, labs, and assigned homework.</a:t>
-            </a:r>
+              <a:t>Give students 1-2 minutes for each question. Its important to provide them  with the opportunity to answer the questions based on the reading, labs, and assigned homework</a:t>
+            </a:r>
+            <a:r>
+              <a:rPr lang="en-US" dirty="0" smtClean="0"/>
+              <a:t>.</a:t>
+            </a:r>
+          </a:p>
+          <a:p>
+            <a:endParaRPr lang="en-US" dirty="0" smtClean="0"/>
+          </a:p>
+          <a:p>
+            <a:endParaRPr lang="en-US" dirty="0" smtClean="0"/>
+          </a:p>
+          <a:p>
+            <a:endParaRPr lang="en-US" dirty="0"/>
           </a:p>
         </p:txBody>
       </p:sp>
@@ -3999,10 +4106,7 @@
           <a:bodyPr/>
           <a:lstStyle/>
           <a:p>
-            <a:r>
-              <a:rPr lang="en-US" dirty="0"/>
-              <a:t>ALWAYS CONSULT THE SYLLABUS</a:t>
-            </a:r>
+            <a:endParaRPr lang="en-US" dirty="0"/>
           </a:p>
         </p:txBody>
       </p:sp>
@@ -4024,6 +4128,93 @@
             <a:fld id="{0112F830-31CF-4898-9DC8-86941997CB87}" type="slidenum">
               <a:rPr lang="en-US" smtClean="0"/>
               <a:t>21</a:t>
+            </a:fld>
+            <a:endParaRPr lang="en-US"/>
+          </a:p>
+        </p:txBody>
+      </p:sp>
+    </p:spTree>
+    <p:extLst>
+      <p:ext uri="{BB962C8B-B14F-4D97-AF65-F5344CB8AC3E}">
+        <p14:creationId xmlns:p14="http://schemas.microsoft.com/office/powerpoint/2010/main" val="2125482355"/>
+      </p:ext>
+    </p:extLst>
+  </p:cSld>
+  <p:clrMapOvr>
+    <a:masterClrMapping/>
+  </p:clrMapOvr>
+</p:notes>
+</file>
+
+<file path=ppt/notesSlides/notesSlide11.xml><?xml version="1.0" encoding="utf-8"?>
+<p:notes xmlns:a="http://schemas.openxmlformats.org/drawingml/2006/main" xmlns:r="http://schemas.openxmlformats.org/officeDocument/2006/relationships" xmlns:p="http://schemas.openxmlformats.org/presentationml/2006/main">
+  <p:cSld>
+    <p:spTree>
+      <p:nvGrpSpPr>
+        <p:cNvPr id="1" name=""/>
+        <p:cNvGrpSpPr/>
+        <p:nvPr/>
+      </p:nvGrpSpPr>
+      <p:grpSpPr>
+        <a:xfrm>
+          <a:off x="0" y="0"/>
+          <a:ext cx="0" cy="0"/>
+          <a:chOff x="0" y="0"/>
+          <a:chExt cx="0" cy="0"/>
+        </a:xfrm>
+      </p:grpSpPr>
+      <p:sp>
+        <p:nvSpPr>
+          <p:cNvPr id="2" name="Slide Image Placeholder 1"/>
+          <p:cNvSpPr>
+            <a:spLocks noGrp="1" noRot="1" noChangeAspect="1"/>
+          </p:cNvSpPr>
+          <p:nvPr>
+            <p:ph type="sldImg"/>
+          </p:nvPr>
+        </p:nvSpPr>
+        <p:spPr/>
+      </p:sp>
+      <p:sp>
+        <p:nvSpPr>
+          <p:cNvPr id="3" name="Notes Placeholder 2"/>
+          <p:cNvSpPr>
+            <a:spLocks noGrp="1"/>
+          </p:cNvSpPr>
+          <p:nvPr>
+            <p:ph type="body" idx="1"/>
+          </p:nvPr>
+        </p:nvSpPr>
+        <p:spPr/>
+        <p:txBody>
+          <a:bodyPr/>
+          <a:lstStyle/>
+          <a:p>
+            <a:r>
+              <a:rPr lang="en-US" dirty="0"/>
+              <a:t>ALWAYS CONSULT THE SYLLABUS</a:t>
+            </a:r>
+          </a:p>
+        </p:txBody>
+      </p:sp>
+      <p:sp>
+        <p:nvSpPr>
+          <p:cNvPr id="4" name="Slide Number Placeholder 3"/>
+          <p:cNvSpPr>
+            <a:spLocks noGrp="1"/>
+          </p:cNvSpPr>
+          <p:nvPr>
+            <p:ph type="sldNum" sz="quarter" idx="10"/>
+          </p:nvPr>
+        </p:nvSpPr>
+        <p:spPr/>
+        <p:txBody>
+          <a:bodyPr/>
+          <a:lstStyle/>
+          <a:p>
+            <a:fld id="{0112F830-31CF-4898-9DC8-86941997CB87}" type="slidenum">
+              <a:rPr lang="en-US" smtClean="0"/>
+              <a:t>22</a:t>
             </a:fld>
             <a:endParaRPr lang="en-US"/>
           </a:p>
@@ -4119,7 +4310,7 @@
     </p:spTree>
     <p:extLst>
       <p:ext uri="{BB962C8B-B14F-4D97-AF65-F5344CB8AC3E}">
-        <p14:creationId xmlns:p14="http://schemas.microsoft.com/office/powerpoint/2010/main" val="1073312467"/>
+        <p14:creationId xmlns:p14="http://schemas.microsoft.com/office/powerpoint/2010/main" val="2243061693"/>
       </p:ext>
     </p:extLst>
   </p:cSld>
@@ -4173,37 +4364,35 @@
           <a:bodyPr/>
           <a:lstStyle/>
           <a:p>
-            <a:r>
-              <a:rPr lang="en-US" dirty="0"/>
-              <a:t>Talk a bit about this picture. The ways computers process information is analogous to </a:t>
-            </a:r>
+            <a:pPr marL="0" marR="0" lvl="0" indent="0" algn="l" defTabSz="914400" rtl="0" eaLnBrk="1" fontAlgn="auto" latinLnBrk="0" hangingPunct="1">
+              <a:lnSpc>
+                <a:spcPct val="100000"/>
+              </a:lnSpc>
+              <a:spcBef>
+                <a:spcPts val="0"/>
+              </a:spcBef>
+              <a:spcAft>
+                <a:spcPts val="0"/>
+              </a:spcAft>
+              <a:buClrTx/>
+              <a:buSzTx/>
+              <a:buFontTx/>
+              <a:buNone/>
+              <a:tabLst/>
+              <a:defRPr/>
+            </a:pPr>
+            <a:r>
+              <a:rPr lang="en-US" dirty="0" smtClean="0"/>
+              <a:t>Go over the lab questions. With the students. Ask</a:t>
+            </a:r>
+            <a:r>
+              <a:rPr lang="en-US" baseline="0" dirty="0" smtClean="0"/>
+              <a:t> them to take out their answers to the lab questions. And their questions about the lab itself.</a:t>
+            </a:r>
+            <a:endParaRPr lang="en-US" dirty="0" smtClean="0"/>
           </a:p>
           <a:p>
             <a:endParaRPr lang="en-US" dirty="0"/>
-          </a:p>
-          <a:p>
-            <a:r>
-              <a:rPr lang="en-US" dirty="0"/>
-              <a:t>Eyes on the screen =&gt; output for the computer is input for us.</a:t>
-            </a:r>
-          </a:p>
-          <a:p>
-            <a:r>
-              <a:rPr lang="en-US" dirty="0"/>
-              <a:t>Hands on keyboard =&gt; input for the computer is output for us.</a:t>
-            </a:r>
-          </a:p>
-          <a:p>
-            <a:r>
-              <a:rPr lang="en-US" dirty="0"/>
-              <a:t>CPU =&gt; Brains of the computer Our brain does the same thing. Processing the visual input then commanding our finger to type up a response.</a:t>
-            </a:r>
-          </a:p>
-          <a:p>
-            <a:r>
-              <a:rPr lang="en-US" dirty="0"/>
-              <a:t>Memory =&gt;Computer has memory. We have memory. You might recall what was said about what your read on the computer screen and draw upon your experience to formulate a reply. </a:t>
-            </a:r>
           </a:p>
         </p:txBody>
       </p:sp>
@@ -4224,7 +4413,7 @@
           <a:p>
             <a:fld id="{0112F830-31CF-4898-9DC8-86941997CB87}" type="slidenum">
               <a:rPr lang="en-US" smtClean="0"/>
-              <a:t>6</a:t>
+              <a:t>5</a:t>
             </a:fld>
             <a:endParaRPr lang="en-US"/>
           </a:p>
@@ -4233,7 +4422,7 @@
     </p:spTree>
     <p:extLst>
       <p:ext uri="{BB962C8B-B14F-4D97-AF65-F5344CB8AC3E}">
-        <p14:creationId xmlns:p14="http://schemas.microsoft.com/office/powerpoint/2010/main" val="3380618512"/>
+        <p14:creationId xmlns:p14="http://schemas.microsoft.com/office/powerpoint/2010/main" val="3981331497"/>
       </p:ext>
     </p:extLst>
   </p:cSld>
@@ -4287,95 +4476,36 @@
           <a:bodyPr/>
           <a:lstStyle/>
           <a:p>
-            <a:pPr marL="228600" marR="0" lvl="0" indent="-228600" algn="l" defTabSz="914400" rtl="0" eaLnBrk="1" fontAlgn="auto" latinLnBrk="0" hangingPunct="1">
-              <a:lnSpc>
-                <a:spcPct val="100000"/>
-              </a:lnSpc>
-              <a:spcBef>
-                <a:spcPts val="0"/>
-              </a:spcBef>
-              <a:spcAft>
-                <a:spcPts val="0"/>
-              </a:spcAft>
-              <a:buClrTx/>
-              <a:buSzTx/>
-              <a:buFontTx/>
-              <a:buAutoNum type="arabicPeriod"/>
-              <a:tabLst/>
-              <a:defRPr/>
-            </a:pPr>
             <a:r>
               <a:rPr lang="en-US" dirty="0"/>
-              <a:t>16GB== RAM, 1TB = Secondary </a:t>
-            </a:r>
-          </a:p>
-          <a:p>
-            <a:pPr marL="228600" marR="0" lvl="0" indent="-228600" algn="l" defTabSz="914400" rtl="0" eaLnBrk="1" fontAlgn="auto" latinLnBrk="0" hangingPunct="1">
-              <a:lnSpc>
-                <a:spcPct val="100000"/>
-              </a:lnSpc>
-              <a:spcBef>
-                <a:spcPts val="0"/>
-              </a:spcBef>
-              <a:spcAft>
-                <a:spcPts val="0"/>
-              </a:spcAft>
-              <a:buClrTx/>
-              <a:buSzTx/>
-              <a:buFontTx/>
-              <a:buAutoNum type="arabicPeriod"/>
-              <a:tabLst/>
-              <a:defRPr/>
-            </a:pPr>
+              <a:t>Talk a bit about this picture. The ways computers process information is analogous to </a:t>
+            </a:r>
+          </a:p>
+          <a:p>
+            <a:endParaRPr lang="en-US" dirty="0"/>
+          </a:p>
+          <a:p>
             <a:r>
               <a:rPr lang="en-US" dirty="0"/>
-              <a:t>It is removed from secondary storage and the space is reclaimed</a:t>
-            </a:r>
-          </a:p>
-          <a:p>
-            <a:pPr marL="228600" marR="0" lvl="0" indent="-228600" algn="l" defTabSz="914400" rtl="0" eaLnBrk="1" fontAlgn="auto" latinLnBrk="0" hangingPunct="1">
-              <a:lnSpc>
-                <a:spcPct val="100000"/>
-              </a:lnSpc>
-              <a:spcBef>
-                <a:spcPts val="0"/>
-              </a:spcBef>
-              <a:spcAft>
-                <a:spcPts val="0"/>
-              </a:spcAft>
-              <a:buClrTx/>
-              <a:buSzTx/>
-              <a:buFontTx/>
-              <a:buAutoNum type="arabicPeriod"/>
-              <a:tabLst/>
-              <a:defRPr/>
-            </a:pPr>
+              <a:t>Eyes on the screen =&gt; output for the computer is input for us.</a:t>
+            </a:r>
+          </a:p>
+          <a:p>
             <a:r>
               <a:rPr lang="en-US" dirty="0"/>
-              <a:t>Secondary storage</a:t>
-            </a:r>
-          </a:p>
-          <a:p>
-            <a:pPr marL="228600" marR="0" lvl="0" indent="-228600" algn="l" defTabSz="914400" rtl="0" eaLnBrk="1" fontAlgn="auto" latinLnBrk="0" hangingPunct="1">
-              <a:lnSpc>
-                <a:spcPct val="100000"/>
-              </a:lnSpc>
-              <a:spcBef>
-                <a:spcPts val="0"/>
-              </a:spcBef>
-              <a:spcAft>
-                <a:spcPts val="0"/>
-              </a:spcAft>
-              <a:buClrTx/>
-              <a:buSzTx/>
-              <a:buFontTx/>
-              <a:buAutoNum type="arabicPeriod"/>
-              <a:tabLst/>
-              <a:defRPr/>
-            </a:pPr>
+              <a:t>Hands on keyboard =&gt; input for the computer is output for us.</a:t>
+            </a:r>
+          </a:p>
+          <a:p>
             <a:r>
               <a:rPr lang="en-US" dirty="0"/>
-              <a:t>Secondary Storage</a:t>
+              <a:t>CPU =&gt; Brains of the computer Our brain does the same thing. Processing the visual input then commanding our finger to type up a response.</a:t>
+            </a:r>
+          </a:p>
+          <a:p>
+            <a:r>
+              <a:rPr lang="en-US" dirty="0"/>
+              <a:t>Memory =&gt;Computer has memory. We have memory. You might recall what was said about what your read on the computer screen and draw upon your experience to formulate a reply. </a:t>
             </a:r>
           </a:p>
         </p:txBody>
@@ -4397,7 +4527,7 @@
           <a:p>
             <a:fld id="{0112F830-31CF-4898-9DC8-86941997CB87}" type="slidenum">
               <a:rPr lang="en-US" smtClean="0"/>
-              <a:t>10</a:t>
+              <a:t>7</a:t>
             </a:fld>
             <a:endParaRPr lang="en-US"/>
           </a:p>
@@ -4406,7 +4536,7 @@
     </p:spTree>
     <p:extLst>
       <p:ext uri="{BB962C8B-B14F-4D97-AF65-F5344CB8AC3E}">
-        <p14:creationId xmlns:p14="http://schemas.microsoft.com/office/powerpoint/2010/main" val="3361509305"/>
+        <p14:creationId xmlns:p14="http://schemas.microsoft.com/office/powerpoint/2010/main" val="3380618512"/>
       </p:ext>
     </p:extLst>
   </p:cSld>
@@ -4460,7 +4590,96 @@
           <a:bodyPr/>
           <a:lstStyle/>
           <a:p>
-            <a:endParaRPr lang="en-US" dirty="0"/>
+            <a:pPr marL="228600" marR="0" lvl="0" indent="-228600" algn="l" defTabSz="914400" rtl="0" eaLnBrk="1" fontAlgn="auto" latinLnBrk="0" hangingPunct="1">
+              <a:lnSpc>
+                <a:spcPct val="100000"/>
+              </a:lnSpc>
+              <a:spcBef>
+                <a:spcPts val="0"/>
+              </a:spcBef>
+              <a:spcAft>
+                <a:spcPts val="0"/>
+              </a:spcAft>
+              <a:buClrTx/>
+              <a:buSzTx/>
+              <a:buFontTx/>
+              <a:buAutoNum type="arabicPeriod"/>
+              <a:tabLst/>
+              <a:defRPr/>
+            </a:pPr>
+            <a:r>
+              <a:rPr lang="en-US" dirty="0"/>
+              <a:t>16GB== RAM, 1TB = Secondary </a:t>
+            </a:r>
+          </a:p>
+          <a:p>
+            <a:pPr marL="228600" marR="0" lvl="0" indent="-228600" algn="l" defTabSz="914400" rtl="0" eaLnBrk="1" fontAlgn="auto" latinLnBrk="0" hangingPunct="1">
+              <a:lnSpc>
+                <a:spcPct val="100000"/>
+              </a:lnSpc>
+              <a:spcBef>
+                <a:spcPts val="0"/>
+              </a:spcBef>
+              <a:spcAft>
+                <a:spcPts val="0"/>
+              </a:spcAft>
+              <a:buClrTx/>
+              <a:buSzTx/>
+              <a:buFontTx/>
+              <a:buAutoNum type="arabicPeriod"/>
+              <a:tabLst/>
+              <a:defRPr/>
+            </a:pPr>
+            <a:r>
+              <a:rPr lang="en-US" dirty="0"/>
+              <a:t>It is removed from secondary storage and the space is reclaimed</a:t>
+            </a:r>
+          </a:p>
+          <a:p>
+            <a:pPr marL="228600" marR="0" lvl="0" indent="-228600" algn="l" defTabSz="914400" rtl="0" eaLnBrk="1" fontAlgn="auto" latinLnBrk="0" hangingPunct="1">
+              <a:lnSpc>
+                <a:spcPct val="100000"/>
+              </a:lnSpc>
+              <a:spcBef>
+                <a:spcPts val="0"/>
+              </a:spcBef>
+              <a:spcAft>
+                <a:spcPts val="0"/>
+              </a:spcAft>
+              <a:buClrTx/>
+              <a:buSzTx/>
+              <a:buFontTx/>
+              <a:buAutoNum type="arabicPeriod"/>
+              <a:tabLst/>
+              <a:defRPr/>
+            </a:pPr>
+            <a:r>
+              <a:rPr lang="en-US" dirty="0"/>
+              <a:t>Secondary storage</a:t>
+            </a:r>
+          </a:p>
+          <a:p>
+            <a:pPr marL="228600" marR="0" lvl="0" indent="-228600" algn="l" defTabSz="914400" rtl="0" eaLnBrk="1" fontAlgn="auto" latinLnBrk="0" hangingPunct="1">
+              <a:lnSpc>
+                <a:spcPct val="100000"/>
+              </a:lnSpc>
+              <a:spcBef>
+                <a:spcPts val="0"/>
+              </a:spcBef>
+              <a:spcAft>
+                <a:spcPts val="0"/>
+              </a:spcAft>
+              <a:buClrTx/>
+              <a:buSzTx/>
+              <a:buFontTx/>
+              <a:buAutoNum type="arabicPeriod"/>
+              <a:tabLst/>
+              <a:defRPr/>
+            </a:pPr>
+            <a:r>
+              <a:rPr lang="en-US" dirty="0"/>
+              <a:t>Secondary Storage</a:t>
+            </a:r>
           </a:p>
         </p:txBody>
       </p:sp>
@@ -4481,7 +4700,7 @@
           <a:p>
             <a:fld id="{0112F830-31CF-4898-9DC8-86941997CB87}" type="slidenum">
               <a:rPr lang="en-US" smtClean="0"/>
-              <a:t>13</a:t>
+              <a:t>11</a:t>
             </a:fld>
             <a:endParaRPr lang="en-US"/>
           </a:p>
@@ -4490,7 +4709,7 @@
     </p:spTree>
     <p:extLst>
       <p:ext uri="{BB962C8B-B14F-4D97-AF65-F5344CB8AC3E}">
-        <p14:creationId xmlns:p14="http://schemas.microsoft.com/office/powerpoint/2010/main" val="4011983076"/>
+        <p14:creationId xmlns:p14="http://schemas.microsoft.com/office/powerpoint/2010/main" val="3361509305"/>
       </p:ext>
     </p:extLst>
   </p:cSld>
@@ -4544,57 +4763,6 @@
           <a:bodyPr/>
           <a:lstStyle/>
           <a:p>
-            <a:r>
-              <a:rPr lang="en-US" dirty="0"/>
-              <a:t>Do a demo with your smart phone where  you install an app from the app store. Explain the app store is in the “cloud” and when you download the app it gets placed in secondary storage ( PING PONG KING)</a:t>
-            </a:r>
-          </a:p>
-          <a:p>
-            <a:endParaRPr lang="en-US" dirty="0"/>
-          </a:p>
-          <a:p>
-            <a:r>
-              <a:rPr lang="en-US" dirty="0"/>
-              <a:t>The app does not install in primary storage until you open it. At that point it gets loaded into RAM where it runs about 100x faster than it would off of secondary storage.</a:t>
-            </a:r>
-          </a:p>
-          <a:p>
-            <a:endParaRPr lang="en-US" dirty="0"/>
-          </a:p>
-          <a:p>
-            <a:r>
-              <a:rPr lang="en-US" dirty="0"/>
-              <a:t>While you use the app it creates data. What happened if you restart the phone while in the middle of using the app? Will it save this data? Let’s find out</a:t>
-            </a:r>
-          </a:p>
-          <a:p>
-            <a:endParaRPr lang="en-US" dirty="0"/>
-          </a:p>
-          <a:p>
-            <a:r>
-              <a:rPr lang="en-US" dirty="0"/>
-              <a:t>While it reboots, as a question about primary and secondary storage. When you buy a phone with 128GB is that primary or secondary? </a:t>
-            </a:r>
-          </a:p>
-          <a:p>
-            <a:r>
-              <a:rPr lang="en-US" dirty="0"/>
-              <a:t>When you re-launch the app did it save your place? If so those changes were persisted to secondary storage at some point.</a:t>
-            </a:r>
-          </a:p>
-          <a:p>
-            <a:endParaRPr lang="en-US" dirty="0"/>
-          </a:p>
-          <a:p>
-            <a:r>
-              <a:rPr lang="en-US" dirty="0"/>
-              <a:t>Show how to see running apps on the phone. How to close running apps. </a:t>
-            </a:r>
-          </a:p>
-          <a:p>
-            <a:endParaRPr lang="en-US" dirty="0"/>
-          </a:p>
-          <a:p>
             <a:endParaRPr lang="en-US" dirty="0"/>
           </a:p>
         </p:txBody>
@@ -4616,7 +4784,7 @@
           <a:p>
             <a:fld id="{0112F830-31CF-4898-9DC8-86941997CB87}" type="slidenum">
               <a:rPr lang="en-US" smtClean="0"/>
-              <a:t>15</a:t>
+              <a:t>14</a:t>
             </a:fld>
             <a:endParaRPr lang="en-US"/>
           </a:p>
@@ -4625,7 +4793,7 @@
     </p:spTree>
     <p:extLst>
       <p:ext uri="{BB962C8B-B14F-4D97-AF65-F5344CB8AC3E}">
-        <p14:creationId xmlns:p14="http://schemas.microsoft.com/office/powerpoint/2010/main" val="3051073529"/>
+        <p14:creationId xmlns:p14="http://schemas.microsoft.com/office/powerpoint/2010/main" val="4011983076"/>
       </p:ext>
     </p:extLst>
   </p:cSld>
@@ -4679,92 +4847,57 @@
           <a:bodyPr/>
           <a:lstStyle/>
           <a:p>
-            <a:pPr marL="228600" marR="0" lvl="0" indent="-228600" algn="l" defTabSz="914400" rtl="0" eaLnBrk="1" fontAlgn="auto" latinLnBrk="0" hangingPunct="1">
-              <a:lnSpc>
-                <a:spcPct val="100000"/>
-              </a:lnSpc>
-              <a:spcBef>
-                <a:spcPts val="0"/>
-              </a:spcBef>
-              <a:spcAft>
-                <a:spcPts val="0"/>
-              </a:spcAft>
-              <a:buClrTx/>
-              <a:buSzTx/>
-              <a:buFontTx/>
-              <a:buAutoNum type="arabicPeriod"/>
-              <a:tabLst/>
-              <a:defRPr/>
-            </a:pPr>
             <a:r>
               <a:rPr lang="en-US" dirty="0"/>
-              <a:t>16GB== RAM, 1TB = Secondary </a:t>
-            </a:r>
-          </a:p>
-          <a:p>
-            <a:pPr marL="228600" marR="0" lvl="0" indent="-228600" algn="l" defTabSz="914400" rtl="0" eaLnBrk="1" fontAlgn="auto" latinLnBrk="0" hangingPunct="1">
-              <a:lnSpc>
-                <a:spcPct val="100000"/>
-              </a:lnSpc>
-              <a:spcBef>
-                <a:spcPts val="0"/>
-              </a:spcBef>
-              <a:spcAft>
-                <a:spcPts val="0"/>
-              </a:spcAft>
-              <a:buClrTx/>
-              <a:buSzTx/>
-              <a:buFontTx/>
-              <a:buAutoNum type="arabicPeriod"/>
-              <a:tabLst/>
-              <a:defRPr/>
-            </a:pPr>
+              <a:t>Do a demo with your smart phone where  you install an app from the app store. Explain the app store is in the “cloud” and when you download the app it gets placed in secondary storage ( PING PONG KING)</a:t>
+            </a:r>
+          </a:p>
+          <a:p>
+            <a:endParaRPr lang="en-US" dirty="0"/>
+          </a:p>
+          <a:p>
             <a:r>
               <a:rPr lang="en-US" dirty="0"/>
-              <a:t>It is removed from secondary storage and the space is reclaimed</a:t>
-            </a:r>
-          </a:p>
-          <a:p>
-            <a:pPr marL="228600" marR="0" lvl="0" indent="-228600" algn="l" defTabSz="914400" rtl="0" eaLnBrk="1" fontAlgn="auto" latinLnBrk="0" hangingPunct="1">
-              <a:lnSpc>
-                <a:spcPct val="100000"/>
-              </a:lnSpc>
-              <a:spcBef>
-                <a:spcPts val="0"/>
-              </a:spcBef>
-              <a:spcAft>
-                <a:spcPts val="0"/>
-              </a:spcAft>
-              <a:buClrTx/>
-              <a:buSzTx/>
-              <a:buFontTx/>
-              <a:buAutoNum type="arabicPeriod"/>
-              <a:tabLst/>
-              <a:defRPr/>
-            </a:pPr>
+              <a:t>The app does not install in primary storage until you open it. At that point it gets loaded into RAM where it runs about 100x faster than it would off of secondary storage.</a:t>
+            </a:r>
+          </a:p>
+          <a:p>
+            <a:endParaRPr lang="en-US" dirty="0"/>
+          </a:p>
+          <a:p>
             <a:r>
               <a:rPr lang="en-US" dirty="0"/>
-              <a:t>Secondary storage</a:t>
-            </a:r>
-          </a:p>
-          <a:p>
-            <a:pPr marL="228600" marR="0" lvl="0" indent="-228600" algn="l" defTabSz="914400" rtl="0" eaLnBrk="1" fontAlgn="auto" latinLnBrk="0" hangingPunct="1">
-              <a:lnSpc>
-                <a:spcPct val="100000"/>
-              </a:lnSpc>
-              <a:spcBef>
-                <a:spcPts val="0"/>
-              </a:spcBef>
-              <a:spcAft>
-                <a:spcPts val="0"/>
-              </a:spcAft>
-              <a:buClrTx/>
-              <a:buSzTx/>
-              <a:buFontTx/>
-              <a:buAutoNum type="arabicPeriod"/>
-              <a:tabLst/>
-              <a:defRPr/>
-            </a:pPr>
+              <a:t>While you use the app it creates data. What happened if you restart the phone while in the middle of using the app? Will it save this data? Let’s find out</a:t>
+            </a:r>
+          </a:p>
+          <a:p>
+            <a:endParaRPr lang="en-US" dirty="0"/>
+          </a:p>
+          <a:p>
+            <a:r>
+              <a:rPr lang="en-US" dirty="0"/>
+              <a:t>While it reboots, as a question about primary and secondary storage. When you buy a phone with 128GB is that primary or secondary? </a:t>
+            </a:r>
+          </a:p>
+          <a:p>
+            <a:r>
+              <a:rPr lang="en-US" dirty="0"/>
+              <a:t>When you re-launch the app did it save your place? If so those changes were persisted to secondary storage at some point.</a:t>
+            </a:r>
+          </a:p>
+          <a:p>
+            <a:endParaRPr lang="en-US" dirty="0"/>
+          </a:p>
+          <a:p>
+            <a:r>
+              <a:rPr lang="en-US" dirty="0"/>
+              <a:t>Show how to see running apps on the phone. How to close running apps. </a:t>
+            </a:r>
+          </a:p>
+          <a:p>
+            <a:endParaRPr lang="en-US" dirty="0"/>
+          </a:p>
+          <a:p>
             <a:endParaRPr lang="en-US" dirty="0"/>
           </a:p>
         </p:txBody>
@@ -4795,7 +4928,7 @@
     </p:spTree>
     <p:extLst>
       <p:ext uri="{BB962C8B-B14F-4D97-AF65-F5344CB8AC3E}">
-        <p14:creationId xmlns:p14="http://schemas.microsoft.com/office/powerpoint/2010/main" val="1365081207"/>
+        <p14:creationId xmlns:p14="http://schemas.microsoft.com/office/powerpoint/2010/main" val="3051073529"/>
       </p:ext>
     </p:extLst>
   </p:cSld>
@@ -4849,10 +4982,93 @@
           <a:bodyPr/>
           <a:lstStyle/>
           <a:p>
+            <a:pPr marL="228600" marR="0" lvl="0" indent="-228600" algn="l" defTabSz="914400" rtl="0" eaLnBrk="1" fontAlgn="auto" latinLnBrk="0" hangingPunct="1">
+              <a:lnSpc>
+                <a:spcPct val="100000"/>
+              </a:lnSpc>
+              <a:spcBef>
+                <a:spcPts val="0"/>
+              </a:spcBef>
+              <a:spcAft>
+                <a:spcPts val="0"/>
+              </a:spcAft>
+              <a:buClrTx/>
+              <a:buSzTx/>
+              <a:buFontTx/>
+              <a:buAutoNum type="arabicPeriod"/>
+              <a:tabLst/>
+              <a:defRPr/>
+            </a:pPr>
             <a:r>
               <a:rPr lang="en-US" dirty="0"/>
-              <a:t>The command line does not pat you on the back when you do something write. It only yells at you when you do something wrong.</a:t>
-            </a:r>
+              <a:t>16GB== RAM, 1TB = Secondary </a:t>
+            </a:r>
+          </a:p>
+          <a:p>
+            <a:pPr marL="228600" marR="0" lvl="0" indent="-228600" algn="l" defTabSz="914400" rtl="0" eaLnBrk="1" fontAlgn="auto" latinLnBrk="0" hangingPunct="1">
+              <a:lnSpc>
+                <a:spcPct val="100000"/>
+              </a:lnSpc>
+              <a:spcBef>
+                <a:spcPts val="0"/>
+              </a:spcBef>
+              <a:spcAft>
+                <a:spcPts val="0"/>
+              </a:spcAft>
+              <a:buClrTx/>
+              <a:buSzTx/>
+              <a:buFontTx/>
+              <a:buAutoNum type="arabicPeriod"/>
+              <a:tabLst/>
+              <a:defRPr/>
+            </a:pPr>
+            <a:r>
+              <a:rPr lang="en-US" dirty="0"/>
+              <a:t>It is removed from secondary storage and the space is reclaimed</a:t>
+            </a:r>
+          </a:p>
+          <a:p>
+            <a:pPr marL="228600" marR="0" lvl="0" indent="-228600" algn="l" defTabSz="914400" rtl="0" eaLnBrk="1" fontAlgn="auto" latinLnBrk="0" hangingPunct="1">
+              <a:lnSpc>
+                <a:spcPct val="100000"/>
+              </a:lnSpc>
+              <a:spcBef>
+                <a:spcPts val="0"/>
+              </a:spcBef>
+              <a:spcAft>
+                <a:spcPts val="0"/>
+              </a:spcAft>
+              <a:buClrTx/>
+              <a:buSzTx/>
+              <a:buFontTx/>
+              <a:buAutoNum type="arabicPeriod"/>
+              <a:tabLst/>
+              <a:defRPr/>
+            </a:pPr>
+            <a:r>
+              <a:rPr lang="en-US" dirty="0"/>
+              <a:t>Secondary storage</a:t>
+            </a:r>
+          </a:p>
+          <a:p>
+            <a:pPr marL="228600" marR="0" lvl="0" indent="-228600" algn="l" defTabSz="914400" rtl="0" eaLnBrk="1" fontAlgn="auto" latinLnBrk="0" hangingPunct="1">
+              <a:lnSpc>
+                <a:spcPct val="100000"/>
+              </a:lnSpc>
+              <a:spcBef>
+                <a:spcPts val="0"/>
+              </a:spcBef>
+              <a:spcAft>
+                <a:spcPts val="0"/>
+              </a:spcAft>
+              <a:buClrTx/>
+              <a:buSzTx/>
+              <a:buFontTx/>
+              <a:buAutoNum type="arabicPeriod"/>
+              <a:tabLst/>
+              <a:defRPr/>
+            </a:pPr>
+            <a:endParaRPr lang="en-US" dirty="0"/>
           </a:p>
         </p:txBody>
       </p:sp>
@@ -4873,7 +5089,7 @@
           <a:p>
             <a:fld id="{0112F830-31CF-4898-9DC8-86941997CB87}" type="slidenum">
               <a:rPr lang="en-US" smtClean="0"/>
-              <a:t>18</a:t>
+              <a:t>17</a:t>
             </a:fld>
             <a:endParaRPr lang="en-US"/>
           </a:p>
@@ -4882,7 +5098,7 @@
     </p:spTree>
     <p:extLst>
       <p:ext uri="{BB962C8B-B14F-4D97-AF65-F5344CB8AC3E}">
-        <p14:creationId xmlns:p14="http://schemas.microsoft.com/office/powerpoint/2010/main" val="4121246064"/>
+        <p14:creationId xmlns:p14="http://schemas.microsoft.com/office/powerpoint/2010/main" val="1365081207"/>
       </p:ext>
     </p:extLst>
   </p:cSld>
@@ -4936,7 +5152,10 @@
           <a:bodyPr/>
           <a:lstStyle/>
           <a:p>
-            <a:endParaRPr lang="en-US" dirty="0"/>
+            <a:r>
+              <a:rPr lang="en-US" dirty="0"/>
+              <a:t>The command line does not pat you on the back when you do something write. It only yells at you when you do something wrong.</a:t>
+            </a:r>
           </a:p>
         </p:txBody>
       </p:sp>
@@ -4957,7 +5176,7 @@
           <a:p>
             <a:fld id="{0112F830-31CF-4898-9DC8-86941997CB87}" type="slidenum">
               <a:rPr lang="en-US" smtClean="0"/>
-              <a:t>20</a:t>
+              <a:t>19</a:t>
             </a:fld>
             <a:endParaRPr lang="en-US"/>
           </a:p>
@@ -4966,7 +5185,7 @@
     </p:spTree>
     <p:extLst>
       <p:ext uri="{BB962C8B-B14F-4D97-AF65-F5344CB8AC3E}">
-        <p14:creationId xmlns:p14="http://schemas.microsoft.com/office/powerpoint/2010/main" val="2125482355"/>
+        <p14:creationId xmlns:p14="http://schemas.microsoft.com/office/powerpoint/2010/main" val="4121246064"/>
       </p:ext>
     </p:extLst>
   </p:cSld>
@@ -5107,7 +5326,7 @@
           <a:p>
             <a:fld id="{C8AC65AB-5746-43EA-A59E-648FB11CA309}" type="datetimeFigureOut">
               <a:rPr lang="en-US" smtClean="0"/>
-              <a:t>8/9/2018</a:t>
+              <a:t>8/28/2018</a:t>
             </a:fld>
             <a:endParaRPr lang="en-US"/>
           </a:p>
@@ -5277,7 +5496,7 @@
           <a:p>
             <a:fld id="{C8AC65AB-5746-43EA-A59E-648FB11CA309}" type="datetimeFigureOut">
               <a:rPr lang="en-US" smtClean="0"/>
-              <a:t>8/9/2018</a:t>
+              <a:t>8/28/2018</a:t>
             </a:fld>
             <a:endParaRPr lang="en-US"/>
           </a:p>
@@ -5457,7 +5676,7 @@
           <a:p>
             <a:fld id="{C8AC65AB-5746-43EA-A59E-648FB11CA309}" type="datetimeFigureOut">
               <a:rPr lang="en-US" smtClean="0"/>
-              <a:t>8/9/2018</a:t>
+              <a:t>8/28/2018</a:t>
             </a:fld>
             <a:endParaRPr lang="en-US"/>
           </a:p>
@@ -5649,7 +5868,7 @@
           <a:p>
             <a:fld id="{C8AC65AB-5746-43EA-A59E-648FB11CA309}" type="datetimeFigureOut">
               <a:rPr lang="en-US" smtClean="0"/>
-              <a:t>8/9/2018</a:t>
+              <a:t>8/28/2018</a:t>
             </a:fld>
             <a:endParaRPr lang="en-US"/>
           </a:p>
@@ -5894,7 +6113,7 @@
           <a:p>
             <a:fld id="{C8AC65AB-5746-43EA-A59E-648FB11CA309}" type="datetimeFigureOut">
               <a:rPr lang="en-US" smtClean="0"/>
-              <a:t>8/9/2018</a:t>
+              <a:t>8/28/2018</a:t>
             </a:fld>
             <a:endParaRPr lang="en-US"/>
           </a:p>
@@ -6131,7 +6350,7 @@
           <a:p>
             <a:fld id="{C8AC65AB-5746-43EA-A59E-648FB11CA309}" type="datetimeFigureOut">
               <a:rPr lang="en-US" smtClean="0"/>
-              <a:t>8/9/2018</a:t>
+              <a:t>8/28/2018</a:t>
             </a:fld>
             <a:endParaRPr lang="en-US"/>
           </a:p>
@@ -6507,7 +6726,7 @@
           <a:p>
             <a:fld id="{C8AC65AB-5746-43EA-A59E-648FB11CA309}" type="datetimeFigureOut">
               <a:rPr lang="en-US" smtClean="0"/>
-              <a:t>8/9/2018</a:t>
+              <a:t>8/28/2018</a:t>
             </a:fld>
             <a:endParaRPr lang="en-US"/>
           </a:p>
@@ -6630,7 +6849,7 @@
           <a:p>
             <a:fld id="{C8AC65AB-5746-43EA-A59E-648FB11CA309}" type="datetimeFigureOut">
               <a:rPr lang="en-US" smtClean="0"/>
-              <a:t>8/9/2018</a:t>
+              <a:t>8/28/2018</a:t>
             </a:fld>
             <a:endParaRPr lang="en-US"/>
           </a:p>
@@ -6725,7 +6944,7 @@
           <a:p>
             <a:fld id="{C8AC65AB-5746-43EA-A59E-648FB11CA309}" type="datetimeFigureOut">
               <a:rPr lang="en-US" smtClean="0"/>
-              <a:t>8/9/2018</a:t>
+              <a:t>8/28/2018</a:t>
             </a:fld>
             <a:endParaRPr lang="en-US"/>
           </a:p>
@@ -7002,7 +7221,7 @@
           <a:p>
             <a:fld id="{C8AC65AB-5746-43EA-A59E-648FB11CA309}" type="datetimeFigureOut">
               <a:rPr lang="en-US" smtClean="0"/>
-              <a:t>8/9/2018</a:t>
+              <a:t>8/28/2018</a:t>
             </a:fld>
             <a:endParaRPr lang="en-US"/>
           </a:p>
@@ -7259,7 +7478,7 @@
           <a:p>
             <a:fld id="{C8AC65AB-5746-43EA-A59E-648FB11CA309}" type="datetimeFigureOut">
               <a:rPr lang="en-US" smtClean="0"/>
-              <a:t>8/9/2018</a:t>
+              <a:t>8/28/2018</a:t>
             </a:fld>
             <a:endParaRPr lang="en-US"/>
           </a:p>
@@ -7472,7 +7691,7 @@
           <a:p>
             <a:fld id="{C8AC65AB-5746-43EA-A59E-648FB11CA309}" type="datetimeFigureOut">
               <a:rPr lang="en-US" smtClean="0"/>
-              <a:t>8/9/2018</a:t>
+              <a:t>8/28/2018</a:t>
             </a:fld>
             <a:endParaRPr lang="en-US"/>
           </a:p>
@@ -7893,7 +8112,7 @@
                 <a16:creationId xmlns:a16="http://schemas.microsoft.com/office/drawing/2014/main" id="{6753252F-4873-4F63-801D-CC719279A7D5}"/>
               </a:ext>
               <a:ext uri="{C183D7F6-B498-43B3-948B-1728B52AA6E4}">
-                <adec:decorative xmlns:adec="http://schemas.microsoft.com/office/drawing/2017/decorative" val="1"/>
+                <adec:decorative xmlns="" xmlns:adec="http://schemas.microsoft.com/office/drawing/2017/decorative" val="1"/>
               </a:ext>
             </a:extLst>
           </p:cNvPr>
@@ -7985,7 +8204,7 @@
                 <a16:creationId xmlns:a16="http://schemas.microsoft.com/office/drawing/2014/main" id="{047C8CCB-F95D-4249-92DD-651249D3535A}"/>
               </a:ext>
               <a:ext uri="{C183D7F6-B498-43B3-948B-1728B52AA6E4}">
-                <adec:decorative xmlns:adec="http://schemas.microsoft.com/office/drawing/2017/decorative" val="1"/>
+                <adec:decorative xmlns="" xmlns:adec="http://schemas.microsoft.com/office/drawing/2017/decorative" val="1"/>
               </a:ext>
             </a:extLst>
           </p:cNvPr>
@@ -8120,6 +8339,14 @@
               </a:rPr>
               <a:t>IST346: </a:t>
             </a:r>
+            <a:r>
+              <a:rPr lang="en-US" sz="2600" dirty="0">
+                <a:solidFill>
+                  <a:srgbClr val="FFFFFF"/>
+                </a:solidFill>
+              </a:rPr>
+              <a:t/>
+            </a:r>
             <a:br>
               <a:rPr lang="en-US" sz="2600" dirty="0">
                 <a:solidFill>
@@ -8134,6 +8361,14 @@
                 </a:solidFill>
               </a:rPr>
               <a:t>Operating Systems / Command Line</a:t>
+            </a:r>
+            <a:r>
+              <a:rPr lang="en-US" sz="2600">
+                <a:solidFill>
+                  <a:srgbClr val="FFFFFF"/>
+                </a:solidFill>
+              </a:rPr>
+              <a:t/>
             </a:r>
             <a:br>
               <a:rPr lang="en-US" sz="2600">
@@ -8238,51 +8473,40 @@
           <a:chExt cx="0" cy="0"/>
         </a:xfrm>
       </p:grpSpPr>
-      <p:pic>
-        <p:nvPicPr>
-          <p:cNvPr id="7" name="Graphic 6" descr="Checkmark">
+      <p:sp>
+        <p:nvSpPr>
+          <p:cNvPr id="2" name="Title 1">
             <a:extLst>
               <a:ext uri="{FF2B5EF4-FFF2-40B4-BE49-F238E27FC236}">
-                <a16:creationId xmlns:a16="http://schemas.microsoft.com/office/drawing/2014/main" id="{83088B2D-89F4-467A-8692-31CDEE023FA5}"/>
+                <a16:creationId xmlns:a16="http://schemas.microsoft.com/office/drawing/2014/main" id="{1A0EB9EE-0416-4425-8454-2AAE143400B4}"/>
               </a:ext>
             </a:extLst>
           </p:cNvPr>
-          <p:cNvPicPr>
-            <a:picLocks noChangeAspect="1"/>
-          </p:cNvPicPr>
-          <p:nvPr/>
-        </p:nvPicPr>
-        <p:blipFill>
-          <a:blip r:embed="rId3">
-            <a:extLst>
-              <a:ext uri="{28A0092B-C50C-407E-A947-70E740481C1C}">
-                <a14:useLocalDpi xmlns:a14="http://schemas.microsoft.com/office/drawing/2010/main" val="0"/>
-              </a:ext>
-              <a:ext uri="{96DAC541-7B7A-43D3-8B79-37D633B846F1}">
-                <asvg:svgBlip xmlns:asvg="http://schemas.microsoft.com/office/drawing/2016/SVG/main" r:embed="rId4"/>
-              </a:ext>
-            </a:extLst>
-          </a:blip>
-          <a:stretch>
-            <a:fillRect/>
-          </a:stretch>
-        </p:blipFill>
-        <p:spPr>
-          <a:xfrm>
-            <a:off x="838200" y="570706"/>
-            <a:ext cx="914400" cy="914400"/>
-          </a:xfrm>
-          <a:prstGeom prst="rect">
-            <a:avLst/>
-          </a:prstGeom>
-        </p:spPr>
-      </p:pic>
-      <p:sp>
-        <p:nvSpPr>
-          <p:cNvPr id="2" name="Title 1">
+          <p:cNvSpPr>
+            <a:spLocks noGrp="1"/>
+          </p:cNvSpPr>
+          <p:nvPr>
+            <p:ph type="title"/>
+          </p:nvPr>
+        </p:nvSpPr>
+        <p:spPr/>
+        <p:txBody>
+          <a:bodyPr/>
+          <a:lstStyle/>
+          <a:p>
+            <a:r>
+              <a:rPr lang="en-US" dirty="0"/>
+              <a:t>Computer Storage</a:t>
+            </a:r>
+          </a:p>
+        </p:txBody>
+      </p:sp>
+      <p:sp>
+        <p:nvSpPr>
+          <p:cNvPr id="4" name="Text Placeholder 3">
             <a:extLst>
               <a:ext uri="{FF2B5EF4-FFF2-40B4-BE49-F238E27FC236}">
-                <a16:creationId xmlns:a16="http://schemas.microsoft.com/office/drawing/2014/main" id="{29BBA9DC-F699-48D8-8EAF-2CAE22A057F0}"/>
+                <a16:creationId xmlns:a16="http://schemas.microsoft.com/office/drawing/2014/main" id="{440FB171-C2A5-4EBA-AF5E-C4FBB6C77754}"/>
               </a:ext>
             </a:extLst>
           </p:cNvPr>
@@ -8290,15 +8514,42 @@
             <a:spLocks noGrp="1"/>
           </p:cNvSpPr>
           <p:nvPr>
-            <p:ph type="title"/>
-          </p:nvPr>
-        </p:nvSpPr>
-        <p:spPr>
-          <a:xfrm>
-            <a:off x="1913468" y="365125"/>
-            <a:ext cx="9440332" cy="1325563"/>
-          </a:xfrm>
-        </p:spPr>
+            <p:ph type="body" idx="1"/>
+          </p:nvPr>
+        </p:nvSpPr>
+        <p:spPr/>
+        <p:txBody>
+          <a:bodyPr/>
+          <a:lstStyle/>
+          <a:p>
+            <a:r>
+              <a:rPr lang="en-US" dirty="0">
+                <a:solidFill>
+                  <a:schemeClr val="accent2"/>
+                </a:solidFill>
+              </a:rPr>
+              <a:t>Primary Storage</a:t>
+            </a:r>
+          </a:p>
+        </p:txBody>
+      </p:sp>
+      <p:sp>
+        <p:nvSpPr>
+          <p:cNvPr id="3" name="Content Placeholder 2">
+            <a:extLst>
+              <a:ext uri="{FF2B5EF4-FFF2-40B4-BE49-F238E27FC236}">
+                <a16:creationId xmlns:a16="http://schemas.microsoft.com/office/drawing/2014/main" id="{28F1A100-3B22-499D-8946-DEDFD576E01D}"/>
+              </a:ext>
+            </a:extLst>
+          </p:cNvPr>
+          <p:cNvSpPr>
+            <a:spLocks noGrp="1"/>
+          </p:cNvSpPr>
+          <p:nvPr>
+            <p:ph sz="half" idx="2"/>
+          </p:nvPr>
+        </p:nvSpPr>
+        <p:spPr/>
         <p:txBody>
           <a:bodyPr>
             <a:normAutofit/>
@@ -8307,17 +8558,32 @@
           <a:p>
             <a:r>
               <a:rPr lang="en-US" dirty="0"/>
-              <a:t>Check Yourself</a:t>
-            </a:r>
-          </a:p>
-        </p:txBody>
-      </p:sp>
-      <p:sp>
-        <p:nvSpPr>
-          <p:cNvPr id="3" name="Content Placeholder 2">
+              <a:t>RAM – Random Access Memory</a:t>
+            </a:r>
+          </a:p>
+          <a:p>
+            <a:r>
+              <a:rPr lang="en-US" dirty="0"/>
+              <a:t>Fast, Expensive, Limited Resource on the computer</a:t>
+            </a:r>
+          </a:p>
+          <a:p>
+            <a:r>
+              <a:rPr lang="en-US" dirty="0"/>
+              <a:t>The applications and data you’re using currently are in primary storage.</a:t>
+            </a:r>
+          </a:p>
+          <a:p>
+            <a:endParaRPr lang="en-US" dirty="0"/>
+          </a:p>
+        </p:txBody>
+      </p:sp>
+      <p:sp>
+        <p:nvSpPr>
+          <p:cNvPr id="5" name="Text Placeholder 4">
             <a:extLst>
               <a:ext uri="{FF2B5EF4-FFF2-40B4-BE49-F238E27FC236}">
-                <a16:creationId xmlns:a16="http://schemas.microsoft.com/office/drawing/2014/main" id="{57712AC8-58A5-48A6-8096-C79E9306A869}"/>
+                <a16:creationId xmlns:a16="http://schemas.microsoft.com/office/drawing/2014/main" id="{A5DD510E-5881-417F-87A5-4131DCDC077C}"/>
               </a:ext>
             </a:extLst>
           </p:cNvPr>
@@ -8325,66 +8591,81 @@
             <a:spLocks noGrp="1"/>
           </p:cNvSpPr>
           <p:nvPr>
-            <p:ph idx="1"/>
-          </p:nvPr>
-        </p:nvSpPr>
-        <p:spPr>
-          <a:xfrm>
-            <a:off x="838200" y="1825625"/>
-            <a:ext cx="10515600" cy="4351338"/>
-          </a:xfrm>
-        </p:spPr>
+            <p:ph type="body" sz="quarter" idx="3"/>
+          </p:nvPr>
+        </p:nvSpPr>
+        <p:spPr/>
+        <p:txBody>
+          <a:bodyPr/>
+          <a:lstStyle/>
+          <a:p>
+            <a:r>
+              <a:rPr lang="en-US" dirty="0">
+                <a:solidFill>
+                  <a:schemeClr val="accent2"/>
+                </a:solidFill>
+              </a:rPr>
+              <a:t>Secondary Storage</a:t>
+            </a:r>
+          </a:p>
+        </p:txBody>
+      </p:sp>
+      <p:sp>
+        <p:nvSpPr>
+          <p:cNvPr id="6" name="Content Placeholder 5">
+            <a:extLst>
+              <a:ext uri="{FF2B5EF4-FFF2-40B4-BE49-F238E27FC236}">
+                <a16:creationId xmlns:a16="http://schemas.microsoft.com/office/drawing/2014/main" id="{4530A85C-C863-47D5-BB89-5FE612F3F318}"/>
+              </a:ext>
+            </a:extLst>
+          </p:cNvPr>
+          <p:cNvSpPr>
+            <a:spLocks noGrp="1"/>
+          </p:cNvSpPr>
+          <p:nvPr>
+            <p:ph sz="quarter" idx="4"/>
+          </p:nvPr>
+        </p:nvSpPr>
+        <p:spPr/>
         <p:txBody>
           <a:bodyPr>
             <a:normAutofit/>
           </a:bodyPr>
           <a:lstStyle/>
           <a:p>
-            <a:pPr marL="514350" indent="-514350">
-              <a:buFont typeface="+mj-lt"/>
-              <a:buAutoNum type="arabicPeriod"/>
-            </a:pPr>
-            <a:r>
-              <a:rPr lang="en-US" sz="2800" dirty="0"/>
-              <a:t>When you buy a laptop with 16GB RAM and a 1TB hard disk which is Primary Storage? Secondary Storage?</a:t>
-            </a:r>
-          </a:p>
-          <a:p>
-            <a:pPr marL="514350" indent="-514350">
-              <a:buFont typeface="+mj-lt"/>
-              <a:buAutoNum type="arabicPeriod"/>
-            </a:pPr>
-            <a:r>
-              <a:rPr lang="en-US" sz="2800" dirty="0"/>
-              <a:t>How is storage affected by uninstalling an application?</a:t>
-            </a:r>
-          </a:p>
-          <a:p>
-            <a:pPr marL="514350" indent="-514350">
-              <a:buFont typeface="+mj-lt"/>
-              <a:buAutoNum type="arabicPeriod"/>
-            </a:pPr>
-            <a:r>
-              <a:rPr lang="en-US" sz="2800" dirty="0"/>
-              <a:t>When your phone is out of space because you have too many photos, which type of storage full?</a:t>
-            </a:r>
-          </a:p>
-          <a:p>
-            <a:pPr marL="514350" indent="-514350">
-              <a:buFont typeface="+mj-lt"/>
-              <a:buAutoNum type="arabicPeriod"/>
-            </a:pPr>
-            <a:r>
-              <a:rPr lang="en-US" sz="2800" dirty="0"/>
-              <a:t>Micro SD Cards are which type of Storage?</a:t>
-            </a:r>
+            <a:r>
+              <a:rPr lang="en-US" dirty="0"/>
+              <a:t>Hard Disk Drives  (HDD) /</a:t>
+            </a:r>
+            <a:br>
+              <a:rPr lang="en-US" dirty="0"/>
+            </a:br>
+            <a:r>
+              <a:rPr lang="en-US" dirty="0"/>
+              <a:t>Solid-State Drives (SSD)</a:t>
+            </a:r>
+          </a:p>
+          <a:p>
+            <a:r>
+              <a:rPr lang="en-US" dirty="0"/>
+              <a:t>Slower, Less Expensive, Abundant resource on the computer</a:t>
+            </a:r>
+          </a:p>
+          <a:p>
+            <a:r>
+              <a:rPr lang="en-US" dirty="0"/>
+              <a:t>Applications and data available to use are in secondary storage.</a:t>
+            </a:r>
+          </a:p>
+          <a:p>
+            <a:endParaRPr lang="en-US" dirty="0"/>
           </a:p>
         </p:txBody>
       </p:sp>
     </p:spTree>
     <p:extLst>
       <p:ext uri="{BB962C8B-B14F-4D97-AF65-F5344CB8AC3E}">
-        <p14:creationId xmlns:p14="http://schemas.microsoft.com/office/powerpoint/2010/main" val="1596971142"/>
+        <p14:creationId xmlns:p14="http://schemas.microsoft.com/office/powerpoint/2010/main" val="1744068433"/>
       </p:ext>
     </p:extLst>
   </p:cSld>
@@ -8411,6 +8692,179 @@
           <a:chExt cx="0" cy="0"/>
         </a:xfrm>
       </p:grpSpPr>
+      <p:pic>
+        <p:nvPicPr>
+          <p:cNvPr id="7" name="Graphic 6" descr="Checkmark">
+            <a:extLst>
+              <a:ext uri="{FF2B5EF4-FFF2-40B4-BE49-F238E27FC236}">
+                <a16:creationId xmlns:a16="http://schemas.microsoft.com/office/drawing/2014/main" id="{83088B2D-89F4-467A-8692-31CDEE023FA5}"/>
+              </a:ext>
+            </a:extLst>
+          </p:cNvPr>
+          <p:cNvPicPr>
+            <a:picLocks noChangeAspect="1"/>
+          </p:cNvPicPr>
+          <p:nvPr/>
+        </p:nvPicPr>
+        <p:blipFill>
+          <a:blip r:embed="rId3" cstate="hqprint">
+            <a:extLst>
+              <a:ext uri="{28A0092B-C50C-407E-A947-70E740481C1C}">
+                <a14:useLocalDpi xmlns:a14="http://schemas.microsoft.com/office/drawing/2010/main" val="0"/>
+              </a:ext>
+              <a:ext uri="{96DAC541-7B7A-43D3-8B79-37D633B846F1}">
+                <asvg:svgBlip xmlns="" xmlns:asvg="http://schemas.microsoft.com/office/drawing/2016/SVG/main" r:embed="rId4"/>
+              </a:ext>
+            </a:extLst>
+          </a:blip>
+          <a:stretch>
+            <a:fillRect/>
+          </a:stretch>
+        </p:blipFill>
+        <p:spPr>
+          <a:xfrm>
+            <a:off x="838200" y="570706"/>
+            <a:ext cx="914400" cy="914400"/>
+          </a:xfrm>
+          <a:prstGeom prst="rect">
+            <a:avLst/>
+          </a:prstGeom>
+        </p:spPr>
+      </p:pic>
+      <p:sp>
+        <p:nvSpPr>
+          <p:cNvPr id="2" name="Title 1">
+            <a:extLst>
+              <a:ext uri="{FF2B5EF4-FFF2-40B4-BE49-F238E27FC236}">
+                <a16:creationId xmlns:a16="http://schemas.microsoft.com/office/drawing/2014/main" id="{29BBA9DC-F699-48D8-8EAF-2CAE22A057F0}"/>
+              </a:ext>
+            </a:extLst>
+          </p:cNvPr>
+          <p:cNvSpPr>
+            <a:spLocks noGrp="1"/>
+          </p:cNvSpPr>
+          <p:nvPr>
+            <p:ph type="title"/>
+          </p:nvPr>
+        </p:nvSpPr>
+        <p:spPr>
+          <a:xfrm>
+            <a:off x="1913468" y="365125"/>
+            <a:ext cx="9440332" cy="1325563"/>
+          </a:xfrm>
+        </p:spPr>
+        <p:txBody>
+          <a:bodyPr>
+            <a:normAutofit/>
+          </a:bodyPr>
+          <a:lstStyle/>
+          <a:p>
+            <a:r>
+              <a:rPr lang="en-US" dirty="0"/>
+              <a:t>Check Yourself</a:t>
+            </a:r>
+          </a:p>
+        </p:txBody>
+      </p:sp>
+      <p:sp>
+        <p:nvSpPr>
+          <p:cNvPr id="3" name="Content Placeholder 2">
+            <a:extLst>
+              <a:ext uri="{FF2B5EF4-FFF2-40B4-BE49-F238E27FC236}">
+                <a16:creationId xmlns:a16="http://schemas.microsoft.com/office/drawing/2014/main" id="{57712AC8-58A5-48A6-8096-C79E9306A869}"/>
+              </a:ext>
+            </a:extLst>
+          </p:cNvPr>
+          <p:cNvSpPr>
+            <a:spLocks noGrp="1"/>
+          </p:cNvSpPr>
+          <p:nvPr>
+            <p:ph idx="1"/>
+          </p:nvPr>
+        </p:nvSpPr>
+        <p:spPr>
+          <a:xfrm>
+            <a:off x="838200" y="1825625"/>
+            <a:ext cx="10515600" cy="4351338"/>
+          </a:xfrm>
+        </p:spPr>
+        <p:txBody>
+          <a:bodyPr>
+            <a:normAutofit/>
+          </a:bodyPr>
+          <a:lstStyle/>
+          <a:p>
+            <a:pPr marL="514350" indent="-514350">
+              <a:buFont typeface="+mj-lt"/>
+              <a:buAutoNum type="arabicPeriod"/>
+            </a:pPr>
+            <a:r>
+              <a:rPr lang="en-US" sz="2800" dirty="0"/>
+              <a:t>When you buy a laptop with 16GB RAM and a 1TB hard disk which is Primary Storage? Secondary Storage?</a:t>
+            </a:r>
+          </a:p>
+          <a:p>
+            <a:pPr marL="514350" indent="-514350">
+              <a:buFont typeface="+mj-lt"/>
+              <a:buAutoNum type="arabicPeriod"/>
+            </a:pPr>
+            <a:r>
+              <a:rPr lang="en-US" sz="2800" dirty="0"/>
+              <a:t>How is storage affected by uninstalling an application?</a:t>
+            </a:r>
+          </a:p>
+          <a:p>
+            <a:pPr marL="514350" indent="-514350">
+              <a:buFont typeface="+mj-lt"/>
+              <a:buAutoNum type="arabicPeriod"/>
+            </a:pPr>
+            <a:r>
+              <a:rPr lang="en-US" sz="2800" dirty="0"/>
+              <a:t>When your phone is out of space because you have too many photos, which type of storage full?</a:t>
+            </a:r>
+          </a:p>
+          <a:p>
+            <a:pPr marL="514350" indent="-514350">
+              <a:buFont typeface="+mj-lt"/>
+              <a:buAutoNum type="arabicPeriod"/>
+            </a:pPr>
+            <a:r>
+              <a:rPr lang="en-US" sz="2800" dirty="0"/>
+              <a:t>Micro SD Cards are which type of Storage?</a:t>
+            </a:r>
+          </a:p>
+        </p:txBody>
+      </p:sp>
+    </p:spTree>
+    <p:extLst>
+      <p:ext uri="{BB962C8B-B14F-4D97-AF65-F5344CB8AC3E}">
+        <p14:creationId xmlns:p14="http://schemas.microsoft.com/office/powerpoint/2010/main" val="1596971142"/>
+      </p:ext>
+    </p:extLst>
+  </p:cSld>
+  <p:clrMapOvr>
+    <a:masterClrMapping/>
+  </p:clrMapOvr>
+</p:sld>
+</file>
+
+<file path=ppt/slides/slide12.xml><?xml version="1.0" encoding="utf-8"?>
+<p:sld xmlns:a="http://schemas.openxmlformats.org/drawingml/2006/main" xmlns:r="http://schemas.openxmlformats.org/officeDocument/2006/relationships" xmlns:p="http://schemas.openxmlformats.org/presentationml/2006/main">
+  <p:cSld>
+    <p:spTree>
+      <p:nvGrpSpPr>
+        <p:cNvPr id="1" name=""/>
+        <p:cNvGrpSpPr/>
+        <p:nvPr/>
+      </p:nvGrpSpPr>
+      <p:grpSpPr>
+        <a:xfrm>
+          <a:off x="0" y="0"/>
+          <a:ext cx="0" cy="0"/>
+          <a:chOff x="0" y="0"/>
+          <a:chExt cx="0" cy="0"/>
+        </a:xfrm>
+      </p:grpSpPr>
       <p:sp>
         <p:nvSpPr>
           <p:cNvPr id="2" name="Title 1">
@@ -8514,7 +8968,7 @@
 </p:sld>
 </file>
 
-<file path=ppt/slides/slide12.xml><?xml version="1.0" encoding="utf-8"?>
+<file path=ppt/slides/slide13.xml><?xml version="1.0" encoding="utf-8"?>
 <p:sld xmlns:a="http://schemas.openxmlformats.org/drawingml/2006/main" xmlns:r="http://schemas.openxmlformats.org/officeDocument/2006/relationships" xmlns:p="http://schemas.openxmlformats.org/presentationml/2006/main">
   <p:cSld>
     <p:spTree>
@@ -8606,7 +9060,7 @@
 </p:sld>
 </file>
 
-<file path=ppt/slides/slide13.xml><?xml version="1.0" encoding="utf-8"?>
+<file path=ppt/slides/slide14.xml><?xml version="1.0" encoding="utf-8"?>
 <p:sld xmlns:a="http://schemas.openxmlformats.org/drawingml/2006/main" xmlns:r="http://schemas.openxmlformats.org/officeDocument/2006/relationships" xmlns:p="http://schemas.openxmlformats.org/presentationml/2006/main">
   <p:cSld>
     <p:bg>
@@ -8639,7 +9093,7 @@
                 <a16:creationId xmlns:a16="http://schemas.microsoft.com/office/drawing/2014/main" id="{08E89D5E-1885-4160-AC77-CC471DD1D0DB}"/>
               </a:ext>
               <a:ext uri="{C183D7F6-B498-43B3-948B-1728B52AA6E4}">
-                <adec:decorative xmlns:adec="http://schemas.microsoft.com/office/drawing/2017/decorative" val="1"/>
+                <adec:decorative xmlns="" xmlns:adec="http://schemas.microsoft.com/office/drawing/2017/decorative" val="1"/>
               </a:ext>
             </a:extLst>
           </p:cNvPr>
@@ -8738,7 +9192,7 @@
                 <a16:creationId xmlns:a16="http://schemas.microsoft.com/office/drawing/2014/main" id="{550D2BD1-98F9-412D-905B-3A843EF4078B}"/>
               </a:ext>
               <a:ext uri="{C183D7F6-B498-43B3-948B-1728B52AA6E4}">
-                <adec:decorative xmlns:adec="http://schemas.microsoft.com/office/drawing/2017/decorative" val="1"/>
+                <adec:decorative xmlns="" xmlns:adec="http://schemas.microsoft.com/office/drawing/2017/decorative" val="1"/>
               </a:ext>
             </a:extLst>
           </p:cNvPr>
@@ -8828,7 +9282,7 @@
 </p:sld>
 </file>
 
-<file path=ppt/slides/slide14.xml><?xml version="1.0" encoding="utf-8"?>
+<file path=ppt/slides/slide15.xml><?xml version="1.0" encoding="utf-8"?>
 <p:sld xmlns:a="http://schemas.openxmlformats.org/drawingml/2006/main" xmlns:r="http://schemas.openxmlformats.org/officeDocument/2006/relationships" xmlns:p="http://schemas.openxmlformats.org/presentationml/2006/main">
   <p:cSld>
     <p:spTree>
@@ -8937,7 +9391,7 @@
 </p:sld>
 </file>
 
-<file path=ppt/slides/slide15.xml><?xml version="1.0" encoding="utf-8"?>
+<file path=ppt/slides/slide16.xml><?xml version="1.0" encoding="utf-8"?>
 <p:sld xmlns:a="http://schemas.openxmlformats.org/drawingml/2006/main" xmlns:r="http://schemas.openxmlformats.org/officeDocument/2006/relationships" xmlns:p="http://schemas.openxmlformats.org/presentationml/2006/main">
   <p:cSld>
     <p:bg>
@@ -9070,7 +9524,7 @@
                 <a14:useLocalDpi xmlns:a14="http://schemas.microsoft.com/office/drawing/2010/main" val="0"/>
               </a:ext>
               <a:ext uri="{96DAC541-7B7A-43D3-8B79-37D633B846F1}">
-                <asvg:svgBlip xmlns:asvg="http://schemas.microsoft.com/office/drawing/2016/SVG/main" r:embed="rId4"/>
+                <asvg:svgBlip xmlns="" xmlns:asvg="http://schemas.microsoft.com/office/drawing/2016/SVG/main" r:embed="rId4"/>
               </a:ext>
             </a:extLst>
           </a:blip>
@@ -9096,7 +9550,7 @@
                 <a16:creationId xmlns:a16="http://schemas.microsoft.com/office/drawing/2014/main" id="{C6B4BC7B-6554-49E1-85BC-638C0D148CBD}"/>
               </a:ext>
               <a:ext uri="{C183D7F6-B498-43B3-948B-1728B52AA6E4}">
-                <adec:decorative xmlns:adec="http://schemas.microsoft.com/office/drawing/2017/decorative" val="1"/>
+                <adec:decorative xmlns="" xmlns:adec="http://schemas.microsoft.com/office/drawing/2017/decorative" val="1"/>
               </a:ext>
             </a:extLst>
           </p:cNvPr>
@@ -9119,7 +9573,7 @@
                 <a14:useLocalDpi xmlns:a14="http://schemas.microsoft.com/office/drawing/2010/main" val="0"/>
               </a:ext>
               <a:ext uri="{96DAC541-7B7A-43D3-8B79-37D633B846F1}">
-                <asvg:svgBlip xmlns:asvg="http://schemas.microsoft.com/office/drawing/2016/SVG/main" r:embed="rId4"/>
+                <asvg:svgBlip xmlns="" xmlns:asvg="http://schemas.microsoft.com/office/drawing/2016/SVG/main" r:embed="rId4"/>
               </a:ext>
             </a:extLst>
           </a:blip>
@@ -9150,7 +9604,7 @@
 </p:sld>
 </file>
 
-<file path=ppt/slides/slide16.xml><?xml version="1.0" encoding="utf-8"?>
+<file path=ppt/slides/slide17.xml><?xml version="1.0" encoding="utf-8"?>
 <p:sld xmlns:a="http://schemas.openxmlformats.org/drawingml/2006/main" xmlns:r="http://schemas.openxmlformats.org/officeDocument/2006/relationships" xmlns:p="http://schemas.openxmlformats.org/presentationml/2006/main">
   <p:cSld>
     <p:spTree>
@@ -9182,13 +9636,13 @@
           <p:nvPr/>
         </p:nvPicPr>
         <p:blipFill>
-          <a:blip r:embed="rId3">
+          <a:blip r:embed="rId3" cstate="hqprint">
             <a:extLst>
               <a:ext uri="{28A0092B-C50C-407E-A947-70E740481C1C}">
                 <a14:useLocalDpi xmlns:a14="http://schemas.microsoft.com/office/drawing/2010/main" val="0"/>
               </a:ext>
               <a:ext uri="{96DAC541-7B7A-43D3-8B79-37D633B846F1}">
-                <asvg:svgBlip xmlns:asvg="http://schemas.microsoft.com/office/drawing/2016/SVG/main" r:embed="rId4"/>
+                <asvg:svgBlip xmlns="" xmlns:asvg="http://schemas.microsoft.com/office/drawing/2016/SVG/main" r:embed="rId4"/>
               </a:ext>
             </a:extLst>
           </a:blip>
@@ -9313,7 +9767,7 @@
 </p:sld>
 </file>
 
-<file path=ppt/slides/slide17.xml><?xml version="1.0" encoding="utf-8"?>
+<file path=ppt/slides/slide18.xml><?xml version="1.0" encoding="utf-8"?>
 <p:sld xmlns:a="http://schemas.openxmlformats.org/drawingml/2006/main" xmlns:r="http://schemas.openxmlformats.org/officeDocument/2006/relationships" xmlns:p="http://schemas.openxmlformats.org/presentationml/2006/main">
   <p:cSld>
     <p:spTree>
@@ -9446,7 +9900,7 @@
 </p:sld>
 </file>
 
-<file path=ppt/slides/slide18.xml><?xml version="1.0" encoding="utf-8"?>
+<file path=ppt/slides/slide19.xml><?xml version="1.0" encoding="utf-8"?>
 <p:sld xmlns:a="http://schemas.openxmlformats.org/drawingml/2006/main" xmlns:r="http://schemas.openxmlformats.org/officeDocument/2006/relationships" xmlns:p="http://schemas.openxmlformats.org/presentationml/2006/main">
   <p:cSld>
     <p:spTree>
@@ -9575,7 +10029,7 @@
 </p:sld>
 </file>
 
-<file path=ppt/slides/slide19.xml><?xml version="1.0" encoding="utf-8"?>
+<file path=ppt/slides/slide2.xml><?xml version="1.0" encoding="utf-8"?>
 <p:sld xmlns:a="http://schemas.openxmlformats.org/drawingml/2006/main" xmlns:r="http://schemas.openxmlformats.org/officeDocument/2006/relationships" xmlns:p="http://schemas.openxmlformats.org/presentationml/2006/main">
   <p:cSld>
     <p:bg>
@@ -9600,6 +10054,188 @@
           <a:chExt cx="0" cy="0"/>
         </a:xfrm>
       </p:grpSpPr>
+      <p:pic>
+        <p:nvPicPr>
+          <p:cNvPr id="7" name="Graphic 6">
+            <a:extLst>
+              <a:ext uri="{FF2B5EF4-FFF2-40B4-BE49-F238E27FC236}">
+                <a16:creationId xmlns:a16="http://schemas.microsoft.com/office/drawing/2014/main" id="{CC18DA7E-9FB8-4C9B-A87D-898E8D6893A8}"/>
+              </a:ext>
+            </a:extLst>
+          </p:cNvPr>
+          <p:cNvPicPr>
+            <a:picLocks noChangeAspect="1"/>
+          </p:cNvPicPr>
+          <p:nvPr/>
+        </p:nvPicPr>
+        <p:blipFill>
+          <a:blip r:embed="rId2">
+            <a:extLst>
+              <a:ext uri="{28A0092B-C50C-407E-A947-70E740481C1C}">
+                <a14:useLocalDpi xmlns:a14="http://schemas.microsoft.com/office/drawing/2010/main" val="0"/>
+              </a:ext>
+              <a:ext uri="{96DAC541-7B7A-43D3-8B79-37D633B846F1}">
+                <asvg:svgBlip xmlns="" xmlns:asvg="http://schemas.microsoft.com/office/drawing/2016/SVG/main" r:embed="rId3"/>
+              </a:ext>
+            </a:extLst>
+          </a:blip>
+          <a:stretch>
+            <a:fillRect/>
+          </a:stretch>
+        </p:blipFill>
+        <p:spPr>
+          <a:xfrm>
+            <a:off x="632619" y="365125"/>
+            <a:ext cx="1119981" cy="1119981"/>
+          </a:xfrm>
+          <a:prstGeom prst="rect">
+            <a:avLst/>
+          </a:prstGeom>
+        </p:spPr>
+      </p:pic>
+      <p:sp>
+        <p:nvSpPr>
+          <p:cNvPr id="2" name="Title 1">
+            <a:extLst>
+              <a:ext uri="{FF2B5EF4-FFF2-40B4-BE49-F238E27FC236}">
+                <a16:creationId xmlns:a16="http://schemas.microsoft.com/office/drawing/2014/main" id="{47181E45-C23A-4FDF-9335-310AC4537DAD}"/>
+              </a:ext>
+            </a:extLst>
+          </p:cNvPr>
+          <p:cNvSpPr>
+            <a:spLocks noGrp="1"/>
+          </p:cNvSpPr>
+          <p:nvPr>
+            <p:ph type="title"/>
+          </p:nvPr>
+        </p:nvSpPr>
+        <p:spPr>
+          <a:xfrm>
+            <a:off x="1913468" y="365125"/>
+            <a:ext cx="9440332" cy="1325563"/>
+          </a:xfrm>
+        </p:spPr>
+        <p:txBody>
+          <a:bodyPr>
+            <a:normAutofit/>
+          </a:bodyPr>
+          <a:lstStyle/>
+          <a:p>
+            <a:r>
+              <a:rPr lang="en-US" dirty="0"/>
+              <a:t>Agenda</a:t>
+            </a:r>
+          </a:p>
+        </p:txBody>
+      </p:sp>
+      <p:sp>
+        <p:nvSpPr>
+          <p:cNvPr id="3" name="Content Placeholder 2">
+            <a:extLst>
+              <a:ext uri="{FF2B5EF4-FFF2-40B4-BE49-F238E27FC236}">
+                <a16:creationId xmlns:a16="http://schemas.microsoft.com/office/drawing/2014/main" id="{88161BE5-48BE-423F-986A-2C585BFE6C45}"/>
+              </a:ext>
+            </a:extLst>
+          </p:cNvPr>
+          <p:cNvSpPr>
+            <a:spLocks noGrp="1"/>
+          </p:cNvSpPr>
+          <p:nvPr>
+            <p:ph idx="1"/>
+          </p:nvPr>
+        </p:nvSpPr>
+        <p:spPr>
+          <a:xfrm>
+            <a:off x="838200" y="1825625"/>
+            <a:ext cx="10515600" cy="4351338"/>
+          </a:xfrm>
+        </p:spPr>
+        <p:txBody>
+          <a:bodyPr>
+            <a:normAutofit/>
+          </a:bodyPr>
+          <a:lstStyle/>
+          <a:p>
+            <a:r>
+              <a:rPr lang="en-US" dirty="0"/>
+              <a:t>Discussion</a:t>
+            </a:r>
+          </a:p>
+          <a:p>
+            <a:r>
+              <a:rPr lang="en-US" dirty="0"/>
+              <a:t>Content </a:t>
+            </a:r>
+          </a:p>
+          <a:p>
+            <a:pPr lvl="1"/>
+            <a:r>
+              <a:rPr lang="en-US" dirty="0" smtClean="0"/>
+              <a:t>Computer concepts, </a:t>
+            </a:r>
+            <a:endParaRPr lang="en-US" dirty="0"/>
+          </a:p>
+          <a:p>
+            <a:pPr lvl="1"/>
+            <a:r>
+              <a:rPr lang="en-US" dirty="0"/>
+              <a:t>Operating System, </a:t>
+            </a:r>
+          </a:p>
+          <a:p>
+            <a:pPr lvl="1"/>
+            <a:r>
+              <a:rPr lang="en-US" dirty="0"/>
+              <a:t>Command Line</a:t>
+            </a:r>
+          </a:p>
+          <a:p>
+            <a:r>
+              <a:rPr lang="en-US" smtClean="0"/>
+              <a:t>Wrap-Up</a:t>
+            </a:r>
+            <a:endParaRPr lang="en-US" dirty="0"/>
+          </a:p>
+        </p:txBody>
+      </p:sp>
+    </p:spTree>
+    <p:extLst>
+      <p:ext uri="{BB962C8B-B14F-4D97-AF65-F5344CB8AC3E}">
+        <p14:creationId xmlns:p14="http://schemas.microsoft.com/office/powerpoint/2010/main" val="2890802198"/>
+      </p:ext>
+    </p:extLst>
+  </p:cSld>
+  <p:clrMapOvr>
+    <a:masterClrMapping/>
+  </p:clrMapOvr>
+</p:sld>
+</file>
+
+<file path=ppt/slides/slide20.xml><?xml version="1.0" encoding="utf-8"?>
+<p:sld xmlns:a="http://schemas.openxmlformats.org/drawingml/2006/main" xmlns:r="http://schemas.openxmlformats.org/officeDocument/2006/relationships" xmlns:p="http://schemas.openxmlformats.org/presentationml/2006/main">
+  <p:cSld>
+    <p:bg>
+      <p:bgPr>
+        <a:solidFill>
+          <a:schemeClr val="bg1"/>
+        </a:solidFill>
+        <a:effectLst/>
+      </p:bgPr>
+    </p:bg>
+    <p:spTree>
+      <p:nvGrpSpPr>
+        <p:cNvPr id="1" name=""/>
+        <p:cNvGrpSpPr/>
+        <p:nvPr/>
+      </p:nvGrpSpPr>
+      <p:grpSpPr>
+        <a:xfrm>
+          <a:off x="0" y="0"/>
+          <a:ext cx="0" cy="0"/>
+          <a:chOff x="0" y="0"/>
+          <a:chExt cx="0" cy="0"/>
+        </a:xfrm>
+      </p:grpSpPr>
       <p:sp>
         <p:nvSpPr>
           <p:cNvPr id="8" name="Freeform 14">
@@ -9608,7 +10244,7 @@
                 <a16:creationId xmlns:a16="http://schemas.microsoft.com/office/drawing/2014/main" id="{C66F2F30-5DC0-44A0-BFA6-E12F46ED16DA}"/>
               </a:ext>
               <a:ext uri="{C183D7F6-B498-43B3-948B-1728B52AA6E4}">
-                <adec:decorative xmlns:adec="http://schemas.microsoft.com/office/drawing/2017/decorative" val="1"/>
+                <adec:decorative xmlns="" xmlns:adec="http://schemas.microsoft.com/office/drawing/2017/decorative" val="1"/>
               </a:ext>
             </a:extLst>
           </p:cNvPr>
@@ -9732,7 +10368,7 @@
                 <a16:creationId xmlns:a16="http://schemas.microsoft.com/office/drawing/2014/main" id="{85872F57-7F42-4F97-8391-DDC8D0054C03}"/>
               </a:ext>
               <a:ext uri="{C183D7F6-B498-43B3-948B-1728B52AA6E4}">
-                <adec:decorative xmlns:adec="http://schemas.microsoft.com/office/drawing/2017/decorative" val="1"/>
+                <adec:decorative xmlns="" xmlns:adec="http://schemas.microsoft.com/office/drawing/2017/decorative" val="1"/>
               </a:ext>
             </a:extLst>
           </p:cNvPr>
@@ -9888,7 +10524,7 @@
                 <a16:creationId xmlns:a16="http://schemas.microsoft.com/office/drawing/2014/main" id="{04DC2037-48A0-4F22-B9D4-8EAEBC780AB4}"/>
               </a:ext>
               <a:ext uri="{C183D7F6-B498-43B3-948B-1728B52AA6E4}">
-                <adec:decorative xmlns:adec="http://schemas.microsoft.com/office/drawing/2017/decorative" val="1"/>
+                <adec:decorative xmlns="" xmlns:adec="http://schemas.microsoft.com/office/drawing/2017/decorative" val="1"/>
               </a:ext>
             </a:extLst>
           </p:cNvPr>
@@ -9993,7 +10629,7 @@
                 <a16:creationId xmlns:a16="http://schemas.microsoft.com/office/drawing/2014/main" id="{0006CBFD-ADA0-43D1-9332-9C34CA1C76ED}"/>
               </a:ext>
               <a:ext uri="{C183D7F6-B498-43B3-948B-1728B52AA6E4}">
-                <adec:decorative xmlns:adec="http://schemas.microsoft.com/office/drawing/2017/decorative" val="1"/>
+                <adec:decorative xmlns="" xmlns:adec="http://schemas.microsoft.com/office/drawing/2017/decorative" val="1"/>
               </a:ext>
             </a:extLst>
           </p:cNvPr>
@@ -10101,7 +10737,7 @@
                 <a16:creationId xmlns:a16="http://schemas.microsoft.com/office/drawing/2014/main" id="{2B931666-F28F-45F3-A074-66D2272D580B}"/>
               </a:ext>
               <a:ext uri="{C183D7F6-B498-43B3-948B-1728B52AA6E4}">
-                <adec:decorative xmlns:adec="http://schemas.microsoft.com/office/drawing/2017/decorative" val="1"/>
+                <adec:decorative xmlns="" xmlns:adec="http://schemas.microsoft.com/office/drawing/2017/decorative" val="1"/>
               </a:ext>
             </a:extLst>
           </p:cNvPr>
@@ -10317,205 +10953,7 @@
 </p:sld>
 </file>
 
-<file path=ppt/slides/slide2.xml><?xml version="1.0" encoding="utf-8"?>
-<p:sld xmlns:a="http://schemas.openxmlformats.org/drawingml/2006/main" xmlns:r="http://schemas.openxmlformats.org/officeDocument/2006/relationships" xmlns:p="http://schemas.openxmlformats.org/presentationml/2006/main">
-  <p:cSld>
-    <p:bg>
-      <p:bgPr>
-        <a:solidFill>
-          <a:schemeClr val="bg1"/>
-        </a:solidFill>
-        <a:effectLst/>
-      </p:bgPr>
-    </p:bg>
-    <p:spTree>
-      <p:nvGrpSpPr>
-        <p:cNvPr id="1" name=""/>
-        <p:cNvGrpSpPr/>
-        <p:nvPr/>
-      </p:nvGrpSpPr>
-      <p:grpSpPr>
-        <a:xfrm>
-          <a:off x="0" y="0"/>
-          <a:ext cx="0" cy="0"/>
-          <a:chOff x="0" y="0"/>
-          <a:chExt cx="0" cy="0"/>
-        </a:xfrm>
-      </p:grpSpPr>
-      <p:pic>
-        <p:nvPicPr>
-          <p:cNvPr id="7" name="Graphic 6">
-            <a:extLst>
-              <a:ext uri="{FF2B5EF4-FFF2-40B4-BE49-F238E27FC236}">
-                <a16:creationId xmlns:a16="http://schemas.microsoft.com/office/drawing/2014/main" id="{CC18DA7E-9FB8-4C9B-A87D-898E8D6893A8}"/>
-              </a:ext>
-            </a:extLst>
-          </p:cNvPr>
-          <p:cNvPicPr>
-            <a:picLocks noChangeAspect="1"/>
-          </p:cNvPicPr>
-          <p:nvPr/>
-        </p:nvPicPr>
-        <p:blipFill>
-          <a:blip r:embed="rId2">
-            <a:extLst>
-              <a:ext uri="{28A0092B-C50C-407E-A947-70E740481C1C}">
-                <a14:useLocalDpi xmlns:a14="http://schemas.microsoft.com/office/drawing/2010/main" val="0"/>
-              </a:ext>
-              <a:ext uri="{96DAC541-7B7A-43D3-8B79-37D633B846F1}">
-                <asvg:svgBlip xmlns:asvg="http://schemas.microsoft.com/office/drawing/2016/SVG/main" r:embed="rId3"/>
-              </a:ext>
-            </a:extLst>
-          </a:blip>
-          <a:stretch>
-            <a:fillRect/>
-          </a:stretch>
-        </p:blipFill>
-        <p:spPr>
-          <a:xfrm>
-            <a:off x="632619" y="365125"/>
-            <a:ext cx="1119981" cy="1119981"/>
-          </a:xfrm>
-          <a:prstGeom prst="rect">
-            <a:avLst/>
-          </a:prstGeom>
-        </p:spPr>
-      </p:pic>
-      <p:sp>
-        <p:nvSpPr>
-          <p:cNvPr id="2" name="Title 1">
-            <a:extLst>
-              <a:ext uri="{FF2B5EF4-FFF2-40B4-BE49-F238E27FC236}">
-                <a16:creationId xmlns:a16="http://schemas.microsoft.com/office/drawing/2014/main" id="{47181E45-C23A-4FDF-9335-310AC4537DAD}"/>
-              </a:ext>
-            </a:extLst>
-          </p:cNvPr>
-          <p:cNvSpPr>
-            <a:spLocks noGrp="1"/>
-          </p:cNvSpPr>
-          <p:nvPr>
-            <p:ph type="title"/>
-          </p:nvPr>
-        </p:nvSpPr>
-        <p:spPr>
-          <a:xfrm>
-            <a:off x="1913468" y="365125"/>
-            <a:ext cx="9440332" cy="1325563"/>
-          </a:xfrm>
-        </p:spPr>
-        <p:txBody>
-          <a:bodyPr>
-            <a:normAutofit/>
-          </a:bodyPr>
-          <a:lstStyle/>
-          <a:p>
-            <a:r>
-              <a:rPr lang="en-US" dirty="0"/>
-              <a:t>Agenda</a:t>
-            </a:r>
-          </a:p>
-        </p:txBody>
-      </p:sp>
-      <p:sp>
-        <p:nvSpPr>
-          <p:cNvPr id="3" name="Content Placeholder 2">
-            <a:extLst>
-              <a:ext uri="{FF2B5EF4-FFF2-40B4-BE49-F238E27FC236}">
-                <a16:creationId xmlns:a16="http://schemas.microsoft.com/office/drawing/2014/main" id="{88161BE5-48BE-423F-986A-2C585BFE6C45}"/>
-              </a:ext>
-            </a:extLst>
-          </p:cNvPr>
-          <p:cNvSpPr>
-            <a:spLocks noGrp="1"/>
-          </p:cNvSpPr>
-          <p:nvPr>
-            <p:ph idx="1"/>
-          </p:nvPr>
-        </p:nvSpPr>
-        <p:spPr>
-          <a:xfrm>
-            <a:off x="838200" y="1825625"/>
-            <a:ext cx="10515600" cy="4351338"/>
-          </a:xfrm>
-        </p:spPr>
-        <p:txBody>
-          <a:bodyPr>
-            <a:normAutofit lnSpcReduction="10000"/>
-          </a:bodyPr>
-          <a:lstStyle/>
-          <a:p>
-            <a:r>
-              <a:rPr lang="en-US" dirty="0"/>
-              <a:t>Discussion</a:t>
-            </a:r>
-          </a:p>
-          <a:p>
-            <a:r>
-              <a:rPr lang="en-US" dirty="0"/>
-              <a:t>Content </a:t>
-            </a:r>
-          </a:p>
-          <a:p>
-            <a:pPr lvl="1"/>
-            <a:r>
-              <a:rPr lang="en-US" dirty="0"/>
-              <a:t>Computer, </a:t>
-            </a:r>
-          </a:p>
-          <a:p>
-            <a:pPr lvl="1"/>
-            <a:r>
-              <a:rPr lang="en-US" dirty="0"/>
-              <a:t>Operating System, </a:t>
-            </a:r>
-          </a:p>
-          <a:p>
-            <a:pPr lvl="1"/>
-            <a:r>
-              <a:rPr lang="en-US" dirty="0"/>
-              <a:t>Command Line</a:t>
-            </a:r>
-          </a:p>
-          <a:p>
-            <a:r>
-              <a:rPr lang="en-US" dirty="0"/>
-              <a:t>Activity</a:t>
-            </a:r>
-          </a:p>
-          <a:p>
-            <a:r>
-              <a:rPr lang="en-US" dirty="0"/>
-              <a:t>Summary</a:t>
-            </a:r>
-          </a:p>
-          <a:p>
-            <a:r>
-              <a:rPr lang="en-US" dirty="0"/>
-              <a:t>Homework</a:t>
-            </a:r>
-          </a:p>
-          <a:p>
-            <a:r>
-              <a:rPr lang="en-US" dirty="0"/>
-              <a:t>Question</a:t>
-            </a:r>
-          </a:p>
-        </p:txBody>
-      </p:sp>
-    </p:spTree>
-    <p:extLst>
-      <p:ext uri="{BB962C8B-B14F-4D97-AF65-F5344CB8AC3E}">
-        <p14:creationId xmlns:p14="http://schemas.microsoft.com/office/powerpoint/2010/main" val="2890802198"/>
-      </p:ext>
-    </p:extLst>
-  </p:cSld>
-  <p:clrMapOvr>
-    <a:masterClrMapping/>
-  </p:clrMapOvr>
-</p:sld>
-</file>
-
-<file path=ppt/slides/slide20.xml><?xml version="1.0" encoding="utf-8"?>
+<file path=ppt/slides/slide21.xml><?xml version="1.0" encoding="utf-8"?>
 <p:sld xmlns:a="http://schemas.openxmlformats.org/drawingml/2006/main" xmlns:r="http://schemas.openxmlformats.org/officeDocument/2006/relationships" xmlns:p="http://schemas.openxmlformats.org/presentationml/2006/main">
   <p:cSld>
     <p:spTree>
@@ -10657,7 +11095,7 @@
 </p:sld>
 </file>
 
-<file path=ppt/slides/slide21.xml><?xml version="1.0" encoding="utf-8"?>
+<file path=ppt/slides/slide22.xml><?xml version="1.0" encoding="utf-8"?>
 <p:sld xmlns:a="http://schemas.openxmlformats.org/drawingml/2006/main" xmlns:r="http://schemas.openxmlformats.org/officeDocument/2006/relationships" xmlns:p="http://schemas.openxmlformats.org/presentationml/2006/main">
   <p:cSld>
     <p:bg>
@@ -10703,7 +11141,7 @@
                 <a14:useLocalDpi xmlns:a14="http://schemas.microsoft.com/office/drawing/2010/main" val="0"/>
               </a:ext>
               <a:ext uri="{96DAC541-7B7A-43D3-8B79-37D633B846F1}">
-                <asvg:svgBlip xmlns:asvg="http://schemas.microsoft.com/office/drawing/2016/SVG/main" r:embed="rId4"/>
+                <asvg:svgBlip xmlns="" xmlns:asvg="http://schemas.microsoft.com/office/drawing/2016/SVG/main" r:embed="rId4"/>
               </a:ext>
             </a:extLst>
           </a:blip>
@@ -10729,7 +11167,7 @@
                 <a16:creationId xmlns:a16="http://schemas.microsoft.com/office/drawing/2014/main" id="{1A882A9F-F4E9-4E23-8F0B-20B5DF42EAA9}"/>
               </a:ext>
               <a:ext uri="{C183D7F6-B498-43B3-948B-1728B52AA6E4}">
-                <adec:decorative xmlns:adec="http://schemas.microsoft.com/office/drawing/2017/decorative" val="1"/>
+                <adec:decorative xmlns="" xmlns:adec="http://schemas.microsoft.com/office/drawing/2017/decorative" val="1"/>
               </a:ext>
             </a:extLst>
           </p:cNvPr>
@@ -10823,7 +11261,7 @@
                 <a16:creationId xmlns:a16="http://schemas.microsoft.com/office/drawing/2014/main" id="{FBE9F90C-C163-435B-9A68-D15C92D1CF2B}"/>
               </a:ext>
               <a:ext uri="{C183D7F6-B498-43B3-948B-1728B52AA6E4}">
-                <adec:decorative xmlns:adec="http://schemas.microsoft.com/office/drawing/2017/decorative" val="1"/>
+                <adec:decorative xmlns="" xmlns:adec="http://schemas.microsoft.com/office/drawing/2017/decorative" val="1"/>
               </a:ext>
             </a:extLst>
           </p:cNvPr>
@@ -10917,7 +11355,7 @@
                 <a16:creationId xmlns:a16="http://schemas.microsoft.com/office/drawing/2014/main" id="{CDA1A2E9-63FE-408D-A803-8E306ECAB4B3}"/>
               </a:ext>
               <a:ext uri="{C183D7F6-B498-43B3-948B-1728B52AA6E4}">
-                <adec:decorative xmlns:adec="http://schemas.microsoft.com/office/drawing/2017/decorative" val="1"/>
+                <adec:decorative xmlns="" xmlns:adec="http://schemas.microsoft.com/office/drawing/2017/decorative" val="1"/>
               </a:ext>
             </a:extLst>
           </p:cNvPr>
@@ -11149,122 +11587,6 @@
 </p:sld>
 </file>
 
-<file path=ppt/slides/slide22.xml><?xml version="1.0" encoding="utf-8"?>
-<p:sld xmlns:a="http://schemas.openxmlformats.org/drawingml/2006/main" xmlns:r="http://schemas.openxmlformats.org/officeDocument/2006/relationships" xmlns:p="http://schemas.openxmlformats.org/presentationml/2006/main">
-  <p:cSld>
-    <p:spTree>
-      <p:nvGrpSpPr>
-        <p:cNvPr id="1" name=""/>
-        <p:cNvGrpSpPr/>
-        <p:nvPr/>
-      </p:nvGrpSpPr>
-      <p:grpSpPr>
-        <a:xfrm>
-          <a:off x="0" y="0"/>
-          <a:ext cx="0" cy="0"/>
-          <a:chOff x="0" y="0"/>
-          <a:chExt cx="0" cy="0"/>
-        </a:xfrm>
-      </p:grpSpPr>
-      <p:sp>
-        <p:nvSpPr>
-          <p:cNvPr id="2" name="Title 1">
-            <a:extLst>
-              <a:ext uri="{FF2B5EF4-FFF2-40B4-BE49-F238E27FC236}">
-                <a16:creationId xmlns:a16="http://schemas.microsoft.com/office/drawing/2014/main" id="{CECEC0A2-0FBC-4FD8-99C8-5BE017C081E6}"/>
-              </a:ext>
-            </a:extLst>
-          </p:cNvPr>
-          <p:cNvSpPr>
-            <a:spLocks noGrp="1"/>
-          </p:cNvSpPr>
-          <p:nvPr>
-            <p:ph type="title"/>
-          </p:nvPr>
-        </p:nvSpPr>
-        <p:spPr/>
-        <p:txBody>
-          <a:bodyPr>
-            <a:normAutofit/>
-          </a:bodyPr>
-          <a:lstStyle/>
-          <a:p>
-            <a:r>
-              <a:rPr lang="en-US" sz="4800" dirty="0"/>
-              <a:t>Your To-Do List For Next Class</a:t>
-            </a:r>
-          </a:p>
-        </p:txBody>
-      </p:sp>
-      <p:sp>
-        <p:nvSpPr>
-          <p:cNvPr id="3" name="Content Placeholder 2">
-            <a:extLst>
-              <a:ext uri="{FF2B5EF4-FFF2-40B4-BE49-F238E27FC236}">
-                <a16:creationId xmlns:a16="http://schemas.microsoft.com/office/drawing/2014/main" id="{A0CE4E65-3524-408A-B9CE-20BAEBFA1991}"/>
-              </a:ext>
-            </a:extLst>
-          </p:cNvPr>
-          <p:cNvSpPr>
-            <a:spLocks noGrp="1"/>
-          </p:cNvSpPr>
-          <p:nvPr>
-            <p:ph idx="1"/>
-          </p:nvPr>
-        </p:nvSpPr>
-        <p:spPr/>
-        <p:txBody>
-          <a:bodyPr>
-            <a:normAutofit/>
-          </a:bodyPr>
-          <a:lstStyle/>
-          <a:p>
-            <a:r>
-              <a:rPr lang="en-US" sz="3200" dirty="0"/>
-              <a:t>Read (XX – Lesson Name)</a:t>
-            </a:r>
-          </a:p>
-          <a:p>
-            <a:pPr lvl="1"/>
-            <a:r>
-              <a:rPr lang="en-US" dirty="0"/>
-              <a:t>Reading Something</a:t>
-            </a:r>
-          </a:p>
-          <a:p>
-            <a:r>
-              <a:rPr lang="en-US" dirty="0"/>
-              <a:t>Homework:</a:t>
-            </a:r>
-          </a:p>
-          <a:p>
-            <a:pPr lvl="1"/>
-            <a:r>
-              <a:rPr lang="en-US" dirty="0"/>
-              <a:t>Lab something / homework something</a:t>
-            </a:r>
-          </a:p>
-          <a:p>
-            <a:pPr marL="457200" lvl="1" indent="0">
-              <a:buNone/>
-            </a:pPr>
-            <a:endParaRPr lang="en-US" dirty="0"/>
-          </a:p>
-        </p:txBody>
-      </p:sp>
-    </p:spTree>
-    <p:extLst>
-      <p:ext uri="{BB962C8B-B14F-4D97-AF65-F5344CB8AC3E}">
-        <p14:creationId xmlns:p14="http://schemas.microsoft.com/office/powerpoint/2010/main" val="1060460596"/>
-      </p:ext>
-    </p:extLst>
-  </p:cSld>
-  <p:clrMapOvr>
-    <a:masterClrMapping/>
-  </p:clrMapOvr>
-</p:sld>
-</file>
-
 <file path=ppt/slides/slide23.xml><?xml version="1.0" encoding="utf-8"?>
 <p:sld xmlns:a="http://schemas.openxmlformats.org/drawingml/2006/main" xmlns:r="http://schemas.openxmlformats.org/officeDocument/2006/relationships" xmlns:p="http://schemas.openxmlformats.org/presentationml/2006/main">
   <p:cSld>
@@ -11287,7 +11609,7 @@
           <p:cNvPr id="2" name="Title 1">
             <a:extLst>
               <a:ext uri="{FF2B5EF4-FFF2-40B4-BE49-F238E27FC236}">
-                <a16:creationId xmlns:a16="http://schemas.microsoft.com/office/drawing/2014/main" id="{3A72E24B-250D-407C-98D9-47C79A7DB005}"/>
+                <a16:creationId xmlns:a16="http://schemas.microsoft.com/office/drawing/2014/main" id="{CECEC0A2-0FBC-4FD8-99C8-5BE017C081E6}"/>
               </a:ext>
             </a:extLst>
           </p:cNvPr>
@@ -11300,12 +11622,14 @@
         </p:nvSpPr>
         <p:spPr/>
         <p:txBody>
-          <a:bodyPr/>
+          <a:bodyPr>
+            <a:normAutofit/>
+          </a:bodyPr>
           <a:lstStyle/>
           <a:p>
             <a:r>
-              <a:rPr lang="en-US" dirty="0"/>
-              <a:t>Exit Ticket</a:t>
+              <a:rPr lang="en-US" sz="4800" dirty="0"/>
+              <a:t>Your To-Do List For Next Class</a:t>
             </a:r>
           </a:p>
         </p:txBody>
@@ -11315,7 +11639,7 @@
           <p:cNvPr id="3" name="Content Placeholder 2">
             <a:extLst>
               <a:ext uri="{FF2B5EF4-FFF2-40B4-BE49-F238E27FC236}">
-                <a16:creationId xmlns:a16="http://schemas.microsoft.com/office/drawing/2014/main" id="{47B850F7-2047-4E01-BD80-512565CB5F91}"/>
+                <a16:creationId xmlns:a16="http://schemas.microsoft.com/office/drawing/2014/main" id="{A0CE4E65-3524-408A-B9CE-20BAEBFA1991}"/>
               </a:ext>
             </a:extLst>
           </p:cNvPr>
@@ -11328,28 +11652,48 @@
         </p:nvSpPr>
         <p:spPr/>
         <p:txBody>
-          <a:bodyPr/>
+          <a:bodyPr>
+            <a:normAutofit/>
+          </a:bodyPr>
           <a:lstStyle/>
           <a:p>
             <a:r>
+              <a:rPr lang="en-US" sz="3200" dirty="0"/>
+              <a:t>Read (XX – Lesson Name)</a:t>
+            </a:r>
+          </a:p>
+          <a:p>
+            <a:pPr lvl="1"/>
+            <a:r>
               <a:rPr lang="en-US" dirty="0"/>
-              <a:t>Exit Ticket Question – One thing you learned today, </a:t>
-            </a:r>
-            <a:r>
-              <a:rPr lang="en-US" dirty="0" err="1"/>
-              <a:t>etc</a:t>
-            </a:r>
+              <a:t>Reading Something</a:t>
+            </a:r>
+          </a:p>
+          <a:p>
             <a:r>
               <a:rPr lang="en-US" dirty="0"/>
-              <a:t>…</a:t>
-            </a:r>
+              <a:t>Homework:</a:t>
+            </a:r>
+          </a:p>
+          <a:p>
+            <a:pPr lvl="1"/>
+            <a:r>
+              <a:rPr lang="en-US" dirty="0"/>
+              <a:t>Lab something / homework something</a:t>
+            </a:r>
+          </a:p>
+          <a:p>
+            <a:pPr marL="457200" lvl="1" indent="0">
+              <a:buNone/>
+            </a:pPr>
+            <a:endParaRPr lang="en-US" dirty="0"/>
           </a:p>
         </p:txBody>
       </p:sp>
     </p:spTree>
     <p:extLst>
       <p:ext uri="{BB962C8B-B14F-4D97-AF65-F5344CB8AC3E}">
-        <p14:creationId xmlns:p14="http://schemas.microsoft.com/office/powerpoint/2010/main" val="2421930778"/>
+        <p14:creationId xmlns:p14="http://schemas.microsoft.com/office/powerpoint/2010/main" val="1060460596"/>
       </p:ext>
     </p:extLst>
   </p:cSld>
@@ -11360,6 +11704,219 @@
 </file>
 
 <file path=ppt/slides/slide24.xml><?xml version="1.0" encoding="utf-8"?>
+<p:sld xmlns:a="http://schemas.openxmlformats.org/drawingml/2006/main" xmlns:r="http://schemas.openxmlformats.org/officeDocument/2006/relationships" xmlns:p="http://schemas.openxmlformats.org/presentationml/2006/main">
+  <p:cSld>
+    <p:bg>
+      <p:bgPr>
+        <a:solidFill>
+          <a:schemeClr val="bg1"/>
+        </a:solidFill>
+        <a:effectLst/>
+      </p:bgPr>
+    </p:bg>
+    <p:spTree>
+      <p:nvGrpSpPr>
+        <p:cNvPr id="1" name=""/>
+        <p:cNvGrpSpPr/>
+        <p:nvPr/>
+      </p:nvGrpSpPr>
+      <p:grpSpPr>
+        <a:xfrm>
+          <a:off x="0" y="0"/>
+          <a:ext cx="0" cy="0"/>
+          <a:chOff x="0" y="0"/>
+          <a:chExt cx="0" cy="0"/>
+        </a:xfrm>
+      </p:grpSpPr>
+      <p:pic>
+        <p:nvPicPr>
+          <p:cNvPr id="9" name="Graphic 8">
+            <a:extLst>
+              <a:ext uri="{FF2B5EF4-FFF2-40B4-BE49-F238E27FC236}">
+                <a16:creationId xmlns:a16="http://schemas.microsoft.com/office/drawing/2014/main" id="{025E15EC-F3C2-49B3-B38B-7404B833B21C}"/>
+              </a:ext>
+              <a:ext uri="{C183D7F6-B498-43B3-948B-1728B52AA6E4}">
+                <adec:decorative xmlns="" xmlns:adec="http://schemas.microsoft.com/office/drawing/2017/decorative" val="1"/>
+              </a:ext>
+            </a:extLst>
+          </p:cNvPr>
+          <p:cNvPicPr>
+            <a:picLocks noGrp="1" noRot="1" noChangeAspect="1" noMove="1" noResize="1" noEditPoints="1" noAdjustHandles="1" noChangeArrowheads="1" noChangeShapeType="1" noCrop="1"/>
+          </p:cNvPicPr>
+          <p:nvPr>
+            <p:extLst>
+              <p:ext uri="{386F3935-93C4-4BCD-93E2-E3B085C9AB24}">
+                <p16:designElem xmlns:p16="http://schemas.microsoft.com/office/powerpoint/2015/main" val="1"/>
+              </p:ext>
+            </p:extLst>
+          </p:nvPr>
+        </p:nvPicPr>
+        <p:blipFill>
+          <a:blip r:embed="rId2">
+            <a:alphaModFix amt="15000"/>
+            <a:extLst>
+              <a:ext uri="{28A0092B-C50C-407E-A947-70E740481C1C}">
+                <a14:useLocalDpi xmlns:a14="http://schemas.microsoft.com/office/drawing/2010/main" val="0"/>
+              </a:ext>
+              <a:ext uri="{96DAC541-7B7A-43D3-8B79-37D633B846F1}">
+                <asvg:svgBlip xmlns="" xmlns:asvg="http://schemas.microsoft.com/office/drawing/2016/SVG/main" r:embed="rId3"/>
+              </a:ext>
+            </a:extLst>
+          </a:blip>
+          <a:stretch>
+            <a:fillRect/>
+          </a:stretch>
+        </p:blipFill>
+        <p:spPr>
+          <a:xfrm>
+            <a:off x="6641431" y="816337"/>
+            <a:ext cx="5225327" cy="5225327"/>
+          </a:xfrm>
+          <a:prstGeom prst="rect">
+            <a:avLst/>
+          </a:prstGeom>
+        </p:spPr>
+      </p:pic>
+      <p:pic>
+        <p:nvPicPr>
+          <p:cNvPr id="7" name="Graphic 6">
+            <a:extLst>
+              <a:ext uri="{FF2B5EF4-FFF2-40B4-BE49-F238E27FC236}">
+                <a16:creationId xmlns:a16="http://schemas.microsoft.com/office/drawing/2014/main" id="{CC95D478-A923-4EB5-AF9F-E8648FF3409D}"/>
+              </a:ext>
+            </a:extLst>
+          </p:cNvPr>
+          <p:cNvPicPr>
+            <a:picLocks noChangeAspect="1"/>
+          </p:cNvPicPr>
+          <p:nvPr/>
+        </p:nvPicPr>
+        <p:blipFill>
+          <a:blip r:embed="rId2">
+            <a:extLst>
+              <a:ext uri="{28A0092B-C50C-407E-A947-70E740481C1C}">
+                <a14:useLocalDpi xmlns:a14="http://schemas.microsoft.com/office/drawing/2010/main" val="0"/>
+              </a:ext>
+              <a:ext uri="{96DAC541-7B7A-43D3-8B79-37D633B846F1}">
+                <asvg:svgBlip xmlns="" xmlns:asvg="http://schemas.microsoft.com/office/drawing/2016/SVG/main" r:embed="rId3"/>
+              </a:ext>
+            </a:extLst>
+          </a:blip>
+          <a:stretch>
+            <a:fillRect/>
+          </a:stretch>
+        </p:blipFill>
+        <p:spPr>
+          <a:xfrm>
+            <a:off x="838201" y="2743201"/>
+            <a:ext cx="1371600" cy="1371600"/>
+          </a:xfrm>
+          <a:prstGeom prst="rect">
+            <a:avLst/>
+          </a:prstGeom>
+        </p:spPr>
+      </p:pic>
+      <p:sp>
+        <p:nvSpPr>
+          <p:cNvPr id="2" name="Title 1">
+            <a:extLst>
+              <a:ext uri="{FF2B5EF4-FFF2-40B4-BE49-F238E27FC236}">
+                <a16:creationId xmlns:a16="http://schemas.microsoft.com/office/drawing/2014/main" id="{3A72E24B-250D-407C-98D9-47C79A7DB005}"/>
+              </a:ext>
+            </a:extLst>
+          </p:cNvPr>
+          <p:cNvSpPr>
+            <a:spLocks noGrp="1"/>
+          </p:cNvSpPr>
+          <p:nvPr>
+            <p:ph type="title"/>
+          </p:nvPr>
+        </p:nvSpPr>
+        <p:spPr>
+          <a:xfrm>
+            <a:off x="2370667" y="2187743"/>
+            <a:ext cx="5293449" cy="2482515"/>
+          </a:xfrm>
+        </p:spPr>
+        <p:txBody>
+          <a:bodyPr vert="horz" lIns="91440" tIns="45720" rIns="91440" bIns="45720" rtlCol="0" anchor="ctr">
+            <a:normAutofit/>
+          </a:bodyPr>
+          <a:lstStyle/>
+          <a:p>
+            <a:r>
+              <a:rPr lang="en-US" sz="6000" kern="1200" dirty="0">
+                <a:solidFill>
+                  <a:schemeClr val="tx1"/>
+                </a:solidFill>
+                <a:latin typeface="+mj-lt"/>
+                <a:ea typeface="+mj-ea"/>
+                <a:cs typeface="+mj-cs"/>
+              </a:rPr>
+              <a:t>Exit Ticket</a:t>
+            </a:r>
+          </a:p>
+        </p:txBody>
+      </p:sp>
+      <p:sp>
+        <p:nvSpPr>
+          <p:cNvPr id="3" name="Content Placeholder 2">
+            <a:extLst>
+              <a:ext uri="{FF2B5EF4-FFF2-40B4-BE49-F238E27FC236}">
+                <a16:creationId xmlns:a16="http://schemas.microsoft.com/office/drawing/2014/main" id="{47B850F7-2047-4E01-BD80-512565CB5F91}"/>
+              </a:ext>
+            </a:extLst>
+          </p:cNvPr>
+          <p:cNvSpPr>
+            <a:spLocks noGrp="1"/>
+          </p:cNvSpPr>
+          <p:nvPr>
+            <p:ph idx="1"/>
+          </p:nvPr>
+        </p:nvSpPr>
+        <p:spPr>
+          <a:xfrm>
+            <a:off x="2370667" y="4670258"/>
+            <a:ext cx="6409776" cy="1371405"/>
+          </a:xfrm>
+        </p:spPr>
+        <p:txBody>
+          <a:bodyPr vert="horz" lIns="91440" tIns="45720" rIns="91440" bIns="45720" rtlCol="0">
+            <a:normAutofit/>
+          </a:bodyPr>
+          <a:lstStyle/>
+          <a:p>
+            <a:pPr marL="0" indent="0">
+              <a:buNone/>
+            </a:pPr>
+            <a:r>
+              <a:rPr lang="en-US" sz="2400" kern="1200" dirty="0">
+                <a:solidFill>
+                  <a:schemeClr val="tx1"/>
+                </a:solidFill>
+                <a:latin typeface="+mn-lt"/>
+                <a:ea typeface="+mn-ea"/>
+                <a:cs typeface="+mn-cs"/>
+              </a:rPr>
+              <a:t>Share one thing you learned today that you didn’t know before class!</a:t>
+            </a:r>
+          </a:p>
+        </p:txBody>
+      </p:sp>
+    </p:spTree>
+    <p:extLst>
+      <p:ext uri="{BB962C8B-B14F-4D97-AF65-F5344CB8AC3E}">
+        <p14:creationId xmlns:p14="http://schemas.microsoft.com/office/powerpoint/2010/main" val="4102343231"/>
+      </p:ext>
+    </p:extLst>
+  </p:cSld>
+  <p:clrMapOvr>
+    <a:masterClrMapping/>
+  </p:clrMapOvr>
+</p:sld>
+</file>
+
+<file path=ppt/slides/slide25.xml><?xml version="1.0" encoding="utf-8"?>
 <p:sld xmlns:a="http://schemas.openxmlformats.org/drawingml/2006/main" xmlns:r="http://schemas.openxmlformats.org/officeDocument/2006/relationships" xmlns:p="http://schemas.openxmlformats.org/presentationml/2006/main">
   <p:cSld>
     <p:bg>
@@ -11405,7 +11962,7 @@
                 <a14:useLocalDpi xmlns:a14="http://schemas.microsoft.com/office/drawing/2010/main" val="0"/>
               </a:ext>
               <a:ext uri="{96DAC541-7B7A-43D3-8B79-37D633B846F1}">
-                <asvg:svgBlip xmlns:asvg="http://schemas.microsoft.com/office/drawing/2016/SVG/main" r:embed="rId3"/>
+                <asvg:svgBlip xmlns="" xmlns:asvg="http://schemas.microsoft.com/office/drawing/2016/SVG/main" r:embed="rId3"/>
               </a:ext>
             </a:extLst>
           </a:blip>
@@ -11431,7 +11988,7 @@
                 <a16:creationId xmlns:a16="http://schemas.microsoft.com/office/drawing/2014/main" id="{1A882A9F-F4E9-4E23-8F0B-20B5DF42EAA9}"/>
               </a:ext>
               <a:ext uri="{C183D7F6-B498-43B3-948B-1728B52AA6E4}">
-                <adec:decorative xmlns:adec="http://schemas.microsoft.com/office/drawing/2017/decorative" val="1"/>
+                <adec:decorative xmlns="" xmlns:adec="http://schemas.microsoft.com/office/drawing/2017/decorative" val="1"/>
               </a:ext>
             </a:extLst>
           </p:cNvPr>
@@ -11525,7 +12082,7 @@
                 <a16:creationId xmlns:a16="http://schemas.microsoft.com/office/drawing/2014/main" id="{FBE9F90C-C163-435B-9A68-D15C92D1CF2B}"/>
               </a:ext>
               <a:ext uri="{C183D7F6-B498-43B3-948B-1728B52AA6E4}">
-                <adec:decorative xmlns:adec="http://schemas.microsoft.com/office/drawing/2017/decorative" val="1"/>
+                <adec:decorative xmlns="" xmlns:adec="http://schemas.microsoft.com/office/drawing/2017/decorative" val="1"/>
               </a:ext>
             </a:extLst>
           </p:cNvPr>
@@ -11619,7 +12176,7 @@
                 <a16:creationId xmlns:a16="http://schemas.microsoft.com/office/drawing/2014/main" id="{CDA1A2E9-63FE-408D-A803-8E306ECAB4B3}"/>
               </a:ext>
               <a:ext uri="{C183D7F6-B498-43B3-948B-1728B52AA6E4}">
-                <adec:decorative xmlns:adec="http://schemas.microsoft.com/office/drawing/2017/decorative" val="1"/>
+                <adec:decorative xmlns="" xmlns:adec="http://schemas.microsoft.com/office/drawing/2017/decorative" val="1"/>
               </a:ext>
             </a:extLst>
           </p:cNvPr>
@@ -11832,7 +12389,7 @@
                 <a16:creationId xmlns:a16="http://schemas.microsoft.com/office/drawing/2014/main" id="{F98ED85F-DCEE-4B50-802E-71A6E3E12B04}"/>
               </a:ext>
               <a:ext uri="{C183D7F6-B498-43B3-948B-1728B52AA6E4}">
-                <adec:decorative xmlns:adec="http://schemas.microsoft.com/office/drawing/2017/decorative" val="1"/>
+                <adec:decorative xmlns="" xmlns:adec="http://schemas.microsoft.com/office/drawing/2017/decorative" val="1"/>
               </a:ext>
             </a:extLst>
           </p:cNvPr>
@@ -11963,8 +12520,8 @@
               <a:buAutoNum type="arabicPeriod"/>
             </a:pPr>
             <a:r>
-              <a:rPr lang="en-US" dirty="0"/>
-              <a:t>Some</a:t>
+              <a:rPr lang="en-US" dirty="0" smtClean="0"/>
+              <a:t>What are the 4 key tasks common to all computers?</a:t>
             </a:r>
           </a:p>
           <a:p>
@@ -11973,8 +12530,8 @@
               <a:buAutoNum type="arabicPeriod"/>
             </a:pPr>
             <a:r>
-              <a:rPr lang="en-US" dirty="0"/>
-              <a:t>Questions </a:t>
+              <a:rPr lang="en-US" dirty="0" smtClean="0"/>
+              <a:t>What is the universal format of data on a computer?</a:t>
             </a:r>
           </a:p>
           <a:p>
@@ -11983,9 +12540,10 @@
               <a:buAutoNum type="arabicPeriod"/>
             </a:pPr>
             <a:r>
-              <a:rPr lang="en-US" dirty="0"/>
-              <a:t>Here</a:t>
-            </a:r>
+              <a:rPr lang="en-US" dirty="0" smtClean="0"/>
+              <a:t>What is an operating system?</a:t>
+            </a:r>
+            <a:endParaRPr lang="en-US" dirty="0"/>
           </a:p>
           <a:p>
             <a:pPr marL="514350" lvl="0" indent="-514350">
@@ -11993,9 +12551,28 @@
               <a:buAutoNum type="arabicPeriod"/>
             </a:pPr>
             <a:r>
-              <a:rPr lang="en-US" dirty="0"/>
-              <a:t>Please</a:t>
-            </a:r>
+              <a:rPr lang="en-US" dirty="0" smtClean="0"/>
+              <a:t>What are the 5 responsibilities of the operating systems kernel?</a:t>
+            </a:r>
+            <a:endParaRPr lang="en-US" dirty="0"/>
+          </a:p>
+          <a:p>
+            <a:pPr marL="514350" lvl="0" indent="-514350">
+              <a:buFont typeface="+mj-lt"/>
+              <a:buAutoNum type="arabicPeriod"/>
+            </a:pPr>
+            <a:r>
+              <a:rPr lang="en-US" dirty="0" smtClean="0"/>
+              <a:t>What are the two common user interfaces found in an operating system? What are the advantages of each? </a:t>
+            </a:r>
+            <a:endParaRPr lang="en-US" dirty="0"/>
+          </a:p>
+          <a:p>
+            <a:pPr marL="514350" lvl="0" indent="-514350">
+              <a:buFont typeface="+mj-lt"/>
+              <a:buAutoNum type="arabicPeriod"/>
+            </a:pPr>
+            <a:endParaRPr lang="en-US" dirty="0"/>
           </a:p>
         </p:txBody>
       </p:sp>
@@ -12059,7 +12636,7 @@
           <a:p>
             <a:r>
               <a:rPr lang="en-US" dirty="0"/>
-              <a:t>Lab Questions?</a:t>
+              <a:t>ROI / TCO Homework</a:t>
             </a:r>
           </a:p>
         </p:txBody>
@@ -12097,46 +12674,17 @@
               <a:buAutoNum type="arabicPeriod"/>
             </a:pPr>
             <a:r>
-              <a:rPr lang="en-US" dirty="0"/>
-              <a:t>Some</a:t>
-            </a:r>
-          </a:p>
-          <a:p>
-            <a:pPr marL="514350" lvl="0" indent="-514350">
-              <a:buFont typeface="+mj-lt"/>
-              <a:buAutoNum type="arabicPeriod"/>
-            </a:pPr>
-            <a:r>
-              <a:rPr lang="en-US" dirty="0"/>
-              <a:t>Questions </a:t>
-            </a:r>
-          </a:p>
-          <a:p>
-            <a:pPr marL="514350" lvl="0" indent="-514350">
-              <a:buFont typeface="+mj-lt"/>
-              <a:buAutoNum type="arabicPeriod"/>
-            </a:pPr>
-            <a:r>
-              <a:rPr lang="en-US" dirty="0"/>
-              <a:t>Here</a:t>
-            </a:r>
-          </a:p>
-          <a:p>
-            <a:pPr marL="514350" lvl="0" indent="-514350">
-              <a:buFont typeface="+mj-lt"/>
-              <a:buAutoNum type="arabicPeriod"/>
-            </a:pPr>
-            <a:r>
-              <a:rPr lang="en-US" dirty="0"/>
-              <a:t>Please</a:t>
-            </a:r>
+              <a:rPr lang="en-US" dirty="0" smtClean="0"/>
+              <a:t>Let’s check how you did with your ROI/TCO homework.</a:t>
+            </a:r>
+            <a:endParaRPr lang="en-US" dirty="0"/>
           </a:p>
         </p:txBody>
       </p:sp>
     </p:spTree>
     <p:extLst>
       <p:ext uri="{BB962C8B-B14F-4D97-AF65-F5344CB8AC3E}">
-        <p14:creationId xmlns:p14="http://schemas.microsoft.com/office/powerpoint/2010/main" val="2215842445"/>
+        <p14:creationId xmlns:p14="http://schemas.microsoft.com/office/powerpoint/2010/main" val="3298633331"/>
       </p:ext>
     </p:extLst>
   </p:cSld>
@@ -12147,6 +12695,124 @@
 </file>
 
 <file path=ppt/slides/slide5.xml><?xml version="1.0" encoding="utf-8"?>
+<p:sld xmlns:a="http://schemas.openxmlformats.org/drawingml/2006/main" xmlns:r="http://schemas.openxmlformats.org/officeDocument/2006/relationships" xmlns:p="http://schemas.openxmlformats.org/presentationml/2006/main">
+  <p:cSld>
+    <p:bg>
+      <p:bgPr>
+        <a:solidFill>
+          <a:schemeClr val="tx2">
+            <a:lumMod val="25000"/>
+          </a:schemeClr>
+        </a:solidFill>
+        <a:effectLst/>
+      </p:bgPr>
+    </p:bg>
+    <p:spTree>
+      <p:nvGrpSpPr>
+        <p:cNvPr id="1" name=""/>
+        <p:cNvGrpSpPr/>
+        <p:nvPr/>
+      </p:nvGrpSpPr>
+      <p:grpSpPr>
+        <a:xfrm>
+          <a:off x="0" y="0"/>
+          <a:ext cx="0" cy="0"/>
+          <a:chOff x="0" y="0"/>
+          <a:chExt cx="0" cy="0"/>
+        </a:xfrm>
+      </p:grpSpPr>
+      <p:sp>
+        <p:nvSpPr>
+          <p:cNvPr id="2" name="Title 1"/>
+          <p:cNvSpPr>
+            <a:spLocks noGrp="1"/>
+          </p:cNvSpPr>
+          <p:nvPr>
+            <p:ph type="ctrTitle"/>
+          </p:nvPr>
+        </p:nvSpPr>
+        <p:spPr/>
+        <p:txBody>
+          <a:bodyPr>
+            <a:normAutofit/>
+          </a:bodyPr>
+          <a:lstStyle/>
+          <a:p>
+            <a:r>
+              <a:rPr lang="en-US" sz="7200" dirty="0" smtClean="0"/>
+              <a:t>Lab Debrief</a:t>
+            </a:r>
+            <a:endParaRPr lang="en-US" sz="7200" dirty="0"/>
+          </a:p>
+        </p:txBody>
+      </p:sp>
+      <p:sp>
+        <p:nvSpPr>
+          <p:cNvPr id="5" name="Subtitle 4"/>
+          <p:cNvSpPr>
+            <a:spLocks noGrp="1"/>
+          </p:cNvSpPr>
+          <p:nvPr>
+            <p:ph type="subTitle" idx="1"/>
+          </p:nvPr>
+        </p:nvSpPr>
+        <p:spPr/>
+        <p:txBody>
+          <a:bodyPr>
+            <a:normAutofit/>
+          </a:bodyPr>
+          <a:lstStyle/>
+          <a:p>
+            <a:r>
+              <a:rPr lang="en-US" sz="3600" dirty="0" smtClean="0"/>
+              <a:t>Lab - </a:t>
+            </a:r>
+            <a:r>
+              <a:rPr lang="en-US" sz="3600" dirty="0" smtClean="0"/>
+              <a:t>B</a:t>
+            </a:r>
+            <a:endParaRPr lang="en-US" sz="3600" dirty="0"/>
+          </a:p>
+        </p:txBody>
+      </p:sp>
+      <p:pic>
+        <p:nvPicPr>
+          <p:cNvPr id="4" name="Picture 3"/>
+          <p:cNvPicPr>
+            <a:picLocks noChangeAspect="1"/>
+          </p:cNvPicPr>
+          <p:nvPr/>
+        </p:nvPicPr>
+        <p:blipFill>
+          <a:blip r:embed="rId3"/>
+          <a:stretch>
+            <a:fillRect/>
+          </a:stretch>
+        </p:blipFill>
+        <p:spPr>
+          <a:xfrm>
+            <a:off x="5232015" y="4429919"/>
+            <a:ext cx="1727969" cy="1382375"/>
+          </a:xfrm>
+          <a:prstGeom prst="rect">
+            <a:avLst/>
+          </a:prstGeom>
+        </p:spPr>
+      </p:pic>
+    </p:spTree>
+    <p:extLst>
+      <p:ext uri="{BB962C8B-B14F-4D97-AF65-F5344CB8AC3E}">
+        <p14:creationId xmlns:p14="http://schemas.microsoft.com/office/powerpoint/2010/main" val="3065009705"/>
+      </p:ext>
+    </p:extLst>
+  </p:cSld>
+  <p:clrMapOvr>
+    <a:masterClrMapping/>
+  </p:clrMapOvr>
+</p:sld>
+</file>
+
+<file path=ppt/slides/slide6.xml><?xml version="1.0" encoding="utf-8"?>
 <p:sld xmlns:a="http://schemas.openxmlformats.org/drawingml/2006/main" xmlns:r="http://schemas.openxmlformats.org/officeDocument/2006/relationships" xmlns:p="http://schemas.openxmlformats.org/presentationml/2006/main">
   <p:cSld>
     <p:bg>
@@ -12179,7 +12845,7 @@
                 <a16:creationId xmlns:a16="http://schemas.microsoft.com/office/drawing/2014/main" id="{8D70B121-56F4-4848-B38B-182089D909FA}"/>
               </a:ext>
               <a:ext uri="{C183D7F6-B498-43B3-948B-1728B52AA6E4}">
-                <adec:decorative xmlns:adec="http://schemas.microsoft.com/office/drawing/2017/decorative" val="1"/>
+                <adec:decorative xmlns="" xmlns:adec="http://schemas.microsoft.com/office/drawing/2017/decorative" val="1"/>
               </a:ext>
             </a:extLst>
           </p:cNvPr>
@@ -12284,7 +12950,7 @@
                 <a16:creationId xmlns:a16="http://schemas.microsoft.com/office/drawing/2014/main" id="{2D72A2C9-F3CA-4216-8BAD-FA4C970C3C4E}"/>
               </a:ext>
               <a:ext uri="{C183D7F6-B498-43B3-948B-1728B52AA6E4}">
-                <adec:decorative xmlns:adec="http://schemas.microsoft.com/office/drawing/2017/decorative" val="1"/>
+                <adec:decorative xmlns="" xmlns:adec="http://schemas.microsoft.com/office/drawing/2017/decorative" val="1"/>
               </a:ext>
             </a:extLst>
           </p:cNvPr>
@@ -12386,7 +13052,7 @@
 </p:sld>
 </file>
 
-<file path=ppt/slides/slide6.xml><?xml version="1.0" encoding="utf-8"?>
+<file path=ppt/slides/slide7.xml><?xml version="1.0" encoding="utf-8"?>
 <p:sld xmlns:a="http://schemas.openxmlformats.org/drawingml/2006/main" xmlns:r="http://schemas.openxmlformats.org/officeDocument/2006/relationships" xmlns:p="http://schemas.openxmlformats.org/presentationml/2006/main">
   <p:cSld>
     <p:bg>
@@ -12464,7 +13130,7 @@
                 <a16:creationId xmlns:a16="http://schemas.microsoft.com/office/drawing/2014/main" id="{3CD9DF72-87A3-404E-A828-84CBF11A8303}"/>
               </a:ext>
               <a:ext uri="{C183D7F6-B498-43B3-948B-1728B52AA6E4}">
-                <adec:decorative xmlns:adec="http://schemas.microsoft.com/office/drawing/2017/decorative" val="1"/>
+                <adec:decorative xmlns="" xmlns:adec="http://schemas.microsoft.com/office/drawing/2017/decorative" val="1"/>
               </a:ext>
             </a:extLst>
           </p:cNvPr>
@@ -12643,7 +13309,7 @@
                 <a16:creationId xmlns:a16="http://schemas.microsoft.com/office/drawing/2014/main" id="{20E3A342-4D61-4E3F-AF90-1AB42AEB96CC}"/>
               </a:ext>
               <a:ext uri="{C183D7F6-B498-43B3-948B-1728B52AA6E4}">
-                <adec:decorative xmlns:adec="http://schemas.microsoft.com/office/drawing/2017/decorative" val="1"/>
+                <adec:decorative xmlns="" xmlns:adec="http://schemas.microsoft.com/office/drawing/2017/decorative" val="1"/>
               </a:ext>
             </a:extLst>
           </p:cNvPr>
@@ -12757,7 +13423,7 @@
 </p:sld>
 </file>
 
-<file path=ppt/slides/slide7.xml><?xml version="1.0" encoding="utf-8"?>
+<file path=ppt/slides/slide8.xml><?xml version="1.0" encoding="utf-8"?>
 <p:sld xmlns:a="http://schemas.openxmlformats.org/drawingml/2006/main" xmlns:r="http://schemas.openxmlformats.org/officeDocument/2006/relationships" xmlns:p="http://schemas.openxmlformats.org/presentationml/2006/main">
   <p:cSld>
     <p:spTree>
@@ -12849,7 +13515,7 @@
 </p:sld>
 </file>
 
-<file path=ppt/slides/slide8.xml><?xml version="1.0" encoding="utf-8"?>
+<file path=ppt/slides/slide9.xml><?xml version="1.0" encoding="utf-8"?>
 <p:sld xmlns:a="http://schemas.openxmlformats.org/drawingml/2006/main" xmlns:r="http://schemas.openxmlformats.org/officeDocument/2006/relationships" xmlns:p="http://schemas.openxmlformats.org/presentationml/2006/main">
   <p:cSld>
     <p:bg>
@@ -12891,7 +13557,7 @@
           <a:p>
             <a:fld id="{2D4C16BC-65FC-460E-B4B6-21D54248088F}" type="datetime1">
               <a:rPr lang="en-US" smtClean="0"/>
-              <a:t>8/9/2018</a:t>
+              <a:t>8/28/2018</a:t>
             </a:fld>
             <a:endParaRPr lang="en-US" dirty="0"/>
           </a:p>
@@ -12938,7 +13604,7 @@
             <a:fld id="{DF6669D1-DB19-4C99-869C-C84252016461}" type="slidenum">
               <a:rPr lang="en-US" smtClean="0"/>
               <a:pPr/>
-              <a:t>8</a:t>
+              <a:t>9</a:t>
             </a:fld>
             <a:endParaRPr lang="en-US" dirty="0"/>
           </a:p>
@@ -13233,7 +13899,7 @@
           <p:nvPr/>
         </p:nvPicPr>
         <p:blipFill>
-          <a:blip r:embed="rId8">
+          <a:blip r:embed="rId8" cstate="hqprint">
             <a:extLst>
               <a:ext uri="{28A0092B-C50C-407E-A947-70E740481C1C}">
                 <a14:useLocalDpi xmlns:a14="http://schemas.microsoft.com/office/drawing/2010/main" val="0"/>
@@ -13269,225 +13935,6 @@
     <p:extLst>
       <p:ext uri="{BB962C8B-B14F-4D97-AF65-F5344CB8AC3E}">
         <p14:creationId xmlns:p14="http://schemas.microsoft.com/office/powerpoint/2010/main" val="3161503632"/>
-      </p:ext>
-    </p:extLst>
-  </p:cSld>
-  <p:clrMapOvr>
-    <a:masterClrMapping/>
-  </p:clrMapOvr>
-</p:sld>
-</file>
-
-<file path=ppt/slides/slide9.xml><?xml version="1.0" encoding="utf-8"?>
-<p:sld xmlns:a="http://schemas.openxmlformats.org/drawingml/2006/main" xmlns:r="http://schemas.openxmlformats.org/officeDocument/2006/relationships" xmlns:p="http://schemas.openxmlformats.org/presentationml/2006/main">
-  <p:cSld>
-    <p:spTree>
-      <p:nvGrpSpPr>
-        <p:cNvPr id="1" name=""/>
-        <p:cNvGrpSpPr/>
-        <p:nvPr/>
-      </p:nvGrpSpPr>
-      <p:grpSpPr>
-        <a:xfrm>
-          <a:off x="0" y="0"/>
-          <a:ext cx="0" cy="0"/>
-          <a:chOff x="0" y="0"/>
-          <a:chExt cx="0" cy="0"/>
-        </a:xfrm>
-      </p:grpSpPr>
-      <p:sp>
-        <p:nvSpPr>
-          <p:cNvPr id="2" name="Title 1">
-            <a:extLst>
-              <a:ext uri="{FF2B5EF4-FFF2-40B4-BE49-F238E27FC236}">
-                <a16:creationId xmlns:a16="http://schemas.microsoft.com/office/drawing/2014/main" id="{1A0EB9EE-0416-4425-8454-2AAE143400B4}"/>
-              </a:ext>
-            </a:extLst>
-          </p:cNvPr>
-          <p:cNvSpPr>
-            <a:spLocks noGrp="1"/>
-          </p:cNvSpPr>
-          <p:nvPr>
-            <p:ph type="title"/>
-          </p:nvPr>
-        </p:nvSpPr>
-        <p:spPr/>
-        <p:txBody>
-          <a:bodyPr/>
-          <a:lstStyle/>
-          <a:p>
-            <a:r>
-              <a:rPr lang="en-US" dirty="0"/>
-              <a:t>Computer Storage</a:t>
-            </a:r>
-          </a:p>
-        </p:txBody>
-      </p:sp>
-      <p:sp>
-        <p:nvSpPr>
-          <p:cNvPr id="4" name="Text Placeholder 3">
-            <a:extLst>
-              <a:ext uri="{FF2B5EF4-FFF2-40B4-BE49-F238E27FC236}">
-                <a16:creationId xmlns:a16="http://schemas.microsoft.com/office/drawing/2014/main" id="{440FB171-C2A5-4EBA-AF5E-C4FBB6C77754}"/>
-              </a:ext>
-            </a:extLst>
-          </p:cNvPr>
-          <p:cNvSpPr>
-            <a:spLocks noGrp="1"/>
-          </p:cNvSpPr>
-          <p:nvPr>
-            <p:ph type="body" idx="1"/>
-          </p:nvPr>
-        </p:nvSpPr>
-        <p:spPr/>
-        <p:txBody>
-          <a:bodyPr/>
-          <a:lstStyle/>
-          <a:p>
-            <a:r>
-              <a:rPr lang="en-US" dirty="0">
-                <a:solidFill>
-                  <a:schemeClr val="accent2"/>
-                </a:solidFill>
-              </a:rPr>
-              <a:t>Primary Storage</a:t>
-            </a:r>
-          </a:p>
-        </p:txBody>
-      </p:sp>
-      <p:sp>
-        <p:nvSpPr>
-          <p:cNvPr id="3" name="Content Placeholder 2">
-            <a:extLst>
-              <a:ext uri="{FF2B5EF4-FFF2-40B4-BE49-F238E27FC236}">
-                <a16:creationId xmlns:a16="http://schemas.microsoft.com/office/drawing/2014/main" id="{28F1A100-3B22-499D-8946-DEDFD576E01D}"/>
-              </a:ext>
-            </a:extLst>
-          </p:cNvPr>
-          <p:cNvSpPr>
-            <a:spLocks noGrp="1"/>
-          </p:cNvSpPr>
-          <p:nvPr>
-            <p:ph sz="half" idx="2"/>
-          </p:nvPr>
-        </p:nvSpPr>
-        <p:spPr/>
-        <p:txBody>
-          <a:bodyPr>
-            <a:normAutofit/>
-          </a:bodyPr>
-          <a:lstStyle/>
-          <a:p>
-            <a:r>
-              <a:rPr lang="en-US" dirty="0"/>
-              <a:t>RAM – Random Access Memory</a:t>
-            </a:r>
-          </a:p>
-          <a:p>
-            <a:r>
-              <a:rPr lang="en-US" dirty="0"/>
-              <a:t>Fast, Expensive, Limited Resource on the computer</a:t>
-            </a:r>
-          </a:p>
-          <a:p>
-            <a:r>
-              <a:rPr lang="en-US" dirty="0"/>
-              <a:t>The applications and data you’re using currently are in primary storage.</a:t>
-            </a:r>
-          </a:p>
-          <a:p>
-            <a:endParaRPr lang="en-US" dirty="0"/>
-          </a:p>
-        </p:txBody>
-      </p:sp>
-      <p:sp>
-        <p:nvSpPr>
-          <p:cNvPr id="5" name="Text Placeholder 4">
-            <a:extLst>
-              <a:ext uri="{FF2B5EF4-FFF2-40B4-BE49-F238E27FC236}">
-                <a16:creationId xmlns:a16="http://schemas.microsoft.com/office/drawing/2014/main" id="{A5DD510E-5881-417F-87A5-4131DCDC077C}"/>
-              </a:ext>
-            </a:extLst>
-          </p:cNvPr>
-          <p:cNvSpPr>
-            <a:spLocks noGrp="1"/>
-          </p:cNvSpPr>
-          <p:nvPr>
-            <p:ph type="body" sz="quarter" idx="3"/>
-          </p:nvPr>
-        </p:nvSpPr>
-        <p:spPr/>
-        <p:txBody>
-          <a:bodyPr/>
-          <a:lstStyle/>
-          <a:p>
-            <a:r>
-              <a:rPr lang="en-US" dirty="0">
-                <a:solidFill>
-                  <a:schemeClr val="accent2"/>
-                </a:solidFill>
-              </a:rPr>
-              <a:t>Secondary Storage</a:t>
-            </a:r>
-          </a:p>
-        </p:txBody>
-      </p:sp>
-      <p:sp>
-        <p:nvSpPr>
-          <p:cNvPr id="6" name="Content Placeholder 5">
-            <a:extLst>
-              <a:ext uri="{FF2B5EF4-FFF2-40B4-BE49-F238E27FC236}">
-                <a16:creationId xmlns:a16="http://schemas.microsoft.com/office/drawing/2014/main" id="{4530A85C-C863-47D5-BB89-5FE612F3F318}"/>
-              </a:ext>
-            </a:extLst>
-          </p:cNvPr>
-          <p:cNvSpPr>
-            <a:spLocks noGrp="1"/>
-          </p:cNvSpPr>
-          <p:nvPr>
-            <p:ph sz="quarter" idx="4"/>
-          </p:nvPr>
-        </p:nvSpPr>
-        <p:spPr/>
-        <p:txBody>
-          <a:bodyPr>
-            <a:normAutofit/>
-          </a:bodyPr>
-          <a:lstStyle/>
-          <a:p>
-            <a:r>
-              <a:rPr lang="en-US" dirty="0"/>
-              <a:t>Hard Disk Drives  (HDD) /</a:t>
-            </a:r>
-            <a:br>
-              <a:rPr lang="en-US" dirty="0"/>
-            </a:br>
-            <a:r>
-              <a:rPr lang="en-US" dirty="0"/>
-              <a:t>Solid-State Drives (SSD)</a:t>
-            </a:r>
-          </a:p>
-          <a:p>
-            <a:r>
-              <a:rPr lang="en-US" dirty="0"/>
-              <a:t>Slower, Less Expensive, Abundant resource on the computer</a:t>
-            </a:r>
-          </a:p>
-          <a:p>
-            <a:r>
-              <a:rPr lang="en-US" dirty="0"/>
-              <a:t>Applications and data available to use are in secondary storage.</a:t>
-            </a:r>
-          </a:p>
-          <a:p>
-            <a:endParaRPr lang="en-US" dirty="0"/>
-          </a:p>
-        </p:txBody>
-      </p:sp>
-    </p:spTree>
-    <p:extLst>
-      <p:ext uri="{BB962C8B-B14F-4D97-AF65-F5344CB8AC3E}">
-        <p14:creationId xmlns:p14="http://schemas.microsoft.com/office/powerpoint/2010/main" val="1744068433"/>
       </p:ext>
     </p:extLst>
   </p:cSld>

--- a/content/04-os-command-line-interfaces.pptx
+++ b/content/04-os-command-line-interfaces.pptx
@@ -5,7 +5,7 @@
     <p:sldMasterId id="2147483696" r:id="rId1"/>
   </p:sldMasterIdLst>
   <p:notesMasterIdLst>
-    <p:notesMasterId r:id="rId27"/>
+    <p:notesMasterId r:id="rId26"/>
   </p:notesMasterIdLst>
   <p:sldIdLst>
     <p:sldId id="297" r:id="rId2"/>
@@ -30,9 +30,8 @@
     <p:sldId id="291" r:id="rId21"/>
     <p:sldId id="294" r:id="rId22"/>
     <p:sldId id="292" r:id="rId23"/>
-    <p:sldId id="295" r:id="rId24"/>
-    <p:sldId id="321" r:id="rId25"/>
-    <p:sldId id="283" r:id="rId26"/>
+    <p:sldId id="321" r:id="rId24"/>
+    <p:sldId id="283" r:id="rId25"/>
   </p:sldIdLst>
   <p:sldSz cx="12192000" cy="6858000"/>
   <p:notesSz cx="6858000" cy="9144000"/>
@@ -166,7 +165,6 @@
         <p14:section name="Wrap-Up" id="{250B09FA-E151-4F0D-B4D4-21A2DA6D2F7E}">
           <p14:sldIdLst>
             <p14:sldId id="292"/>
-            <p14:sldId id="295"/>
             <p14:sldId id="321"/>
             <p14:sldId id="283"/>
           </p14:sldIdLst>
@@ -1192,13 +1190,6 @@
         </dgm:presLayoutVars>
       </dgm:prSet>
       <dgm:spPr/>
-      <dgm:t>
-        <a:bodyPr/>
-        <a:lstStyle/>
-        <a:p>
-          <a:endParaRPr lang="en-US"/>
-        </a:p>
-      </dgm:t>
     </dgm:pt>
     <dgm:pt modelId="{527172BC-55CC-42E5-BCBD-FAA38C170B13}" type="pres">
       <dgm:prSet presAssocID="{0C6B232B-4C79-4AB4-B018-72A89D176634}" presName="parentLin" presStyleCnt="0"/>
@@ -1207,13 +1198,6 @@
     <dgm:pt modelId="{7389466E-4A65-42B9-B30E-B192B76575FF}" type="pres">
       <dgm:prSet presAssocID="{0C6B232B-4C79-4AB4-B018-72A89D176634}" presName="parentLeftMargin" presStyleLbl="node1" presStyleIdx="0" presStyleCnt="6"/>
       <dgm:spPr/>
-      <dgm:t>
-        <a:bodyPr/>
-        <a:lstStyle/>
-        <a:p>
-          <a:endParaRPr lang="en-US"/>
-        </a:p>
-      </dgm:t>
     </dgm:pt>
     <dgm:pt modelId="{45461E07-E8B7-401B-A827-699507942290}" type="pres">
       <dgm:prSet presAssocID="{0C6B232B-4C79-4AB4-B018-72A89D176634}" presName="parentText" presStyleLbl="node1" presStyleIdx="0" presStyleCnt="6">
@@ -1223,13 +1207,6 @@
         </dgm:presLayoutVars>
       </dgm:prSet>
       <dgm:spPr/>
-      <dgm:t>
-        <a:bodyPr/>
-        <a:lstStyle/>
-        <a:p>
-          <a:endParaRPr lang="en-US"/>
-        </a:p>
-      </dgm:t>
     </dgm:pt>
     <dgm:pt modelId="{EAE335A4-4F67-49D5-9516-37C413CAC5DC}" type="pres">
       <dgm:prSet presAssocID="{0C6B232B-4C79-4AB4-B018-72A89D176634}" presName="negativeSpace" presStyleCnt="0"/>
@@ -1254,13 +1231,6 @@
     <dgm:pt modelId="{0CADD586-C229-4A00-BAEC-0A0A8EC9DFBA}" type="pres">
       <dgm:prSet presAssocID="{4716A7DC-63C5-4D01-82D3-24BCC6475839}" presName="parentLeftMargin" presStyleLbl="node1" presStyleIdx="0" presStyleCnt="6"/>
       <dgm:spPr/>
-      <dgm:t>
-        <a:bodyPr/>
-        <a:lstStyle/>
-        <a:p>
-          <a:endParaRPr lang="en-US"/>
-        </a:p>
-      </dgm:t>
     </dgm:pt>
     <dgm:pt modelId="{7B503141-F9D5-4249-988A-271AA200BA4B}" type="pres">
       <dgm:prSet presAssocID="{4716A7DC-63C5-4D01-82D3-24BCC6475839}" presName="parentText" presStyleLbl="node1" presStyleIdx="1" presStyleCnt="6">
@@ -1270,13 +1240,6 @@
         </dgm:presLayoutVars>
       </dgm:prSet>
       <dgm:spPr/>
-      <dgm:t>
-        <a:bodyPr/>
-        <a:lstStyle/>
-        <a:p>
-          <a:endParaRPr lang="en-US"/>
-        </a:p>
-      </dgm:t>
     </dgm:pt>
     <dgm:pt modelId="{F02BCA59-7881-442D-B486-1E471850BBC6}" type="pres">
       <dgm:prSet presAssocID="{4716A7DC-63C5-4D01-82D3-24BCC6475839}" presName="negativeSpace" presStyleCnt="0"/>
@@ -1301,13 +1264,6 @@
     <dgm:pt modelId="{D9A6D485-D48B-4837-A436-F17DC29DB33E}" type="pres">
       <dgm:prSet presAssocID="{96357181-6160-4DE4-85B8-46F788C3E1D1}" presName="parentLeftMargin" presStyleLbl="node1" presStyleIdx="1" presStyleCnt="6"/>
       <dgm:spPr/>
-      <dgm:t>
-        <a:bodyPr/>
-        <a:lstStyle/>
-        <a:p>
-          <a:endParaRPr lang="en-US"/>
-        </a:p>
-      </dgm:t>
     </dgm:pt>
     <dgm:pt modelId="{57CE8033-88DE-40BC-AF00-D4280CC63820}" type="pres">
       <dgm:prSet presAssocID="{96357181-6160-4DE4-85B8-46F788C3E1D1}" presName="parentText" presStyleLbl="node1" presStyleIdx="2" presStyleCnt="6">
@@ -1317,13 +1273,6 @@
         </dgm:presLayoutVars>
       </dgm:prSet>
       <dgm:spPr/>
-      <dgm:t>
-        <a:bodyPr/>
-        <a:lstStyle/>
-        <a:p>
-          <a:endParaRPr lang="en-US"/>
-        </a:p>
-      </dgm:t>
     </dgm:pt>
     <dgm:pt modelId="{66E6918F-D0C1-4101-826B-29F11F21DAD4}" type="pres">
       <dgm:prSet presAssocID="{96357181-6160-4DE4-85B8-46F788C3E1D1}" presName="negativeSpace" presStyleCnt="0"/>
@@ -1336,13 +1285,6 @@
         </dgm:presLayoutVars>
       </dgm:prSet>
       <dgm:spPr/>
-      <dgm:t>
-        <a:bodyPr/>
-        <a:lstStyle/>
-        <a:p>
-          <a:endParaRPr lang="en-US"/>
-        </a:p>
-      </dgm:t>
     </dgm:pt>
     <dgm:pt modelId="{231EB0C1-8509-4BE6-AC69-792D7DDA9C3A}" type="pres">
       <dgm:prSet presAssocID="{5DFC190F-1B44-4BF4-8276-C58B3FE83358}" presName="spaceBetweenRectangles" presStyleCnt="0"/>
@@ -1355,13 +1297,6 @@
     <dgm:pt modelId="{FED3FFAD-4AF5-4BFE-B3A9-64CF542DE598}" type="pres">
       <dgm:prSet presAssocID="{35031DD2-FDD0-4DAE-9042-204020DA0247}" presName="parentLeftMargin" presStyleLbl="node1" presStyleIdx="2" presStyleCnt="6"/>
       <dgm:spPr/>
-      <dgm:t>
-        <a:bodyPr/>
-        <a:lstStyle/>
-        <a:p>
-          <a:endParaRPr lang="en-US"/>
-        </a:p>
-      </dgm:t>
     </dgm:pt>
     <dgm:pt modelId="{674888BA-5CB6-48FD-8B79-AC70CBB28859}" type="pres">
       <dgm:prSet presAssocID="{35031DD2-FDD0-4DAE-9042-204020DA0247}" presName="parentText" presStyleLbl="node1" presStyleIdx="3" presStyleCnt="6">
@@ -1371,13 +1306,6 @@
         </dgm:presLayoutVars>
       </dgm:prSet>
       <dgm:spPr/>
-      <dgm:t>
-        <a:bodyPr/>
-        <a:lstStyle/>
-        <a:p>
-          <a:endParaRPr lang="en-US"/>
-        </a:p>
-      </dgm:t>
     </dgm:pt>
     <dgm:pt modelId="{1C8FA55B-66D8-4BE8-93A9-B45C657A4478}" type="pres">
       <dgm:prSet presAssocID="{35031DD2-FDD0-4DAE-9042-204020DA0247}" presName="negativeSpace" presStyleCnt="0"/>
@@ -1402,13 +1330,6 @@
     <dgm:pt modelId="{EFB99048-2704-496B-BB36-E55037AC3ABF}" type="pres">
       <dgm:prSet presAssocID="{32D0127E-81A7-40A2-92D8-6533BB6F94D0}" presName="parentLeftMargin" presStyleLbl="node1" presStyleIdx="3" presStyleCnt="6"/>
       <dgm:spPr/>
-      <dgm:t>
-        <a:bodyPr/>
-        <a:lstStyle/>
-        <a:p>
-          <a:endParaRPr lang="en-US"/>
-        </a:p>
-      </dgm:t>
     </dgm:pt>
     <dgm:pt modelId="{E2FD6336-ED1F-4433-AB59-0CEBBD0DF1FF}" type="pres">
       <dgm:prSet presAssocID="{32D0127E-81A7-40A2-92D8-6533BB6F94D0}" presName="parentText" presStyleLbl="node1" presStyleIdx="4" presStyleCnt="6">
@@ -1418,13 +1339,6 @@
         </dgm:presLayoutVars>
       </dgm:prSet>
       <dgm:spPr/>
-      <dgm:t>
-        <a:bodyPr/>
-        <a:lstStyle/>
-        <a:p>
-          <a:endParaRPr lang="en-US"/>
-        </a:p>
-      </dgm:t>
     </dgm:pt>
     <dgm:pt modelId="{FC86FB0A-7F20-4340-B3A6-93E3D6B95CA6}" type="pres">
       <dgm:prSet presAssocID="{32D0127E-81A7-40A2-92D8-6533BB6F94D0}" presName="negativeSpace" presStyleCnt="0"/>
@@ -1449,13 +1363,6 @@
     <dgm:pt modelId="{D296FECC-D127-468B-9265-1DBA9131ACA9}" type="pres">
       <dgm:prSet presAssocID="{E909B2CD-F811-4DFE-8EDA-87C630884AC5}" presName="parentLeftMargin" presStyleLbl="node1" presStyleIdx="4" presStyleCnt="6"/>
       <dgm:spPr/>
-      <dgm:t>
-        <a:bodyPr/>
-        <a:lstStyle/>
-        <a:p>
-          <a:endParaRPr lang="en-US"/>
-        </a:p>
-      </dgm:t>
     </dgm:pt>
     <dgm:pt modelId="{765AF105-741C-4535-B652-08EEC39A39C7}" type="pres">
       <dgm:prSet presAssocID="{E909B2CD-F811-4DFE-8EDA-87C630884AC5}" presName="parentText" presStyleLbl="node1" presStyleIdx="5" presStyleCnt="6">
@@ -1465,13 +1372,6 @@
         </dgm:presLayoutVars>
       </dgm:prSet>
       <dgm:spPr/>
-      <dgm:t>
-        <a:bodyPr/>
-        <a:lstStyle/>
-        <a:p>
-          <a:endParaRPr lang="en-US"/>
-        </a:p>
-      </dgm:t>
     </dgm:pt>
     <dgm:pt modelId="{70D10793-AA09-4942-BCE1-DF7DDDE31350}" type="pres">
       <dgm:prSet presAssocID="{E909B2CD-F811-4DFE-8EDA-87C630884AC5}" presName="negativeSpace" presStyleCnt="0"/>
@@ -1487,27 +1387,27 @@
     </dgm:pt>
   </dgm:ptLst>
   <dgm:cxnLst>
-    <dgm:cxn modelId="{1E0815FA-2049-499D-A078-FBBCE59EDAA4}" type="presOf" srcId="{E909B2CD-F811-4DFE-8EDA-87C630884AC5}" destId="{D296FECC-D127-468B-9265-1DBA9131ACA9}" srcOrd="0" destOrd="0" presId="urn:microsoft.com/office/officeart/2005/8/layout/list1"/>
-    <dgm:cxn modelId="{968B6CE8-B10A-4F3D-9712-01767B20607A}" type="presOf" srcId="{35031DD2-FDD0-4DAE-9042-204020DA0247}" destId="{FED3FFAD-4AF5-4BFE-B3A9-64CF542DE598}" srcOrd="0" destOrd="0" presId="urn:microsoft.com/office/officeart/2005/8/layout/list1"/>
-    <dgm:cxn modelId="{01F5926C-B638-41EE-AD25-92469568E7E2}" srcId="{122BC740-6901-4DA0-B21B-63BA97CDAB0E}" destId="{35031DD2-FDD0-4DAE-9042-204020DA0247}" srcOrd="3" destOrd="0" parTransId="{B7486A14-1398-4715-B0AC-7F5BD4642AF8}" sibTransId="{825D9934-C43F-4709-92A4-3D29E780E744}"/>
-    <dgm:cxn modelId="{4B60ACC1-6853-4D85-8C68-F5260C910642}" type="presOf" srcId="{122BC740-6901-4DA0-B21B-63BA97CDAB0E}" destId="{876311F8-FE09-4D88-B753-50377512E4E7}" srcOrd="0" destOrd="0" presId="urn:microsoft.com/office/officeart/2005/8/layout/list1"/>
-    <dgm:cxn modelId="{D1066096-866A-4005-A38C-0FD047592872}" type="presOf" srcId="{0C6B232B-4C79-4AB4-B018-72A89D176634}" destId="{45461E07-E8B7-401B-A827-699507942290}" srcOrd="1" destOrd="0" presId="urn:microsoft.com/office/officeart/2005/8/layout/list1"/>
     <dgm:cxn modelId="{194B741D-0B50-4547-93E4-C93300B505CE}" srcId="{96357181-6160-4DE4-85B8-46F788C3E1D1}" destId="{B67A090B-0813-4D55-B00B-EFA458E78608}" srcOrd="0" destOrd="0" parTransId="{F51A0CBA-FECA-4946-99D5-459A48342B25}" sibTransId="{1C8D7C04-CEF3-4201-8120-E34257CBF1F2}"/>
     <dgm:cxn modelId="{21FDF31F-1C00-44AE-AF19-8180CF6195CF}" srcId="{122BC740-6901-4DA0-B21B-63BA97CDAB0E}" destId="{96357181-6160-4DE4-85B8-46F788C3E1D1}" srcOrd="2" destOrd="0" parTransId="{A862ED1B-0A4B-46EF-A0F2-FDDAB5259051}" sibTransId="{5DFC190F-1B44-4BF4-8276-C58B3FE83358}"/>
+    <dgm:cxn modelId="{9C8AA824-C9FC-49E2-B664-EEE178A79BE3}" srcId="{122BC740-6901-4DA0-B21B-63BA97CDAB0E}" destId="{0C6B232B-4C79-4AB4-B018-72A89D176634}" srcOrd="0" destOrd="0" parTransId="{7F44EB70-EC4C-417E-B48D-3F98DAD5D581}" sibTransId="{9D53FF5B-228E-4F3F-8F36-93DB4794F0BF}"/>
+    <dgm:cxn modelId="{B5FCAE29-0BFB-467E-BD9B-01DC3413EE0A}" type="presOf" srcId="{4716A7DC-63C5-4D01-82D3-24BCC6475839}" destId="{0CADD586-C229-4A00-BAEC-0A0A8EC9DFBA}" srcOrd="0" destOrd="0" presId="urn:microsoft.com/office/officeart/2005/8/layout/list1"/>
+    <dgm:cxn modelId="{5A437D42-70EC-42DF-B51D-DB23FA9C7640}" type="presOf" srcId="{4716A7DC-63C5-4D01-82D3-24BCC6475839}" destId="{7B503141-F9D5-4249-988A-271AA200BA4B}" srcOrd="1" destOrd="0" presId="urn:microsoft.com/office/officeart/2005/8/layout/list1"/>
+    <dgm:cxn modelId="{9BD6B16A-04C5-4A4A-AF44-6DBEB0373D61}" type="presOf" srcId="{32D0127E-81A7-40A2-92D8-6533BB6F94D0}" destId="{EFB99048-2704-496B-BB36-E55037AC3ABF}" srcOrd="0" destOrd="0" presId="urn:microsoft.com/office/officeart/2005/8/layout/list1"/>
+    <dgm:cxn modelId="{01F5926C-B638-41EE-AD25-92469568E7E2}" srcId="{122BC740-6901-4DA0-B21B-63BA97CDAB0E}" destId="{35031DD2-FDD0-4DAE-9042-204020DA0247}" srcOrd="3" destOrd="0" parTransId="{B7486A14-1398-4715-B0AC-7F5BD4642AF8}" sibTransId="{825D9934-C43F-4709-92A4-3D29E780E744}"/>
+    <dgm:cxn modelId="{9D0C6081-2202-408B-A6DD-4591BEB43983}" type="presOf" srcId="{35031DD2-FDD0-4DAE-9042-204020DA0247}" destId="{674888BA-5CB6-48FD-8B79-AC70CBB28859}" srcOrd="1" destOrd="0" presId="urn:microsoft.com/office/officeart/2005/8/layout/list1"/>
+    <dgm:cxn modelId="{16540588-3A07-45AB-8C44-CC27CBC5F874}" srcId="{122BC740-6901-4DA0-B21B-63BA97CDAB0E}" destId="{4716A7DC-63C5-4D01-82D3-24BCC6475839}" srcOrd="1" destOrd="0" parTransId="{C152E22F-175F-40AA-9254-071539B44B36}" sibTransId="{E93109A8-CB12-4A31-8A1A-5CDE475D9CFB}"/>
+    <dgm:cxn modelId="{C1484788-609D-4744-B0ED-0A07E1E69AA1}" type="presOf" srcId="{96357181-6160-4DE4-85B8-46F788C3E1D1}" destId="{57CE8033-88DE-40BC-AF00-D4280CC63820}" srcOrd="1" destOrd="0" presId="urn:microsoft.com/office/officeart/2005/8/layout/list1"/>
+    <dgm:cxn modelId="{69C2A88F-D294-4E5B-9EF4-8863200CD655}" srcId="{122BC740-6901-4DA0-B21B-63BA97CDAB0E}" destId="{32D0127E-81A7-40A2-92D8-6533BB6F94D0}" srcOrd="4" destOrd="0" parTransId="{58C4D87A-DB7E-4D61-A9FE-B1A78C1B727A}" sibTransId="{08315DC0-E551-4AB8-B2AF-8BAE5E0F2A91}"/>
     <dgm:cxn modelId="{B34D1A92-DB34-4699-BAA6-3D2348C70207}" type="presOf" srcId="{E909B2CD-F811-4DFE-8EDA-87C630884AC5}" destId="{765AF105-741C-4535-B652-08EEC39A39C7}" srcOrd="1" destOrd="0" presId="urn:microsoft.com/office/officeart/2005/8/layout/list1"/>
-    <dgm:cxn modelId="{9BD6B16A-04C5-4A4A-AF44-6DBEB0373D61}" type="presOf" srcId="{32D0127E-81A7-40A2-92D8-6533BB6F94D0}" destId="{EFB99048-2704-496B-BB36-E55037AC3ABF}" srcOrd="0" destOrd="0" presId="urn:microsoft.com/office/officeart/2005/8/layout/list1"/>
-    <dgm:cxn modelId="{B5FCAE29-0BFB-467E-BD9B-01DC3413EE0A}" type="presOf" srcId="{4716A7DC-63C5-4D01-82D3-24BCC6475839}" destId="{0CADD586-C229-4A00-BAEC-0A0A8EC9DFBA}" srcOrd="0" destOrd="0" presId="urn:microsoft.com/office/officeart/2005/8/layout/list1"/>
-    <dgm:cxn modelId="{16540588-3A07-45AB-8C44-CC27CBC5F874}" srcId="{122BC740-6901-4DA0-B21B-63BA97CDAB0E}" destId="{4716A7DC-63C5-4D01-82D3-24BCC6475839}" srcOrd="1" destOrd="0" parTransId="{C152E22F-175F-40AA-9254-071539B44B36}" sibTransId="{E93109A8-CB12-4A31-8A1A-5CDE475D9CFB}"/>
-    <dgm:cxn modelId="{DCE3B5FC-532E-4E6E-85E8-38B21CB285D2}" type="presOf" srcId="{32D0127E-81A7-40A2-92D8-6533BB6F94D0}" destId="{E2FD6336-ED1F-4433-AB59-0CEBBD0DF1FF}" srcOrd="1" destOrd="0" presId="urn:microsoft.com/office/officeart/2005/8/layout/list1"/>
-    <dgm:cxn modelId="{9C8AA824-C9FC-49E2-B664-EEE178A79BE3}" srcId="{122BC740-6901-4DA0-B21B-63BA97CDAB0E}" destId="{0C6B232B-4C79-4AB4-B018-72A89D176634}" srcOrd="0" destOrd="0" parTransId="{7F44EB70-EC4C-417E-B48D-3F98DAD5D581}" sibTransId="{9D53FF5B-228E-4F3F-8F36-93DB4794F0BF}"/>
-    <dgm:cxn modelId="{51704BE4-E7D4-412D-9E8D-D7CD4AACCEED}" type="presOf" srcId="{0C6B232B-4C79-4AB4-B018-72A89D176634}" destId="{7389466E-4A65-42B9-B30E-B192B76575FF}" srcOrd="0" destOrd="0" presId="urn:microsoft.com/office/officeart/2005/8/layout/list1"/>
-    <dgm:cxn modelId="{C1484788-609D-4744-B0ED-0A07E1E69AA1}" type="presOf" srcId="{96357181-6160-4DE4-85B8-46F788C3E1D1}" destId="{57CE8033-88DE-40BC-AF00-D4280CC63820}" srcOrd="1" destOrd="0" presId="urn:microsoft.com/office/officeart/2005/8/layout/list1"/>
-    <dgm:cxn modelId="{B1C32CDF-5C3E-4154-832A-907F32B0A8DD}" type="presOf" srcId="{96357181-6160-4DE4-85B8-46F788C3E1D1}" destId="{D9A6D485-D48B-4837-A436-F17DC29DB33E}" srcOrd="0" destOrd="0" presId="urn:microsoft.com/office/officeart/2005/8/layout/list1"/>
-    <dgm:cxn modelId="{9D0C6081-2202-408B-A6DD-4591BEB43983}" type="presOf" srcId="{35031DD2-FDD0-4DAE-9042-204020DA0247}" destId="{674888BA-5CB6-48FD-8B79-AC70CBB28859}" srcOrd="1" destOrd="0" presId="urn:microsoft.com/office/officeart/2005/8/layout/list1"/>
-    <dgm:cxn modelId="{69C2A88F-D294-4E5B-9EF4-8863200CD655}" srcId="{122BC740-6901-4DA0-B21B-63BA97CDAB0E}" destId="{32D0127E-81A7-40A2-92D8-6533BB6F94D0}" srcOrd="4" destOrd="0" parTransId="{58C4D87A-DB7E-4D61-A9FE-B1A78C1B727A}" sibTransId="{08315DC0-E551-4AB8-B2AF-8BAE5E0F2A91}"/>
+    <dgm:cxn modelId="{D1066096-866A-4005-A38C-0FD047592872}" type="presOf" srcId="{0C6B232B-4C79-4AB4-B018-72A89D176634}" destId="{45461E07-E8B7-401B-A827-699507942290}" srcOrd="1" destOrd="0" presId="urn:microsoft.com/office/officeart/2005/8/layout/list1"/>
+    <dgm:cxn modelId="{4B60ACC1-6853-4D85-8C68-F5260C910642}" type="presOf" srcId="{122BC740-6901-4DA0-B21B-63BA97CDAB0E}" destId="{876311F8-FE09-4D88-B753-50377512E4E7}" srcOrd="0" destOrd="0" presId="urn:microsoft.com/office/officeart/2005/8/layout/list1"/>
     <dgm:cxn modelId="{5BE391D5-C2FB-4295-89D7-69446DC9074F}" srcId="{122BC740-6901-4DA0-B21B-63BA97CDAB0E}" destId="{E909B2CD-F811-4DFE-8EDA-87C630884AC5}" srcOrd="5" destOrd="0" parTransId="{F17DE27E-5B2C-4C4C-8290-830C0D34C492}" sibTransId="{09A87860-FA3D-49CF-86A0-64557A2B2EB0}"/>
     <dgm:cxn modelId="{1865AFD6-4FE8-4C56-B672-EB61B2817C38}" type="presOf" srcId="{B67A090B-0813-4D55-B00B-EFA458E78608}" destId="{8E707D3D-5548-4900-9915-EB71C548B3DE}" srcOrd="0" destOrd="0" presId="urn:microsoft.com/office/officeart/2005/8/layout/list1"/>
-    <dgm:cxn modelId="{5A437D42-70EC-42DF-B51D-DB23FA9C7640}" type="presOf" srcId="{4716A7DC-63C5-4D01-82D3-24BCC6475839}" destId="{7B503141-F9D5-4249-988A-271AA200BA4B}" srcOrd="1" destOrd="0" presId="urn:microsoft.com/office/officeart/2005/8/layout/list1"/>
+    <dgm:cxn modelId="{B1C32CDF-5C3E-4154-832A-907F32B0A8DD}" type="presOf" srcId="{96357181-6160-4DE4-85B8-46F788C3E1D1}" destId="{D9A6D485-D48B-4837-A436-F17DC29DB33E}" srcOrd="0" destOrd="0" presId="urn:microsoft.com/office/officeart/2005/8/layout/list1"/>
+    <dgm:cxn modelId="{51704BE4-E7D4-412D-9E8D-D7CD4AACCEED}" type="presOf" srcId="{0C6B232B-4C79-4AB4-B018-72A89D176634}" destId="{7389466E-4A65-42B9-B30E-B192B76575FF}" srcOrd="0" destOrd="0" presId="urn:microsoft.com/office/officeart/2005/8/layout/list1"/>
+    <dgm:cxn modelId="{968B6CE8-B10A-4F3D-9712-01767B20607A}" type="presOf" srcId="{35031DD2-FDD0-4DAE-9042-204020DA0247}" destId="{FED3FFAD-4AF5-4BFE-B3A9-64CF542DE598}" srcOrd="0" destOrd="0" presId="urn:microsoft.com/office/officeart/2005/8/layout/list1"/>
+    <dgm:cxn modelId="{1E0815FA-2049-499D-A078-FBBCE59EDAA4}" type="presOf" srcId="{E909B2CD-F811-4DFE-8EDA-87C630884AC5}" destId="{D296FECC-D127-468B-9265-1DBA9131ACA9}" srcOrd="0" destOrd="0" presId="urn:microsoft.com/office/officeart/2005/8/layout/list1"/>
+    <dgm:cxn modelId="{DCE3B5FC-532E-4E6E-85E8-38B21CB285D2}" type="presOf" srcId="{32D0127E-81A7-40A2-92D8-6533BB6F94D0}" destId="{E2FD6336-ED1F-4433-AB59-0CEBBD0DF1FF}" srcOrd="1" destOrd="0" presId="urn:microsoft.com/office/officeart/2005/8/layout/list1"/>
     <dgm:cxn modelId="{53E9AE37-09EB-47C5-B74C-4B11DE4A447E}" type="presParOf" srcId="{876311F8-FE09-4D88-B753-50377512E4E7}" destId="{527172BC-55CC-42E5-BCBD-FAA38C170B13}" srcOrd="0" destOrd="0" presId="urn:microsoft.com/office/officeart/2005/8/layout/list1"/>
     <dgm:cxn modelId="{B5972625-2402-4336-B4CB-974778D99E30}" type="presParOf" srcId="{527172BC-55CC-42E5-BCBD-FAA38C170B13}" destId="{7389466E-4A65-42B9-B30E-B192B76575FF}" srcOrd="0" destOrd="0" presId="urn:microsoft.com/office/officeart/2005/8/layout/list1"/>
     <dgm:cxn modelId="{1BB5A7B5-9D20-42F1-B596-D6C560E5C511}" type="presParOf" srcId="{527172BC-55CC-42E5-BCBD-FAA38C170B13}" destId="{45461E07-E8B7-401B-A827-699507942290}" srcOrd="1" destOrd="0" presId="urn:microsoft.com/office/officeart/2005/8/layout/list1"/>
@@ -1666,7 +1566,7 @@
         </a:bodyPr>
         <a:lstStyle/>
         <a:p>
-          <a:pPr lvl="0" algn="l" defTabSz="844550">
+          <a:pPr marL="0" lvl="0" indent="0" algn="l" defTabSz="844550">
             <a:lnSpc>
               <a:spcPct val="90000"/>
             </a:lnSpc>
@@ -1676,6 +1576,7 @@
             <a:spcAft>
               <a:spcPct val="35000"/>
             </a:spcAft>
+            <a:buNone/>
           </a:pPr>
           <a:r>
             <a:rPr lang="en-US" sz="1900" kern="1200"/>
@@ -1792,7 +1693,7 @@
         </a:bodyPr>
         <a:lstStyle/>
         <a:p>
-          <a:pPr lvl="0" algn="l" defTabSz="844550">
+          <a:pPr marL="0" lvl="0" indent="0" algn="l" defTabSz="844550">
             <a:lnSpc>
               <a:spcPct val="90000"/>
             </a:lnSpc>
@@ -1802,6 +1703,7 @@
             <a:spcAft>
               <a:spcPct val="35000"/>
             </a:spcAft>
+            <a:buNone/>
           </a:pPr>
           <a:r>
             <a:rPr lang="en-US" sz="1900" kern="1200"/>
@@ -1878,7 +1780,7 @@
             <a:spcAft>
               <a:spcPct val="15000"/>
             </a:spcAft>
-            <a:buChar char="••"/>
+            <a:buChar char="•"/>
           </a:pPr>
           <a:r>
             <a:rPr lang="en-US" sz="1900" kern="1200"/>
@@ -1946,7 +1848,7 @@
         </a:bodyPr>
         <a:lstStyle/>
         <a:p>
-          <a:pPr lvl="0" algn="l" defTabSz="844550">
+          <a:pPr marL="0" lvl="0" indent="0" algn="l" defTabSz="844550">
             <a:lnSpc>
               <a:spcPct val="90000"/>
             </a:lnSpc>
@@ -1956,6 +1858,7 @@
             <a:spcAft>
               <a:spcPct val="35000"/>
             </a:spcAft>
+            <a:buNone/>
           </a:pPr>
           <a:r>
             <a:rPr lang="en-US" sz="1900" kern="1200"/>
@@ -2072,7 +1975,7 @@
         </a:bodyPr>
         <a:lstStyle/>
         <a:p>
-          <a:pPr lvl="0" algn="l" defTabSz="844550">
+          <a:pPr marL="0" lvl="0" indent="0" algn="l" defTabSz="844550">
             <a:lnSpc>
               <a:spcPct val="90000"/>
             </a:lnSpc>
@@ -2082,6 +1985,7 @@
             <a:spcAft>
               <a:spcPct val="35000"/>
             </a:spcAft>
+            <a:buNone/>
           </a:pPr>
           <a:r>
             <a:rPr lang="en-US" sz="1900" kern="1200"/>
@@ -2198,7 +2102,7 @@
         </a:bodyPr>
         <a:lstStyle/>
         <a:p>
-          <a:pPr lvl="0" algn="l" defTabSz="844550">
+          <a:pPr marL="0" lvl="0" indent="0" algn="l" defTabSz="844550">
             <a:lnSpc>
               <a:spcPct val="90000"/>
             </a:lnSpc>
@@ -2208,6 +2112,7 @@
             <a:spcAft>
               <a:spcPct val="35000"/>
             </a:spcAft>
+            <a:buNone/>
           </a:pPr>
           <a:r>
             <a:rPr lang="en-US" sz="1900" kern="1200" dirty="0"/>
@@ -2324,7 +2229,7 @@
         </a:bodyPr>
         <a:lstStyle/>
         <a:p>
-          <a:pPr lvl="0" algn="l" defTabSz="844550">
+          <a:pPr marL="0" lvl="0" indent="0" algn="l" defTabSz="844550">
             <a:lnSpc>
               <a:spcPct val="90000"/>
             </a:lnSpc>
@@ -2334,6 +2239,7 @@
             <a:spcAft>
               <a:spcPct val="35000"/>
             </a:spcAft>
+            <a:buNone/>
           </a:pPr>
           <a:r>
             <a:rPr lang="en-US" sz="1900" kern="1200" dirty="0" err="1"/>
@@ -3695,7 +3601,7 @@
           <a:p>
             <a:fld id="{7BCB8214-0E7E-4EFC-9E1C-25F6159D4170}" type="datetimeFigureOut">
               <a:rPr lang="en-US" smtClean="0"/>
-              <a:t>8/28/2018</a:t>
+              <a:t>9/11/2018</a:t>
             </a:fld>
             <a:endParaRPr lang="en-US"/>
           </a:p>
@@ -4008,18 +3914,14 @@
           <a:p>
             <a:r>
               <a:rPr lang="en-US" dirty="0"/>
-              <a:t>Give students 1-2 minutes for each question. Its important to provide them  with the opportunity to answer the questions based on the reading, labs, and assigned homework</a:t>
-            </a:r>
-            <a:r>
-              <a:rPr lang="en-US" dirty="0" smtClean="0"/>
-              <a:t>.</a:t>
-            </a:r>
-          </a:p>
-          <a:p>
-            <a:endParaRPr lang="en-US" dirty="0" smtClean="0"/>
-          </a:p>
-          <a:p>
-            <a:endParaRPr lang="en-US" dirty="0" smtClean="0"/>
+              <a:t>Give students 1-2 minutes for each question. Its important to provide them  with the opportunity to answer the questions based on the reading, labs, and assigned homework.</a:t>
+            </a:r>
+          </a:p>
+          <a:p>
+            <a:endParaRPr lang="en-US" dirty="0"/>
+          </a:p>
+          <a:p>
+            <a:endParaRPr lang="en-US" dirty="0"/>
           </a:p>
           <a:p>
             <a:endParaRPr lang="en-US" dirty="0"/>
@@ -4382,14 +4284,14 @@
               <a:defRPr/>
             </a:pPr>
             <a:r>
-              <a:rPr lang="en-US" dirty="0" smtClean="0"/>
+              <a:rPr lang="en-US" dirty="0"/>
               <a:t>Go over the lab questions. With the students. Ask</a:t>
             </a:r>
             <a:r>
-              <a:rPr lang="en-US" baseline="0" dirty="0" smtClean="0"/>
+              <a:rPr lang="en-US" baseline="0" dirty="0"/>
               <a:t> them to take out their answers to the lab questions. And their questions about the lab itself.</a:t>
             </a:r>
-            <a:endParaRPr lang="en-US" dirty="0" smtClean="0"/>
+            <a:endParaRPr lang="en-US" dirty="0"/>
           </a:p>
           <a:p>
             <a:endParaRPr lang="en-US" dirty="0"/>
@@ -5326,7 +5228,7 @@
           <a:p>
             <a:fld id="{C8AC65AB-5746-43EA-A59E-648FB11CA309}" type="datetimeFigureOut">
               <a:rPr lang="en-US" smtClean="0"/>
-              <a:t>8/28/2018</a:t>
+              <a:t>9/11/2018</a:t>
             </a:fld>
             <a:endParaRPr lang="en-US"/>
           </a:p>
@@ -5496,7 +5398,7 @@
           <a:p>
             <a:fld id="{C8AC65AB-5746-43EA-A59E-648FB11CA309}" type="datetimeFigureOut">
               <a:rPr lang="en-US" smtClean="0"/>
-              <a:t>8/28/2018</a:t>
+              <a:t>9/11/2018</a:t>
             </a:fld>
             <a:endParaRPr lang="en-US"/>
           </a:p>
@@ -5676,7 +5578,7 @@
           <a:p>
             <a:fld id="{C8AC65AB-5746-43EA-A59E-648FB11CA309}" type="datetimeFigureOut">
               <a:rPr lang="en-US" smtClean="0"/>
-              <a:t>8/28/2018</a:t>
+              <a:t>9/11/2018</a:t>
             </a:fld>
             <a:endParaRPr lang="en-US"/>
           </a:p>
@@ -5868,7 +5770,7 @@
           <a:p>
             <a:fld id="{C8AC65AB-5746-43EA-A59E-648FB11CA309}" type="datetimeFigureOut">
               <a:rPr lang="en-US" smtClean="0"/>
-              <a:t>8/28/2018</a:t>
+              <a:t>9/11/2018</a:t>
             </a:fld>
             <a:endParaRPr lang="en-US"/>
           </a:p>
@@ -6113,7 +6015,7 @@
           <a:p>
             <a:fld id="{C8AC65AB-5746-43EA-A59E-648FB11CA309}" type="datetimeFigureOut">
               <a:rPr lang="en-US" smtClean="0"/>
-              <a:t>8/28/2018</a:t>
+              <a:t>9/11/2018</a:t>
             </a:fld>
             <a:endParaRPr lang="en-US"/>
           </a:p>
@@ -6350,7 +6252,7 @@
           <a:p>
             <a:fld id="{C8AC65AB-5746-43EA-A59E-648FB11CA309}" type="datetimeFigureOut">
               <a:rPr lang="en-US" smtClean="0"/>
-              <a:t>8/28/2018</a:t>
+              <a:t>9/11/2018</a:t>
             </a:fld>
             <a:endParaRPr lang="en-US"/>
           </a:p>
@@ -6726,7 +6628,7 @@
           <a:p>
             <a:fld id="{C8AC65AB-5746-43EA-A59E-648FB11CA309}" type="datetimeFigureOut">
               <a:rPr lang="en-US" smtClean="0"/>
-              <a:t>8/28/2018</a:t>
+              <a:t>9/11/2018</a:t>
             </a:fld>
             <a:endParaRPr lang="en-US"/>
           </a:p>
@@ -6849,7 +6751,7 @@
           <a:p>
             <a:fld id="{C8AC65AB-5746-43EA-A59E-648FB11CA309}" type="datetimeFigureOut">
               <a:rPr lang="en-US" smtClean="0"/>
-              <a:t>8/28/2018</a:t>
+              <a:t>9/11/2018</a:t>
             </a:fld>
             <a:endParaRPr lang="en-US"/>
           </a:p>
@@ -6944,7 +6846,7 @@
           <a:p>
             <a:fld id="{C8AC65AB-5746-43EA-A59E-648FB11CA309}" type="datetimeFigureOut">
               <a:rPr lang="en-US" smtClean="0"/>
-              <a:t>8/28/2018</a:t>
+              <a:t>9/11/2018</a:t>
             </a:fld>
             <a:endParaRPr lang="en-US"/>
           </a:p>
@@ -7221,7 +7123,7 @@
           <a:p>
             <a:fld id="{C8AC65AB-5746-43EA-A59E-648FB11CA309}" type="datetimeFigureOut">
               <a:rPr lang="en-US" smtClean="0"/>
-              <a:t>8/28/2018</a:t>
+              <a:t>9/11/2018</a:t>
             </a:fld>
             <a:endParaRPr lang="en-US"/>
           </a:p>
@@ -7478,7 +7380,7 @@
           <a:p>
             <a:fld id="{C8AC65AB-5746-43EA-A59E-648FB11CA309}" type="datetimeFigureOut">
               <a:rPr lang="en-US" smtClean="0"/>
-              <a:t>8/28/2018</a:t>
+              <a:t>9/11/2018</a:t>
             </a:fld>
             <a:endParaRPr lang="en-US"/>
           </a:p>
@@ -7691,7 +7593,7 @@
           <a:p>
             <a:fld id="{C8AC65AB-5746-43EA-A59E-648FB11CA309}" type="datetimeFigureOut">
               <a:rPr lang="en-US" smtClean="0"/>
-              <a:t>8/28/2018</a:t>
+              <a:t>9/11/2018</a:t>
             </a:fld>
             <a:endParaRPr lang="en-US"/>
           </a:p>
@@ -8112,7 +8014,7 @@
                 <a16:creationId xmlns:a16="http://schemas.microsoft.com/office/drawing/2014/main" id="{6753252F-4873-4F63-801D-CC719279A7D5}"/>
               </a:ext>
               <a:ext uri="{C183D7F6-B498-43B3-948B-1728B52AA6E4}">
-                <adec:decorative xmlns="" xmlns:adec="http://schemas.microsoft.com/office/drawing/2017/decorative" val="1"/>
+                <adec:decorative xmlns:adec="http://schemas.microsoft.com/office/drawing/2017/decorative" val="1"/>
               </a:ext>
             </a:extLst>
           </p:cNvPr>
@@ -8204,7 +8106,7 @@
                 <a16:creationId xmlns:a16="http://schemas.microsoft.com/office/drawing/2014/main" id="{047C8CCB-F95D-4249-92DD-651249D3535A}"/>
               </a:ext>
               <a:ext uri="{C183D7F6-B498-43B3-948B-1728B52AA6E4}">
-                <adec:decorative xmlns="" xmlns:adec="http://schemas.microsoft.com/office/drawing/2017/decorative" val="1"/>
+                <adec:decorative xmlns:adec="http://schemas.microsoft.com/office/drawing/2017/decorative" val="1"/>
               </a:ext>
             </a:extLst>
           </p:cNvPr>
@@ -8339,14 +8241,6 @@
               </a:rPr>
               <a:t>IST346: </a:t>
             </a:r>
-            <a:r>
-              <a:rPr lang="en-US" sz="2600" dirty="0">
-                <a:solidFill>
-                  <a:srgbClr val="FFFFFF"/>
-                </a:solidFill>
-              </a:rPr>
-              <a:t/>
-            </a:r>
             <a:br>
               <a:rPr lang="en-US" sz="2600" dirty="0">
                 <a:solidFill>
@@ -8361,14 +8255,6 @@
                 </a:solidFill>
               </a:rPr>
               <a:t>Operating Systems / Command Line</a:t>
-            </a:r>
-            <a:r>
-              <a:rPr lang="en-US" sz="2600">
-                <a:solidFill>
-                  <a:srgbClr val="FFFFFF"/>
-                </a:solidFill>
-              </a:rPr>
-              <a:t/>
             </a:r>
             <a:br>
               <a:rPr lang="en-US" sz="2600">
@@ -8713,7 +8599,7 @@
                 <a14:useLocalDpi xmlns:a14="http://schemas.microsoft.com/office/drawing/2010/main" val="0"/>
               </a:ext>
               <a:ext uri="{96DAC541-7B7A-43D3-8B79-37D633B846F1}">
-                <asvg:svgBlip xmlns="" xmlns:asvg="http://schemas.microsoft.com/office/drawing/2016/SVG/main" r:embed="rId4"/>
+                <asvg:svgBlip xmlns:asvg="http://schemas.microsoft.com/office/drawing/2016/SVG/main" r:embed="rId4"/>
               </a:ext>
             </a:extLst>
           </a:blip>
@@ -9093,7 +8979,7 @@
                 <a16:creationId xmlns:a16="http://schemas.microsoft.com/office/drawing/2014/main" id="{08E89D5E-1885-4160-AC77-CC471DD1D0DB}"/>
               </a:ext>
               <a:ext uri="{C183D7F6-B498-43B3-948B-1728B52AA6E4}">
-                <adec:decorative xmlns="" xmlns:adec="http://schemas.microsoft.com/office/drawing/2017/decorative" val="1"/>
+                <adec:decorative xmlns:adec="http://schemas.microsoft.com/office/drawing/2017/decorative" val="1"/>
               </a:ext>
             </a:extLst>
           </p:cNvPr>
@@ -9192,7 +9078,7 @@
                 <a16:creationId xmlns:a16="http://schemas.microsoft.com/office/drawing/2014/main" id="{550D2BD1-98F9-412D-905B-3A843EF4078B}"/>
               </a:ext>
               <a:ext uri="{C183D7F6-B498-43B3-948B-1728B52AA6E4}">
-                <adec:decorative xmlns="" xmlns:adec="http://schemas.microsoft.com/office/drawing/2017/decorative" val="1"/>
+                <adec:decorative xmlns:adec="http://schemas.microsoft.com/office/drawing/2017/decorative" val="1"/>
               </a:ext>
             </a:extLst>
           </p:cNvPr>
@@ -9524,7 +9410,7 @@
                 <a14:useLocalDpi xmlns:a14="http://schemas.microsoft.com/office/drawing/2010/main" val="0"/>
               </a:ext>
               <a:ext uri="{96DAC541-7B7A-43D3-8B79-37D633B846F1}">
-                <asvg:svgBlip xmlns="" xmlns:asvg="http://schemas.microsoft.com/office/drawing/2016/SVG/main" r:embed="rId4"/>
+                <asvg:svgBlip xmlns:asvg="http://schemas.microsoft.com/office/drawing/2016/SVG/main" r:embed="rId4"/>
               </a:ext>
             </a:extLst>
           </a:blip>
@@ -9550,7 +9436,7 @@
                 <a16:creationId xmlns:a16="http://schemas.microsoft.com/office/drawing/2014/main" id="{C6B4BC7B-6554-49E1-85BC-638C0D148CBD}"/>
               </a:ext>
               <a:ext uri="{C183D7F6-B498-43B3-948B-1728B52AA6E4}">
-                <adec:decorative xmlns="" xmlns:adec="http://schemas.microsoft.com/office/drawing/2017/decorative" val="1"/>
+                <adec:decorative xmlns:adec="http://schemas.microsoft.com/office/drawing/2017/decorative" val="1"/>
               </a:ext>
             </a:extLst>
           </p:cNvPr>
@@ -9573,7 +9459,7 @@
                 <a14:useLocalDpi xmlns:a14="http://schemas.microsoft.com/office/drawing/2010/main" val="0"/>
               </a:ext>
               <a:ext uri="{96DAC541-7B7A-43D3-8B79-37D633B846F1}">
-                <asvg:svgBlip xmlns="" xmlns:asvg="http://schemas.microsoft.com/office/drawing/2016/SVG/main" r:embed="rId4"/>
+                <asvg:svgBlip xmlns:asvg="http://schemas.microsoft.com/office/drawing/2016/SVG/main" r:embed="rId4"/>
               </a:ext>
             </a:extLst>
           </a:blip>
@@ -9642,7 +9528,7 @@
                 <a14:useLocalDpi xmlns:a14="http://schemas.microsoft.com/office/drawing/2010/main" val="0"/>
               </a:ext>
               <a:ext uri="{96DAC541-7B7A-43D3-8B79-37D633B846F1}">
-                <asvg:svgBlip xmlns="" xmlns:asvg="http://schemas.microsoft.com/office/drawing/2016/SVG/main" r:embed="rId4"/>
+                <asvg:svgBlip xmlns:asvg="http://schemas.microsoft.com/office/drawing/2016/SVG/main" r:embed="rId4"/>
               </a:ext>
             </a:extLst>
           </a:blip>
@@ -10075,7 +9961,7 @@
                 <a14:useLocalDpi xmlns:a14="http://schemas.microsoft.com/office/drawing/2010/main" val="0"/>
               </a:ext>
               <a:ext uri="{96DAC541-7B7A-43D3-8B79-37D633B846F1}">
-                <asvg:svgBlip xmlns="" xmlns:asvg="http://schemas.microsoft.com/office/drawing/2016/SVG/main" r:embed="rId3"/>
+                <asvg:svgBlip xmlns:asvg="http://schemas.microsoft.com/office/drawing/2016/SVG/main" r:embed="rId3"/>
               </a:ext>
             </a:extLst>
           </a:blip>
@@ -10170,10 +10056,9 @@
           <a:p>
             <a:pPr lvl="1"/>
             <a:r>
-              <a:rPr lang="en-US" dirty="0" smtClean="0"/>
+              <a:rPr lang="en-US" dirty="0"/>
               <a:t>Computer concepts, </a:t>
             </a:r>
-            <a:endParaRPr lang="en-US" dirty="0"/>
           </a:p>
           <a:p>
             <a:pPr lvl="1"/>
@@ -10191,7 +10076,7 @@
           </a:p>
           <a:p>
             <a:r>
-              <a:rPr lang="en-US" smtClean="0"/>
+              <a:rPr lang="en-US"/>
               <a:t>Wrap-Up</a:t>
             </a:r>
             <a:endParaRPr lang="en-US" dirty="0"/>
@@ -10244,7 +10129,7 @@
                 <a16:creationId xmlns:a16="http://schemas.microsoft.com/office/drawing/2014/main" id="{C66F2F30-5DC0-44A0-BFA6-E12F46ED16DA}"/>
               </a:ext>
               <a:ext uri="{C183D7F6-B498-43B3-948B-1728B52AA6E4}">
-                <adec:decorative xmlns="" xmlns:adec="http://schemas.microsoft.com/office/drawing/2017/decorative" val="1"/>
+                <adec:decorative xmlns:adec="http://schemas.microsoft.com/office/drawing/2017/decorative" val="1"/>
               </a:ext>
             </a:extLst>
           </p:cNvPr>
@@ -10368,7 +10253,7 @@
                 <a16:creationId xmlns:a16="http://schemas.microsoft.com/office/drawing/2014/main" id="{85872F57-7F42-4F97-8391-DDC8D0054C03}"/>
               </a:ext>
               <a:ext uri="{C183D7F6-B498-43B3-948B-1728B52AA6E4}">
-                <adec:decorative xmlns="" xmlns:adec="http://schemas.microsoft.com/office/drawing/2017/decorative" val="1"/>
+                <adec:decorative xmlns:adec="http://schemas.microsoft.com/office/drawing/2017/decorative" val="1"/>
               </a:ext>
             </a:extLst>
           </p:cNvPr>
@@ -10524,7 +10409,7 @@
                 <a16:creationId xmlns:a16="http://schemas.microsoft.com/office/drawing/2014/main" id="{04DC2037-48A0-4F22-B9D4-8EAEBC780AB4}"/>
               </a:ext>
               <a:ext uri="{C183D7F6-B498-43B3-948B-1728B52AA6E4}">
-                <adec:decorative xmlns="" xmlns:adec="http://schemas.microsoft.com/office/drawing/2017/decorative" val="1"/>
+                <adec:decorative xmlns:adec="http://schemas.microsoft.com/office/drawing/2017/decorative" val="1"/>
               </a:ext>
             </a:extLst>
           </p:cNvPr>
@@ -10629,7 +10514,7 @@
                 <a16:creationId xmlns:a16="http://schemas.microsoft.com/office/drawing/2014/main" id="{0006CBFD-ADA0-43D1-9332-9C34CA1C76ED}"/>
               </a:ext>
               <a:ext uri="{C183D7F6-B498-43B3-948B-1728B52AA6E4}">
-                <adec:decorative xmlns="" xmlns:adec="http://schemas.microsoft.com/office/drawing/2017/decorative" val="1"/>
+                <adec:decorative xmlns:adec="http://schemas.microsoft.com/office/drawing/2017/decorative" val="1"/>
               </a:ext>
             </a:extLst>
           </p:cNvPr>
@@ -10737,7 +10622,7 @@
                 <a16:creationId xmlns:a16="http://schemas.microsoft.com/office/drawing/2014/main" id="{2B931666-F28F-45F3-A074-66D2272D580B}"/>
               </a:ext>
               <a:ext uri="{C183D7F6-B498-43B3-948B-1728B52AA6E4}">
-                <adec:decorative xmlns="" xmlns:adec="http://schemas.microsoft.com/office/drawing/2017/decorative" val="1"/>
+                <adec:decorative xmlns:adec="http://schemas.microsoft.com/office/drawing/2017/decorative" val="1"/>
               </a:ext>
             </a:extLst>
           </p:cNvPr>
@@ -11141,7 +11026,7 @@
                 <a14:useLocalDpi xmlns:a14="http://schemas.microsoft.com/office/drawing/2010/main" val="0"/>
               </a:ext>
               <a:ext uri="{96DAC541-7B7A-43D3-8B79-37D633B846F1}">
-                <asvg:svgBlip xmlns="" xmlns:asvg="http://schemas.microsoft.com/office/drawing/2016/SVG/main" r:embed="rId4"/>
+                <asvg:svgBlip xmlns:asvg="http://schemas.microsoft.com/office/drawing/2016/SVG/main" r:embed="rId4"/>
               </a:ext>
             </a:extLst>
           </a:blip>
@@ -11167,7 +11052,7 @@
                 <a16:creationId xmlns:a16="http://schemas.microsoft.com/office/drawing/2014/main" id="{1A882A9F-F4E9-4E23-8F0B-20B5DF42EAA9}"/>
               </a:ext>
               <a:ext uri="{C183D7F6-B498-43B3-948B-1728B52AA6E4}">
-                <adec:decorative xmlns="" xmlns:adec="http://schemas.microsoft.com/office/drawing/2017/decorative" val="1"/>
+                <adec:decorative xmlns:adec="http://schemas.microsoft.com/office/drawing/2017/decorative" val="1"/>
               </a:ext>
             </a:extLst>
           </p:cNvPr>
@@ -11261,7 +11146,7 @@
                 <a16:creationId xmlns:a16="http://schemas.microsoft.com/office/drawing/2014/main" id="{FBE9F90C-C163-435B-9A68-D15C92D1CF2B}"/>
               </a:ext>
               <a:ext uri="{C183D7F6-B498-43B3-948B-1728B52AA6E4}">
-                <adec:decorative xmlns="" xmlns:adec="http://schemas.microsoft.com/office/drawing/2017/decorative" val="1"/>
+                <adec:decorative xmlns:adec="http://schemas.microsoft.com/office/drawing/2017/decorative" val="1"/>
               </a:ext>
             </a:extLst>
           </p:cNvPr>
@@ -11355,7 +11240,7 @@
                 <a16:creationId xmlns:a16="http://schemas.microsoft.com/office/drawing/2014/main" id="{CDA1A2E9-63FE-408D-A803-8E306ECAB4B3}"/>
               </a:ext>
               <a:ext uri="{C183D7F6-B498-43B3-948B-1728B52AA6E4}">
-                <adec:decorative xmlns="" xmlns:adec="http://schemas.microsoft.com/office/drawing/2017/decorative" val="1"/>
+                <adec:decorative xmlns:adec="http://schemas.microsoft.com/office/drawing/2017/decorative" val="1"/>
               </a:ext>
             </a:extLst>
           </p:cNvPr>
@@ -11590,122 +11475,6 @@
 <file path=ppt/slides/slide23.xml><?xml version="1.0" encoding="utf-8"?>
 <p:sld xmlns:a="http://schemas.openxmlformats.org/drawingml/2006/main" xmlns:r="http://schemas.openxmlformats.org/officeDocument/2006/relationships" xmlns:p="http://schemas.openxmlformats.org/presentationml/2006/main">
   <p:cSld>
-    <p:spTree>
-      <p:nvGrpSpPr>
-        <p:cNvPr id="1" name=""/>
-        <p:cNvGrpSpPr/>
-        <p:nvPr/>
-      </p:nvGrpSpPr>
-      <p:grpSpPr>
-        <a:xfrm>
-          <a:off x="0" y="0"/>
-          <a:ext cx="0" cy="0"/>
-          <a:chOff x="0" y="0"/>
-          <a:chExt cx="0" cy="0"/>
-        </a:xfrm>
-      </p:grpSpPr>
-      <p:sp>
-        <p:nvSpPr>
-          <p:cNvPr id="2" name="Title 1">
-            <a:extLst>
-              <a:ext uri="{FF2B5EF4-FFF2-40B4-BE49-F238E27FC236}">
-                <a16:creationId xmlns:a16="http://schemas.microsoft.com/office/drawing/2014/main" id="{CECEC0A2-0FBC-4FD8-99C8-5BE017C081E6}"/>
-              </a:ext>
-            </a:extLst>
-          </p:cNvPr>
-          <p:cNvSpPr>
-            <a:spLocks noGrp="1"/>
-          </p:cNvSpPr>
-          <p:nvPr>
-            <p:ph type="title"/>
-          </p:nvPr>
-        </p:nvSpPr>
-        <p:spPr/>
-        <p:txBody>
-          <a:bodyPr>
-            <a:normAutofit/>
-          </a:bodyPr>
-          <a:lstStyle/>
-          <a:p>
-            <a:r>
-              <a:rPr lang="en-US" sz="4800" dirty="0"/>
-              <a:t>Your To-Do List For Next Class</a:t>
-            </a:r>
-          </a:p>
-        </p:txBody>
-      </p:sp>
-      <p:sp>
-        <p:nvSpPr>
-          <p:cNvPr id="3" name="Content Placeholder 2">
-            <a:extLst>
-              <a:ext uri="{FF2B5EF4-FFF2-40B4-BE49-F238E27FC236}">
-                <a16:creationId xmlns:a16="http://schemas.microsoft.com/office/drawing/2014/main" id="{A0CE4E65-3524-408A-B9CE-20BAEBFA1991}"/>
-              </a:ext>
-            </a:extLst>
-          </p:cNvPr>
-          <p:cNvSpPr>
-            <a:spLocks noGrp="1"/>
-          </p:cNvSpPr>
-          <p:nvPr>
-            <p:ph idx="1"/>
-          </p:nvPr>
-        </p:nvSpPr>
-        <p:spPr/>
-        <p:txBody>
-          <a:bodyPr>
-            <a:normAutofit/>
-          </a:bodyPr>
-          <a:lstStyle/>
-          <a:p>
-            <a:r>
-              <a:rPr lang="en-US" sz="3200" dirty="0"/>
-              <a:t>Read (XX – Lesson Name)</a:t>
-            </a:r>
-          </a:p>
-          <a:p>
-            <a:pPr lvl="1"/>
-            <a:r>
-              <a:rPr lang="en-US" dirty="0"/>
-              <a:t>Reading Something</a:t>
-            </a:r>
-          </a:p>
-          <a:p>
-            <a:r>
-              <a:rPr lang="en-US" dirty="0"/>
-              <a:t>Homework:</a:t>
-            </a:r>
-          </a:p>
-          <a:p>
-            <a:pPr lvl="1"/>
-            <a:r>
-              <a:rPr lang="en-US" dirty="0"/>
-              <a:t>Lab something / homework something</a:t>
-            </a:r>
-          </a:p>
-          <a:p>
-            <a:pPr marL="457200" lvl="1" indent="0">
-              <a:buNone/>
-            </a:pPr>
-            <a:endParaRPr lang="en-US" dirty="0"/>
-          </a:p>
-        </p:txBody>
-      </p:sp>
-    </p:spTree>
-    <p:extLst>
-      <p:ext uri="{BB962C8B-B14F-4D97-AF65-F5344CB8AC3E}">
-        <p14:creationId xmlns:p14="http://schemas.microsoft.com/office/powerpoint/2010/main" val="1060460596"/>
-      </p:ext>
-    </p:extLst>
-  </p:cSld>
-  <p:clrMapOvr>
-    <a:masterClrMapping/>
-  </p:clrMapOvr>
-</p:sld>
-</file>
-
-<file path=ppt/slides/slide24.xml><?xml version="1.0" encoding="utf-8"?>
-<p:sld xmlns:a="http://schemas.openxmlformats.org/drawingml/2006/main" xmlns:r="http://schemas.openxmlformats.org/officeDocument/2006/relationships" xmlns:p="http://schemas.openxmlformats.org/presentationml/2006/main">
-  <p:cSld>
     <p:bg>
       <p:bgPr>
         <a:solidFill>
@@ -11736,7 +11505,7 @@
                 <a16:creationId xmlns:a16="http://schemas.microsoft.com/office/drawing/2014/main" id="{025E15EC-F3C2-49B3-B38B-7404B833B21C}"/>
               </a:ext>
               <a:ext uri="{C183D7F6-B498-43B3-948B-1728B52AA6E4}">
-                <adec:decorative xmlns="" xmlns:adec="http://schemas.microsoft.com/office/drawing/2017/decorative" val="1"/>
+                <adec:decorative xmlns:adec="http://schemas.microsoft.com/office/drawing/2017/decorative" val="1"/>
               </a:ext>
             </a:extLst>
           </p:cNvPr>
@@ -11759,7 +11528,7 @@
                 <a14:useLocalDpi xmlns:a14="http://schemas.microsoft.com/office/drawing/2010/main" val="0"/>
               </a:ext>
               <a:ext uri="{96DAC541-7B7A-43D3-8B79-37D633B846F1}">
-                <asvg:svgBlip xmlns="" xmlns:asvg="http://schemas.microsoft.com/office/drawing/2016/SVG/main" r:embed="rId3"/>
+                <asvg:svgBlip xmlns:asvg="http://schemas.microsoft.com/office/drawing/2016/SVG/main" r:embed="rId3"/>
               </a:ext>
             </a:extLst>
           </a:blip>
@@ -11798,7 +11567,7 @@
                 <a14:useLocalDpi xmlns:a14="http://schemas.microsoft.com/office/drawing/2010/main" val="0"/>
               </a:ext>
               <a:ext uri="{96DAC541-7B7A-43D3-8B79-37D633B846F1}">
-                <asvg:svgBlip xmlns="" xmlns:asvg="http://schemas.microsoft.com/office/drawing/2016/SVG/main" r:embed="rId3"/>
+                <asvg:svgBlip xmlns:asvg="http://schemas.microsoft.com/office/drawing/2016/SVG/main" r:embed="rId3"/>
               </a:ext>
             </a:extLst>
           </a:blip>
@@ -11916,7 +11685,7 @@
 </p:sld>
 </file>
 
-<file path=ppt/slides/slide25.xml><?xml version="1.0" encoding="utf-8"?>
+<file path=ppt/slides/slide24.xml><?xml version="1.0" encoding="utf-8"?>
 <p:sld xmlns:a="http://schemas.openxmlformats.org/drawingml/2006/main" xmlns:r="http://schemas.openxmlformats.org/officeDocument/2006/relationships" xmlns:p="http://schemas.openxmlformats.org/presentationml/2006/main">
   <p:cSld>
     <p:bg>
@@ -11962,7 +11731,7 @@
                 <a14:useLocalDpi xmlns:a14="http://schemas.microsoft.com/office/drawing/2010/main" val="0"/>
               </a:ext>
               <a:ext uri="{96DAC541-7B7A-43D3-8B79-37D633B846F1}">
-                <asvg:svgBlip xmlns="" xmlns:asvg="http://schemas.microsoft.com/office/drawing/2016/SVG/main" r:embed="rId3"/>
+                <asvg:svgBlip xmlns:asvg="http://schemas.microsoft.com/office/drawing/2016/SVG/main" r:embed="rId3"/>
               </a:ext>
             </a:extLst>
           </a:blip>
@@ -11988,7 +11757,7 @@
                 <a16:creationId xmlns:a16="http://schemas.microsoft.com/office/drawing/2014/main" id="{1A882A9F-F4E9-4E23-8F0B-20B5DF42EAA9}"/>
               </a:ext>
               <a:ext uri="{C183D7F6-B498-43B3-948B-1728B52AA6E4}">
-                <adec:decorative xmlns="" xmlns:adec="http://schemas.microsoft.com/office/drawing/2017/decorative" val="1"/>
+                <adec:decorative xmlns:adec="http://schemas.microsoft.com/office/drawing/2017/decorative" val="1"/>
               </a:ext>
             </a:extLst>
           </p:cNvPr>
@@ -12082,7 +11851,7 @@
                 <a16:creationId xmlns:a16="http://schemas.microsoft.com/office/drawing/2014/main" id="{FBE9F90C-C163-435B-9A68-D15C92D1CF2B}"/>
               </a:ext>
               <a:ext uri="{C183D7F6-B498-43B3-948B-1728B52AA6E4}">
-                <adec:decorative xmlns="" xmlns:adec="http://schemas.microsoft.com/office/drawing/2017/decorative" val="1"/>
+                <adec:decorative xmlns:adec="http://schemas.microsoft.com/office/drawing/2017/decorative" val="1"/>
               </a:ext>
             </a:extLst>
           </p:cNvPr>
@@ -12176,7 +11945,7 @@
                 <a16:creationId xmlns:a16="http://schemas.microsoft.com/office/drawing/2014/main" id="{CDA1A2E9-63FE-408D-A803-8E306ECAB4B3}"/>
               </a:ext>
               <a:ext uri="{C183D7F6-B498-43B3-948B-1728B52AA6E4}">
-                <adec:decorative xmlns="" xmlns:adec="http://schemas.microsoft.com/office/drawing/2017/decorative" val="1"/>
+                <adec:decorative xmlns:adec="http://schemas.microsoft.com/office/drawing/2017/decorative" val="1"/>
               </a:ext>
             </a:extLst>
           </p:cNvPr>
@@ -12389,7 +12158,7 @@
                 <a16:creationId xmlns:a16="http://schemas.microsoft.com/office/drawing/2014/main" id="{F98ED85F-DCEE-4B50-802E-71A6E3E12B04}"/>
               </a:ext>
               <a:ext uri="{C183D7F6-B498-43B3-948B-1728B52AA6E4}">
-                <adec:decorative xmlns="" xmlns:adec="http://schemas.microsoft.com/office/drawing/2017/decorative" val="1"/>
+                <adec:decorative xmlns:adec="http://schemas.microsoft.com/office/drawing/2017/decorative" val="1"/>
               </a:ext>
             </a:extLst>
           </p:cNvPr>
@@ -12520,7 +12289,7 @@
               <a:buAutoNum type="arabicPeriod"/>
             </a:pPr>
             <a:r>
-              <a:rPr lang="en-US" dirty="0" smtClean="0"/>
+              <a:rPr lang="en-US" dirty="0"/>
               <a:t>What are the 4 key tasks common to all computers?</a:t>
             </a:r>
           </a:p>
@@ -12530,7 +12299,7 @@
               <a:buAutoNum type="arabicPeriod"/>
             </a:pPr>
             <a:r>
-              <a:rPr lang="en-US" dirty="0" smtClean="0"/>
+              <a:rPr lang="en-US" dirty="0"/>
               <a:t>What is the universal format of data on a computer?</a:t>
             </a:r>
           </a:p>
@@ -12540,10 +12309,9 @@
               <a:buAutoNum type="arabicPeriod"/>
             </a:pPr>
             <a:r>
-              <a:rPr lang="en-US" dirty="0" smtClean="0"/>
+              <a:rPr lang="en-US" dirty="0"/>
               <a:t>What is an operating system?</a:t>
             </a:r>
-            <a:endParaRPr lang="en-US" dirty="0"/>
           </a:p>
           <a:p>
             <a:pPr marL="514350" lvl="0" indent="-514350">
@@ -12551,10 +12319,9 @@
               <a:buAutoNum type="arabicPeriod"/>
             </a:pPr>
             <a:r>
-              <a:rPr lang="en-US" dirty="0" smtClean="0"/>
+              <a:rPr lang="en-US" dirty="0"/>
               <a:t>What are the 5 responsibilities of the operating systems kernel?</a:t>
             </a:r>
-            <a:endParaRPr lang="en-US" dirty="0"/>
           </a:p>
           <a:p>
             <a:pPr marL="514350" lvl="0" indent="-514350">
@@ -12562,10 +12329,9 @@
               <a:buAutoNum type="arabicPeriod"/>
             </a:pPr>
             <a:r>
-              <a:rPr lang="en-US" dirty="0" smtClean="0"/>
+              <a:rPr lang="en-US" dirty="0"/>
               <a:t>What are the two common user interfaces found in an operating system? What are the advantages of each? </a:t>
             </a:r>
-            <a:endParaRPr lang="en-US" dirty="0"/>
           </a:p>
           <a:p>
             <a:pPr marL="514350" lvl="0" indent="-514350">
@@ -12674,10 +12440,9 @@
               <a:buAutoNum type="arabicPeriod"/>
             </a:pPr>
             <a:r>
-              <a:rPr lang="en-US" dirty="0" smtClean="0"/>
+              <a:rPr lang="en-US" dirty="0"/>
               <a:t>Let’s check how you did with your ROI/TCO homework.</a:t>
             </a:r>
-            <a:endParaRPr lang="en-US" dirty="0"/>
           </a:p>
         </p:txBody>
       </p:sp>
@@ -12739,10 +12504,9 @@
           <a:lstStyle/>
           <a:p>
             <a:r>
-              <a:rPr lang="en-US" sz="7200" dirty="0" smtClean="0"/>
+              <a:rPr lang="en-US" sz="7200" dirty="0"/>
               <a:t>Lab Debrief</a:t>
             </a:r>
-            <a:endParaRPr lang="en-US" sz="7200" dirty="0"/>
           </a:p>
         </p:txBody>
       </p:sp>
@@ -12764,14 +12528,9 @@
           <a:lstStyle/>
           <a:p>
             <a:r>
-              <a:rPr lang="en-US" sz="3600" dirty="0" smtClean="0"/>
-              <a:t>Lab - </a:t>
-            </a:r>
-            <a:r>
-              <a:rPr lang="en-US" sz="3600" dirty="0" smtClean="0"/>
-              <a:t>B</a:t>
-            </a:r>
-            <a:endParaRPr lang="en-US" sz="3600" dirty="0"/>
+              <a:rPr lang="en-US" sz="3600" dirty="0"/>
+              <a:t>Lab - B</a:t>
+            </a:r>
           </a:p>
         </p:txBody>
       </p:sp>
@@ -12845,7 +12604,7 @@
                 <a16:creationId xmlns:a16="http://schemas.microsoft.com/office/drawing/2014/main" id="{8D70B121-56F4-4848-B38B-182089D909FA}"/>
               </a:ext>
               <a:ext uri="{C183D7F6-B498-43B3-948B-1728B52AA6E4}">
-                <adec:decorative xmlns="" xmlns:adec="http://schemas.microsoft.com/office/drawing/2017/decorative" val="1"/>
+                <adec:decorative xmlns:adec="http://schemas.microsoft.com/office/drawing/2017/decorative" val="1"/>
               </a:ext>
             </a:extLst>
           </p:cNvPr>
@@ -12950,7 +12709,7 @@
                 <a16:creationId xmlns:a16="http://schemas.microsoft.com/office/drawing/2014/main" id="{2D72A2C9-F3CA-4216-8BAD-FA4C970C3C4E}"/>
               </a:ext>
               <a:ext uri="{C183D7F6-B498-43B3-948B-1728B52AA6E4}">
-                <adec:decorative xmlns="" xmlns:adec="http://schemas.microsoft.com/office/drawing/2017/decorative" val="1"/>
+                <adec:decorative xmlns:adec="http://schemas.microsoft.com/office/drawing/2017/decorative" val="1"/>
               </a:ext>
             </a:extLst>
           </p:cNvPr>
@@ -13130,7 +12889,7 @@
                 <a16:creationId xmlns:a16="http://schemas.microsoft.com/office/drawing/2014/main" id="{3CD9DF72-87A3-404E-A828-84CBF11A8303}"/>
               </a:ext>
               <a:ext uri="{C183D7F6-B498-43B3-948B-1728B52AA6E4}">
-                <adec:decorative xmlns="" xmlns:adec="http://schemas.microsoft.com/office/drawing/2017/decorative" val="1"/>
+                <adec:decorative xmlns:adec="http://schemas.microsoft.com/office/drawing/2017/decorative" val="1"/>
               </a:ext>
             </a:extLst>
           </p:cNvPr>
@@ -13309,7 +13068,7 @@
                 <a16:creationId xmlns:a16="http://schemas.microsoft.com/office/drawing/2014/main" id="{20E3A342-4D61-4E3F-AF90-1AB42AEB96CC}"/>
               </a:ext>
               <a:ext uri="{C183D7F6-B498-43B3-948B-1728B52AA6E4}">
-                <adec:decorative xmlns="" xmlns:adec="http://schemas.microsoft.com/office/drawing/2017/decorative" val="1"/>
+                <adec:decorative xmlns:adec="http://schemas.microsoft.com/office/drawing/2017/decorative" val="1"/>
               </a:ext>
             </a:extLst>
           </p:cNvPr>
@@ -13557,7 +13316,7 @@
           <a:p>
             <a:fld id="{2D4C16BC-65FC-460E-B4B6-21D54248088F}" type="datetime1">
               <a:rPr lang="en-US" smtClean="0"/>
-              <a:t>8/28/2018</a:t>
+              <a:t>9/11/2018</a:t>
             </a:fld>
             <a:endParaRPr lang="en-US" dirty="0"/>
           </a:p>
